--- a/Slides/Lecture04 - Data Access and Entity Framework Core.pptx
+++ b/Slides/Lecture04 - Data Access and Entity Framework Core.pptx
@@ -6,25 +6,32 @@
     <p:sldMasterId id="2147484675" r:id="rId5"/>
   </p:sldMasterIdLst>
   <p:notesMasterIdLst>
-    <p:notesMasterId r:id="rId19"/>
+    <p:notesMasterId r:id="rId26"/>
   </p:notesMasterIdLst>
   <p:handoutMasterIdLst>
-    <p:handoutMasterId r:id="rId20"/>
+    <p:handoutMasterId r:id="rId27"/>
   </p:handoutMasterIdLst>
   <p:sldIdLst>
     <p:sldId id="1663" r:id="rId6"/>
     <p:sldId id="1664" r:id="rId7"/>
     <p:sldId id="1707" r:id="rId8"/>
-    <p:sldId id="1698" r:id="rId9"/>
-    <p:sldId id="1708" r:id="rId10"/>
-    <p:sldId id="1714" r:id="rId11"/>
-    <p:sldId id="1687" r:id="rId12"/>
-    <p:sldId id="1705" r:id="rId13"/>
-    <p:sldId id="1711" r:id="rId14"/>
-    <p:sldId id="1710" r:id="rId15"/>
-    <p:sldId id="1709" r:id="rId16"/>
-    <p:sldId id="1712" r:id="rId17"/>
-    <p:sldId id="1713" r:id="rId18"/>
+    <p:sldId id="1715" r:id="rId9"/>
+    <p:sldId id="1716" r:id="rId10"/>
+    <p:sldId id="1698" r:id="rId11"/>
+    <p:sldId id="1708" r:id="rId12"/>
+    <p:sldId id="1714" r:id="rId13"/>
+    <p:sldId id="1720" r:id="rId14"/>
+    <p:sldId id="1687" r:id="rId15"/>
+    <p:sldId id="1710" r:id="rId16"/>
+    <p:sldId id="1709" r:id="rId17"/>
+    <p:sldId id="1705" r:id="rId18"/>
+    <p:sldId id="1711" r:id="rId19"/>
+    <p:sldId id="1718" r:id="rId20"/>
+    <p:sldId id="1719" r:id="rId21"/>
+    <p:sldId id="1712" r:id="rId22"/>
+    <p:sldId id="1713" r:id="rId23"/>
+    <p:sldId id="1721" r:id="rId24"/>
+    <p:sldId id="1722" r:id="rId25"/>
   </p:sldIdLst>
   <p:sldSz cx="12192000" cy="6858000"/>
   <p:notesSz cx="6858000" cy="9144000"/>
@@ -131,16 +138,23 @@
             <p14:sldId id="1663"/>
             <p14:sldId id="1664"/>
             <p14:sldId id="1707"/>
+            <p14:sldId id="1715"/>
+            <p14:sldId id="1716"/>
             <p14:sldId id="1698"/>
             <p14:sldId id="1708"/>
             <p14:sldId id="1714"/>
+            <p14:sldId id="1720"/>
             <p14:sldId id="1687"/>
+            <p14:sldId id="1710"/>
+            <p14:sldId id="1709"/>
             <p14:sldId id="1705"/>
             <p14:sldId id="1711"/>
-            <p14:sldId id="1710"/>
-            <p14:sldId id="1709"/>
+            <p14:sldId id="1718"/>
+            <p14:sldId id="1719"/>
             <p14:sldId id="1712"/>
             <p14:sldId id="1713"/>
+            <p14:sldId id="1721"/>
+            <p14:sldId id="1722"/>
           </p14:sldIdLst>
         </p14:section>
       </p14:sectionLst>
@@ -280,7 +294,7 @@
               <a:rPr lang="en-US" smtClean="0">
                 <a:latin typeface="Segoe UI" pitchFamily="34" charset="0"/>
               </a:rPr>
-              <a:t>9/11/2020 10:41 AM</a:t>
+              <a:t>9/14/2020 9:44 PM</a:t>
             </a:fld>
             <a:endParaRPr lang="en-US" dirty="0">
               <a:latin typeface="Segoe UI" pitchFamily="34" charset="0"/>
@@ -558,7 +572,7 @@
           <a:p>
             <a:fld id="{386CE63F-9E7F-4C04-9D0D-FCA25A8E9E86}" type="datetime8">
               <a:rPr lang="en-US" smtClean="0"/>
-              <a:t>9/11/2020 10:41 AM</a:t>
+              <a:t>9/14/2020 9:44 PM</a:t>
             </a:fld>
             <a:endParaRPr lang="en-US" dirty="0"/>
           </a:p>
@@ -925,7 +939,7 @@
           <a:p>
             <a:fld id="{321E5A7B-BB8D-4368-A182-109669521632}" type="datetime8">
               <a:rPr lang="en-US" smtClean="0"/>
-              <a:t>9/11/2020 10:41 AM</a:t>
+              <a:t>9/14/2020 9:44 PM</a:t>
             </a:fld>
             <a:endParaRPr lang="en-US" dirty="0"/>
           </a:p>
@@ -19521,6 +19535,115 @@
       </p:grpSpPr>
       <p:sp>
         <p:nvSpPr>
+          <p:cNvPr id="2" name="Title 1">
+            <a:extLst>
+              <a:ext uri="{FF2B5EF4-FFF2-40B4-BE49-F238E27FC236}">
+                <a16:creationId xmlns:a16="http://schemas.microsoft.com/office/drawing/2014/main" id="{6C2C5201-B2FF-45F1-98D1-532F8F35377D}"/>
+              </a:ext>
+            </a:extLst>
+          </p:cNvPr>
+          <p:cNvSpPr>
+            <a:spLocks noGrp="1"/>
+          </p:cNvSpPr>
+          <p:nvPr>
+            <p:ph type="title"/>
+          </p:nvPr>
+        </p:nvSpPr>
+        <p:spPr/>
+        <p:txBody>
+          <a:bodyPr/>
+          <a:lstStyle/>
+          <a:p>
+            <a:r>
+              <a:rPr lang="en-US" dirty="0"/>
+              <a:t>Old School SQL</a:t>
+            </a:r>
+            <a:endParaRPr lang="LID4096" dirty="0"/>
+          </a:p>
+        </p:txBody>
+      </p:sp>
+      <p:sp>
+        <p:nvSpPr>
+          <p:cNvPr id="5" name="Text Placeholder 4">
+            <a:extLst>
+              <a:ext uri="{FF2B5EF4-FFF2-40B4-BE49-F238E27FC236}">
+                <a16:creationId xmlns:a16="http://schemas.microsoft.com/office/drawing/2014/main" id="{1720E450-7EAD-4FC6-B503-4DBAC6C89E99}"/>
+              </a:ext>
+            </a:extLst>
+          </p:cNvPr>
+          <p:cNvSpPr>
+            <a:spLocks noGrp="1"/>
+          </p:cNvSpPr>
+          <p:nvPr>
+            <p:ph type="body" sz="quarter" idx="10"/>
+          </p:nvPr>
+        </p:nvSpPr>
+        <p:spPr>
+          <a:xfrm>
+            <a:off x="588263" y="1436688"/>
+            <a:ext cx="11018520" cy="430887"/>
+          </a:xfrm>
+        </p:spPr>
+        <p:txBody>
+          <a:bodyPr/>
+          <a:lstStyle/>
+          <a:p>
+            <a:r>
+              <a:rPr lang="en-US" dirty="0">
+                <a:latin typeface="Cascadia Code PL" panose="020B0609020000020004" pitchFamily="49" charset="0"/>
+                <a:cs typeface="Cascadia Code PL" panose="020B0609020000020004" pitchFamily="49" charset="0"/>
+              </a:rPr>
+              <a:t>dotnet add package </a:t>
+            </a:r>
+            <a:r>
+              <a:rPr lang="en-US" dirty="0" err="1">
+                <a:latin typeface="Cascadia Code PL" panose="020B0609020000020004" pitchFamily="49" charset="0"/>
+                <a:cs typeface="Cascadia Code PL" panose="020B0609020000020004" pitchFamily="49" charset="0"/>
+              </a:rPr>
+              <a:t>System.Data.SqlClient</a:t>
+            </a:r>
+            <a:endParaRPr lang="LID4096" dirty="0">
+              <a:latin typeface="Cascadia Code PL" panose="020B0609020000020004" pitchFamily="49" charset="0"/>
+              <a:cs typeface="Cascadia Code PL" panose="020B0609020000020004" pitchFamily="49" charset="0"/>
+            </a:endParaRPr>
+          </a:p>
+        </p:txBody>
+      </p:sp>
+    </p:spTree>
+    <p:extLst>
+      <p:ext uri="{BB962C8B-B14F-4D97-AF65-F5344CB8AC3E}">
+        <p14:creationId xmlns:p14="http://schemas.microsoft.com/office/powerpoint/2010/main" val="1157775991"/>
+      </p:ext>
+    </p:extLst>
+  </p:cSld>
+  <p:clrMapOvr>
+    <a:masterClrMapping/>
+  </p:clrMapOvr>
+  <p:transition>
+    <p:fade/>
+  </p:transition>
+</p:sld>
+</file>
+
+<file path=ppt/slides/slide11.xml><?xml version="1.0" encoding="utf-8"?>
+<p:sld xmlns:a="http://schemas.openxmlformats.org/drawingml/2006/main" xmlns:r="http://schemas.openxmlformats.org/officeDocument/2006/relationships" xmlns:p="http://schemas.openxmlformats.org/presentationml/2006/main">
+  <p:cSld>
+    <p:spTree>
+      <p:nvGrpSpPr>
+        <p:cNvPr id="1" name=""/>
+        <p:cNvGrpSpPr/>
+        <p:nvPr/>
+      </p:nvGrpSpPr>
+      <p:grpSpPr>
+        <a:xfrm>
+          <a:off x="0" y="0"/>
+          <a:ext cx="0" cy="0"/>
+          <a:chOff x="0" y="0"/>
+          <a:chExt cx="0" cy="0"/>
+        </a:xfrm>
+      </p:grpSpPr>
+      <p:sp>
+        <p:nvSpPr>
           <p:cNvPr id="4" name="Title 3">
             <a:extLst>
               <a:ext uri="{FF2B5EF4-FFF2-40B4-BE49-F238E27FC236}">
@@ -19573,7 +19696,7 @@
 </p:sld>
 </file>
 
-<file path=ppt/slides/slide11.xml><?xml version="1.0" encoding="utf-8"?>
+<file path=ppt/slides/slide12.xml><?xml version="1.0" encoding="utf-8"?>
 <p:sld xmlns:a="http://schemas.openxmlformats.org/drawingml/2006/main" xmlns:r="http://schemas.openxmlformats.org/officeDocument/2006/relationships" xmlns:p="http://schemas.openxmlformats.org/presentationml/2006/main">
   <p:cSld>
     <p:spTree>
@@ -19621,10 +19744,10 @@
       </p:sp>
       <p:sp>
         <p:nvSpPr>
-          <p:cNvPr id="6" name="Text Placeholder 5">
+          <p:cNvPr id="3" name="Text Placeholder 2">
             <a:extLst>
               <a:ext uri="{FF2B5EF4-FFF2-40B4-BE49-F238E27FC236}">
-                <a16:creationId xmlns:a16="http://schemas.microsoft.com/office/drawing/2014/main" id="{6A59EDFA-CC39-42A8-90E7-5C0D634186F2}"/>
+                <a16:creationId xmlns:a16="http://schemas.microsoft.com/office/drawing/2014/main" id="{5F96F862-373B-4647-AAC7-A8F7EBA1DC92}"/>
               </a:ext>
             </a:extLst>
           </p:cNvPr>
@@ -19638,7 +19761,7 @@
         <p:spPr>
           <a:xfrm>
             <a:off x="586390" y="1434370"/>
-            <a:ext cx="11018520" cy="430887"/>
+            <a:ext cx="11018520" cy="4912114"/>
           </a:xfrm>
         </p:spPr>
         <p:txBody>
@@ -19646,13 +19769,108 @@
           <a:lstStyle/>
           <a:p>
             <a:r>
-              <a:rPr lang="en-US" dirty="0">
-                <a:solidFill>
-                  <a:srgbClr val="FF0000"/>
-                </a:solidFill>
+              <a:rPr lang="en-US" dirty="0"/>
+              <a:t>A </a:t>
+            </a:r>
+            <a:r>
+              <a:rPr lang="en-US" b="1" dirty="0"/>
+              <a:t>SQL injection </a:t>
+            </a:r>
+            <a:r>
+              <a:rPr lang="en-US" dirty="0"/>
+              <a:t>attack consists of insertion or “injection” of a SQL query via the input data from the client to the application. </a:t>
+            </a:r>
+          </a:p>
+          <a:p>
+            <a:endParaRPr lang="en-US" dirty="0"/>
+          </a:p>
+          <a:p>
+            <a:r>
+              <a:rPr lang="en-US" dirty="0"/>
+              <a:t>A successful SQL injection exploit can:</a:t>
+            </a:r>
+          </a:p>
+          <a:p>
+            <a:endParaRPr lang="en-US" dirty="0"/>
+          </a:p>
+          <a:p>
+            <a:pPr marL="457200" indent="-457200">
+              <a:buFont typeface="Arial" panose="020B0604020202020204" pitchFamily="34" charset="0"/>
+              <a:buChar char="•"/>
+            </a:pPr>
+            <a:r>
+              <a:rPr lang="en-US" dirty="0"/>
+              <a:t>read sensitive data from the database, </a:t>
+            </a:r>
+          </a:p>
+          <a:p>
+            <a:pPr marL="457200" indent="-457200">
+              <a:buFont typeface="Arial" panose="020B0604020202020204" pitchFamily="34" charset="0"/>
+              <a:buChar char="•"/>
+            </a:pPr>
+            <a:r>
+              <a:rPr lang="en-US" dirty="0"/>
+              <a:t>modify database data (Insert/Update/Delete), </a:t>
+            </a:r>
+          </a:p>
+          <a:p>
+            <a:pPr marL="457200" indent="-457200">
+              <a:buFont typeface="Arial" panose="020B0604020202020204" pitchFamily="34" charset="0"/>
+              <a:buChar char="•"/>
+            </a:pPr>
+            <a:r>
+              <a:rPr lang="en-US" dirty="0"/>
+              <a:t>execute administration operations on the database (such as shutdown the DBMS), </a:t>
+            </a:r>
+          </a:p>
+          <a:p>
+            <a:pPr marL="457200" indent="-457200">
+              <a:buFont typeface="Arial" panose="020B0604020202020204" pitchFamily="34" charset="0"/>
+              <a:buChar char="•"/>
+            </a:pPr>
+            <a:r>
+              <a:rPr lang="en-US" dirty="0"/>
+              <a:t>or worse</a:t>
+            </a:r>
+          </a:p>
+        </p:txBody>
+      </p:sp>
+      <p:sp>
+        <p:nvSpPr>
+          <p:cNvPr id="7" name="TextBox 6">
+            <a:extLst>
+              <a:ext uri="{FF2B5EF4-FFF2-40B4-BE49-F238E27FC236}">
+                <a16:creationId xmlns:a16="http://schemas.microsoft.com/office/drawing/2014/main" id="{2D4F1ECE-E2BD-4D4B-9BE7-178AEA1C5B0E}"/>
+              </a:ext>
+            </a:extLst>
+          </p:cNvPr>
+          <p:cNvSpPr txBox="1"/>
+          <p:nvPr/>
+        </p:nvSpPr>
+        <p:spPr>
+          <a:xfrm>
+            <a:off x="5340350" y="6346484"/>
+            <a:ext cx="6738620" cy="363946"/>
+          </a:xfrm>
+          <a:prstGeom prst="rect">
+            <a:avLst/>
+          </a:prstGeom>
+          <a:noFill/>
+        </p:spPr>
+        <p:txBody>
+          <a:bodyPr wrap="square">
+            <a:spAutoFit/>
+          </a:bodyPr>
+          <a:lstStyle/>
+          <a:p>
+            <a:pPr algn="r"/>
+            <a:r>
+              <a:rPr lang="da-DK" dirty="0">
+                <a:hlinkClick r:id="rId2"/>
               </a:rPr>
-              <a:t>What???</a:t>
-            </a:r>
+              <a:t>https://owasp.org/www-community/attacks/SQL_Injection</a:t>
+            </a:r>
+            <a:endParaRPr lang="LID4096" dirty="0"/>
           </a:p>
         </p:txBody>
       </p:sp>
@@ -19672,7 +19890,7 @@
 </p:sld>
 </file>
 
-<file path=ppt/slides/slide12.xml><?xml version="1.0" encoding="utf-8"?>
+<file path=ppt/slides/slide13.xml><?xml version="1.0" encoding="utf-8"?>
 <p:sld xmlns:a="http://schemas.openxmlformats.org/drawingml/2006/main" xmlns:r="http://schemas.openxmlformats.org/officeDocument/2006/relationships" xmlns:p="http://schemas.openxmlformats.org/presentationml/2006/main">
   <p:cSld>
     <p:spTree>
@@ -19711,8 +19929,8 @@
           <a:lstStyle/>
           <a:p>
             <a:r>
-              <a:rPr lang="en-US" dirty="0"/>
-              <a:t>Entity Framework Core</a:t>
+              <a:rPr lang="en-US" dirty="0" err="1"/>
+              <a:t>IDisposable</a:t>
             </a:r>
             <a:endParaRPr lang="LID4096" dirty="0"/>
           </a:p>
@@ -19721,7 +19939,7 @@
     </p:spTree>
     <p:extLst>
       <p:ext uri="{BB962C8B-B14F-4D97-AF65-F5344CB8AC3E}">
-        <p14:creationId xmlns:p14="http://schemas.microsoft.com/office/powerpoint/2010/main" val="1710237091"/>
+        <p14:creationId xmlns:p14="http://schemas.microsoft.com/office/powerpoint/2010/main" val="979134311"/>
       </p:ext>
     </p:extLst>
   </p:cSld>
@@ -19743,7 +19961,7 @@
 </p:sld>
 </file>
 
-<file path=ppt/slides/slide13.xml><?xml version="1.0" encoding="utf-8"?>
+<file path=ppt/slides/slide14.xml><?xml version="1.0" encoding="utf-8"?>
 <p:sld xmlns:a="http://schemas.openxmlformats.org/drawingml/2006/main" xmlns:r="http://schemas.openxmlformats.org/officeDocument/2006/relationships" xmlns:p="http://schemas.openxmlformats.org/presentationml/2006/main">
   <p:cSld>
     <p:spTree>
@@ -19782,8 +20000,8 @@
           <a:lstStyle/>
           <a:p>
             <a:r>
-              <a:rPr lang="en-US" dirty="0"/>
-              <a:t>Entity Framework Core</a:t>
+              <a:rPr lang="en-US" dirty="0" err="1"/>
+              <a:t>IDisposable</a:t>
             </a:r>
             <a:endParaRPr lang="LID4096" dirty="0"/>
           </a:p>
@@ -19791,10 +20009,10 @@
       </p:sp>
       <p:sp>
         <p:nvSpPr>
-          <p:cNvPr id="6" name="Text Placeholder 5">
+          <p:cNvPr id="2" name="Text Placeholder 1">
             <a:extLst>
               <a:ext uri="{FF2B5EF4-FFF2-40B4-BE49-F238E27FC236}">
-                <a16:creationId xmlns:a16="http://schemas.microsoft.com/office/drawing/2014/main" id="{6A59EDFA-CC39-42A8-90E7-5C0D634186F2}"/>
+                <a16:creationId xmlns:a16="http://schemas.microsoft.com/office/drawing/2014/main" id="{91355690-24FE-477C-BB4D-FF267A5E7162}"/>
               </a:ext>
             </a:extLst>
           </p:cNvPr>
@@ -19808,7 +20026,7 @@
         <p:spPr>
           <a:xfrm>
             <a:off x="586390" y="1434370"/>
-            <a:ext cx="11018520" cy="430887"/>
+            <a:ext cx="11018520" cy="4050340"/>
           </a:xfrm>
         </p:spPr>
         <p:txBody>
@@ -19816,12 +20034,820 @@
           <a:lstStyle/>
           <a:p>
             <a:r>
-              <a:rPr lang="en-US" dirty="0">
+              <a:rPr lang="da-DK" sz="2800" b="0" dirty="0">
                 <a:solidFill>
-                  <a:srgbClr val="FF0000"/>
+                  <a:srgbClr val="C586C0"/>
                 </a:solidFill>
+                <a:effectLst/>
+                <a:latin typeface=" Cascadia Code PL"/>
               </a:rPr>
-              <a:t>What???</a:t>
+              <a:t>try</a:t>
+            </a:r>
+            <a:endParaRPr lang="da-DK" sz="2800" b="0" dirty="0">
+              <a:solidFill>
+                <a:srgbClr val="D4D4D4"/>
+              </a:solidFill>
+              <a:effectLst/>
+              <a:latin typeface=" Cascadia Code PL"/>
+            </a:endParaRPr>
+          </a:p>
+          <a:p>
+            <a:r>
+              <a:rPr lang="da-DK" sz="2800" b="0" dirty="0">
+                <a:solidFill>
+                  <a:srgbClr val="D4D4D4"/>
+                </a:solidFill>
+                <a:effectLst/>
+                <a:latin typeface=" Cascadia Code PL"/>
+              </a:rPr>
+              <a:t>{</a:t>
+            </a:r>
+          </a:p>
+          <a:p>
+            <a:r>
+              <a:rPr lang="da-DK" sz="2800" b="0" dirty="0">
+                <a:solidFill>
+                  <a:srgbClr val="D4D4D4"/>
+                </a:solidFill>
+                <a:effectLst/>
+                <a:latin typeface=" Cascadia Code PL"/>
+              </a:rPr>
+              <a:t>    ...</a:t>
+            </a:r>
+          </a:p>
+          <a:p>
+            <a:r>
+              <a:rPr lang="da-DK" sz="2800" b="0" dirty="0">
+                <a:solidFill>
+                  <a:srgbClr val="D4D4D4"/>
+                </a:solidFill>
+                <a:effectLst/>
+                <a:latin typeface=" Cascadia Code PL"/>
+              </a:rPr>
+              <a:t>}</a:t>
+            </a:r>
+          </a:p>
+          <a:p>
+            <a:r>
+              <a:rPr lang="da-DK" sz="2800" b="0" dirty="0">
+                <a:solidFill>
+                  <a:srgbClr val="C586C0"/>
+                </a:solidFill>
+                <a:effectLst/>
+                <a:latin typeface=" Cascadia Code PL"/>
+              </a:rPr>
+              <a:t>finally</a:t>
+            </a:r>
+            <a:endParaRPr lang="da-DK" sz="2800" b="0" dirty="0">
+              <a:solidFill>
+                <a:srgbClr val="D4D4D4"/>
+              </a:solidFill>
+              <a:effectLst/>
+              <a:latin typeface=" Cascadia Code PL"/>
+            </a:endParaRPr>
+          </a:p>
+          <a:p>
+            <a:r>
+              <a:rPr lang="da-DK" sz="2800" b="0" dirty="0">
+                <a:solidFill>
+                  <a:srgbClr val="D4D4D4"/>
+                </a:solidFill>
+                <a:effectLst/>
+                <a:latin typeface=" Cascadia Code PL"/>
+              </a:rPr>
+              <a:t>{</a:t>
+            </a:r>
+          </a:p>
+          <a:p>
+            <a:r>
+              <a:rPr lang="da-DK" sz="2800" b="0" dirty="0">
+                <a:solidFill>
+                  <a:srgbClr val="D4D4D4"/>
+                </a:solidFill>
+                <a:effectLst/>
+                <a:latin typeface=" Cascadia Code PL"/>
+              </a:rPr>
+              <a:t>    </a:t>
+            </a:r>
+            <a:r>
+              <a:rPr lang="da-DK" sz="2800" b="0" dirty="0">
+                <a:solidFill>
+                  <a:srgbClr val="9CDCFE"/>
+                </a:solidFill>
+                <a:effectLst/>
+                <a:latin typeface=" Cascadia Code PL"/>
+              </a:rPr>
+              <a:t>resource</a:t>
+            </a:r>
+            <a:r>
+              <a:rPr lang="da-DK" sz="2800" b="0" dirty="0">
+                <a:solidFill>
+                  <a:srgbClr val="D4D4D4"/>
+                </a:solidFill>
+                <a:effectLst/>
+                <a:latin typeface=" Cascadia Code PL"/>
+              </a:rPr>
+              <a:t>.</a:t>
+            </a:r>
+            <a:r>
+              <a:rPr lang="da-DK" sz="2800" b="0" dirty="0">
+                <a:solidFill>
+                  <a:srgbClr val="DCDCAA"/>
+                </a:solidFill>
+                <a:effectLst/>
+                <a:latin typeface=" Cascadia Code PL"/>
+              </a:rPr>
+              <a:t>Dispose</a:t>
+            </a:r>
+            <a:r>
+              <a:rPr lang="da-DK" sz="2800" b="0" dirty="0">
+                <a:solidFill>
+                  <a:srgbClr val="D4D4D4"/>
+                </a:solidFill>
+                <a:effectLst/>
+                <a:latin typeface=" Cascadia Code PL"/>
+              </a:rPr>
+              <a:t>();</a:t>
+            </a:r>
+          </a:p>
+          <a:p>
+            <a:r>
+              <a:rPr lang="da-DK" sz="2800" b="0" dirty="0">
+                <a:solidFill>
+                  <a:srgbClr val="D4D4D4"/>
+                </a:solidFill>
+                <a:effectLst/>
+                <a:latin typeface=" Cascadia Code PL"/>
+              </a:rPr>
+              <a:t>}</a:t>
+            </a:r>
+          </a:p>
+        </p:txBody>
+      </p:sp>
+    </p:spTree>
+    <p:extLst>
+      <p:ext uri="{BB962C8B-B14F-4D97-AF65-F5344CB8AC3E}">
+        <p14:creationId xmlns:p14="http://schemas.microsoft.com/office/powerpoint/2010/main" val="4234402396"/>
+      </p:ext>
+    </p:extLst>
+  </p:cSld>
+  <p:clrMapOvr>
+    <a:masterClrMapping/>
+  </p:clrMapOvr>
+  <p:transition>
+    <p:fade/>
+  </p:transition>
+</p:sld>
+</file>
+
+<file path=ppt/slides/slide15.xml><?xml version="1.0" encoding="utf-8"?>
+<p:sld xmlns:a="http://schemas.openxmlformats.org/drawingml/2006/main" xmlns:r="http://schemas.openxmlformats.org/officeDocument/2006/relationships" xmlns:p="http://schemas.openxmlformats.org/presentationml/2006/main">
+  <p:cSld>
+    <p:spTree>
+      <p:nvGrpSpPr>
+        <p:cNvPr id="1" name=""/>
+        <p:cNvGrpSpPr/>
+        <p:nvPr/>
+      </p:nvGrpSpPr>
+      <p:grpSpPr>
+        <a:xfrm>
+          <a:off x="0" y="0"/>
+          <a:ext cx="0" cy="0"/>
+          <a:chOff x="0" y="0"/>
+          <a:chExt cx="0" cy="0"/>
+        </a:xfrm>
+      </p:grpSpPr>
+      <p:sp>
+        <p:nvSpPr>
+          <p:cNvPr id="4" name="Title 3">
+            <a:extLst>
+              <a:ext uri="{FF2B5EF4-FFF2-40B4-BE49-F238E27FC236}">
+                <a16:creationId xmlns:a16="http://schemas.microsoft.com/office/drawing/2014/main" id="{E007555C-63EC-4499-ACD6-029F27D57806}"/>
+              </a:ext>
+            </a:extLst>
+          </p:cNvPr>
+          <p:cNvSpPr>
+            <a:spLocks noGrp="1"/>
+          </p:cNvSpPr>
+          <p:nvPr>
+            <p:ph type="title"/>
+          </p:nvPr>
+        </p:nvSpPr>
+        <p:spPr/>
+        <p:txBody>
+          <a:bodyPr/>
+          <a:lstStyle/>
+          <a:p>
+            <a:r>
+              <a:rPr lang="en-US" dirty="0" err="1"/>
+              <a:t>IDisposable</a:t>
+            </a:r>
+            <a:endParaRPr lang="LID4096" dirty="0"/>
+          </a:p>
+        </p:txBody>
+      </p:sp>
+      <p:sp>
+        <p:nvSpPr>
+          <p:cNvPr id="2" name="Text Placeholder 1">
+            <a:extLst>
+              <a:ext uri="{FF2B5EF4-FFF2-40B4-BE49-F238E27FC236}">
+                <a16:creationId xmlns:a16="http://schemas.microsoft.com/office/drawing/2014/main" id="{91355690-24FE-477C-BB4D-FF267A5E7162}"/>
+              </a:ext>
+            </a:extLst>
+          </p:cNvPr>
+          <p:cNvSpPr>
+            <a:spLocks noGrp="1"/>
+          </p:cNvSpPr>
+          <p:nvPr>
+            <p:ph type="body" sz="quarter" idx="10"/>
+          </p:nvPr>
+        </p:nvSpPr>
+        <p:spPr>
+          <a:xfrm>
+            <a:off x="586390" y="1434370"/>
+            <a:ext cx="11018520" cy="2499146"/>
+          </a:xfrm>
+        </p:spPr>
+        <p:txBody>
+          <a:bodyPr/>
+          <a:lstStyle/>
+          <a:p>
+            <a:endParaRPr lang="en-US" b="0" dirty="0">
+              <a:solidFill>
+                <a:srgbClr val="569CD6"/>
+              </a:solidFill>
+              <a:effectLst/>
+              <a:latin typeface=" Cascadia Code PL"/>
+            </a:endParaRPr>
+          </a:p>
+          <a:p>
+            <a:r>
+              <a:rPr lang="en-US" b="0" dirty="0">
+                <a:solidFill>
+                  <a:srgbClr val="569CD6"/>
+                </a:solidFill>
+                <a:effectLst/>
+                <a:latin typeface=" Cascadia Code PL"/>
+              </a:rPr>
+              <a:t>using</a:t>
+            </a:r>
+            <a:r>
+              <a:rPr lang="en-US" b="0" dirty="0">
+                <a:solidFill>
+                  <a:srgbClr val="D4D4D4"/>
+                </a:solidFill>
+                <a:effectLst/>
+                <a:latin typeface=" Cascadia Code PL"/>
+              </a:rPr>
+              <a:t> (</a:t>
+            </a:r>
+            <a:r>
+              <a:rPr lang="en-US" b="0" dirty="0">
+                <a:solidFill>
+                  <a:srgbClr val="569CD6"/>
+                </a:solidFill>
+                <a:effectLst/>
+                <a:latin typeface=" Cascadia Code PL"/>
+              </a:rPr>
+              <a:t>var</a:t>
+            </a:r>
+            <a:r>
+              <a:rPr lang="en-US" b="0" dirty="0">
+                <a:solidFill>
+                  <a:srgbClr val="D4D4D4"/>
+                </a:solidFill>
+                <a:effectLst/>
+                <a:latin typeface=" Cascadia Code PL"/>
+              </a:rPr>
+              <a:t> </a:t>
+            </a:r>
+            <a:r>
+              <a:rPr lang="en-US" b="0" dirty="0">
+                <a:solidFill>
+                  <a:srgbClr val="9CDCFE"/>
+                </a:solidFill>
+                <a:effectLst/>
+                <a:latin typeface=" Cascadia Code PL"/>
+              </a:rPr>
+              <a:t>resource1</a:t>
+            </a:r>
+            <a:r>
+              <a:rPr lang="en-US" b="0" dirty="0">
+                <a:solidFill>
+                  <a:srgbClr val="D4D4D4"/>
+                </a:solidFill>
+                <a:effectLst/>
+                <a:latin typeface=" Cascadia Code PL"/>
+              </a:rPr>
+              <a:t> = </a:t>
+            </a:r>
+            <a:r>
+              <a:rPr lang="en-US" b="0" dirty="0">
+                <a:solidFill>
+                  <a:srgbClr val="569CD6"/>
+                </a:solidFill>
+                <a:effectLst/>
+                <a:latin typeface=" Cascadia Code PL"/>
+              </a:rPr>
+              <a:t>new</a:t>
+            </a:r>
+            <a:r>
+              <a:rPr lang="en-US" b="0" dirty="0">
+                <a:solidFill>
+                  <a:srgbClr val="D4D4D4"/>
+                </a:solidFill>
+                <a:effectLst/>
+                <a:latin typeface=" Cascadia Code PL"/>
+              </a:rPr>
+              <a:t> </a:t>
+            </a:r>
+            <a:r>
+              <a:rPr lang="en-US" b="0" dirty="0">
+                <a:solidFill>
+                  <a:srgbClr val="4EC9B0"/>
+                </a:solidFill>
+                <a:effectLst/>
+                <a:latin typeface=" Cascadia Code PL"/>
+              </a:rPr>
+              <a:t>Resource</a:t>
+            </a:r>
+            <a:r>
+              <a:rPr lang="en-US" b="0" dirty="0">
+                <a:solidFill>
+                  <a:srgbClr val="D4D4D4"/>
+                </a:solidFill>
+                <a:effectLst/>
+                <a:latin typeface=" Cascadia Code PL"/>
+              </a:rPr>
+              <a:t>())</a:t>
+            </a:r>
+          </a:p>
+          <a:p>
+            <a:r>
+              <a:rPr lang="en-US" b="0" dirty="0">
+                <a:solidFill>
+                  <a:srgbClr val="D4D4D4"/>
+                </a:solidFill>
+                <a:effectLst/>
+                <a:latin typeface=" Cascadia Code PL"/>
+              </a:rPr>
+              <a:t>{</a:t>
+            </a:r>
+          </a:p>
+          <a:p>
+            <a:r>
+              <a:rPr lang="en-US" b="0" dirty="0">
+                <a:solidFill>
+                  <a:srgbClr val="D4D4D4"/>
+                </a:solidFill>
+                <a:effectLst/>
+                <a:latin typeface=" Cascadia Code PL"/>
+              </a:rPr>
+              <a:t>    ...</a:t>
+            </a:r>
+          </a:p>
+          <a:p>
+            <a:r>
+              <a:rPr lang="en-US" b="0" dirty="0">
+                <a:solidFill>
+                  <a:srgbClr val="D4D4D4"/>
+                </a:solidFill>
+                <a:effectLst/>
+                <a:latin typeface=" Cascadia Code PL"/>
+              </a:rPr>
+              <a:t>}</a:t>
+            </a:r>
+          </a:p>
+        </p:txBody>
+      </p:sp>
+    </p:spTree>
+    <p:extLst>
+      <p:ext uri="{BB962C8B-B14F-4D97-AF65-F5344CB8AC3E}">
+        <p14:creationId xmlns:p14="http://schemas.microsoft.com/office/powerpoint/2010/main" val="4128660396"/>
+      </p:ext>
+    </p:extLst>
+  </p:cSld>
+  <p:clrMapOvr>
+    <a:masterClrMapping/>
+  </p:clrMapOvr>
+  <p:transition>
+    <p:fade/>
+  </p:transition>
+</p:sld>
+</file>
+
+<file path=ppt/slides/slide16.xml><?xml version="1.0" encoding="utf-8"?>
+<p:sld xmlns:a="http://schemas.openxmlformats.org/drawingml/2006/main" xmlns:r="http://schemas.openxmlformats.org/officeDocument/2006/relationships" xmlns:p="http://schemas.openxmlformats.org/presentationml/2006/main">
+  <p:cSld>
+    <p:spTree>
+      <p:nvGrpSpPr>
+        <p:cNvPr id="1" name=""/>
+        <p:cNvGrpSpPr/>
+        <p:nvPr/>
+      </p:nvGrpSpPr>
+      <p:grpSpPr>
+        <a:xfrm>
+          <a:off x="0" y="0"/>
+          <a:ext cx="0" cy="0"/>
+          <a:chOff x="0" y="0"/>
+          <a:chExt cx="0" cy="0"/>
+        </a:xfrm>
+      </p:grpSpPr>
+      <p:sp>
+        <p:nvSpPr>
+          <p:cNvPr id="4" name="Title 3">
+            <a:extLst>
+              <a:ext uri="{FF2B5EF4-FFF2-40B4-BE49-F238E27FC236}">
+                <a16:creationId xmlns:a16="http://schemas.microsoft.com/office/drawing/2014/main" id="{E007555C-63EC-4499-ACD6-029F27D57806}"/>
+              </a:ext>
+            </a:extLst>
+          </p:cNvPr>
+          <p:cNvSpPr>
+            <a:spLocks noGrp="1"/>
+          </p:cNvSpPr>
+          <p:nvPr>
+            <p:ph type="title"/>
+          </p:nvPr>
+        </p:nvSpPr>
+        <p:spPr/>
+        <p:txBody>
+          <a:bodyPr/>
+          <a:lstStyle/>
+          <a:p>
+            <a:r>
+              <a:rPr lang="en-US" dirty="0" err="1"/>
+              <a:t>IDisposable</a:t>
+            </a:r>
+            <a:endParaRPr lang="LID4096" dirty="0"/>
+          </a:p>
+        </p:txBody>
+      </p:sp>
+      <p:sp>
+        <p:nvSpPr>
+          <p:cNvPr id="2" name="Text Placeholder 1">
+            <a:extLst>
+              <a:ext uri="{FF2B5EF4-FFF2-40B4-BE49-F238E27FC236}">
+                <a16:creationId xmlns:a16="http://schemas.microsoft.com/office/drawing/2014/main" id="{91355690-24FE-477C-BB4D-FF267A5E7162}"/>
+              </a:ext>
+            </a:extLst>
+          </p:cNvPr>
+          <p:cNvSpPr>
+            <a:spLocks noGrp="1"/>
+          </p:cNvSpPr>
+          <p:nvPr>
+            <p:ph type="body" sz="quarter" idx="10"/>
+          </p:nvPr>
+        </p:nvSpPr>
+        <p:spPr>
+          <a:xfrm>
+            <a:off x="586390" y="1434370"/>
+            <a:ext cx="11018520" cy="2499146"/>
+          </a:xfrm>
+        </p:spPr>
+        <p:txBody>
+          <a:bodyPr/>
+          <a:lstStyle/>
+          <a:p>
+            <a:endParaRPr lang="en-US" b="0" dirty="0">
+              <a:solidFill>
+                <a:srgbClr val="569CD6"/>
+              </a:solidFill>
+              <a:effectLst/>
+              <a:latin typeface=" Cascadia Code PL"/>
+            </a:endParaRPr>
+          </a:p>
+          <a:p>
+            <a:r>
+              <a:rPr lang="en-US" b="0" dirty="0">
+                <a:solidFill>
+                  <a:srgbClr val="569CD6"/>
+                </a:solidFill>
+                <a:effectLst/>
+                <a:latin typeface=" Cascadia Code PL"/>
+              </a:rPr>
+              <a:t>using</a:t>
+            </a:r>
+            <a:r>
+              <a:rPr lang="en-US" b="0" dirty="0">
+                <a:solidFill>
+                  <a:srgbClr val="D4D4D4"/>
+                </a:solidFill>
+                <a:effectLst/>
+                <a:latin typeface=" Cascadia Code PL"/>
+              </a:rPr>
+              <a:t> </a:t>
+            </a:r>
+            <a:r>
+              <a:rPr lang="en-US" b="0" dirty="0">
+                <a:solidFill>
+                  <a:srgbClr val="569CD6"/>
+                </a:solidFill>
+                <a:effectLst/>
+                <a:latin typeface=" Cascadia Code PL"/>
+              </a:rPr>
+              <a:t>var</a:t>
+            </a:r>
+            <a:r>
+              <a:rPr lang="en-US" b="0" dirty="0">
+                <a:solidFill>
+                  <a:srgbClr val="D4D4D4"/>
+                </a:solidFill>
+                <a:effectLst/>
+                <a:latin typeface=" Cascadia Code PL"/>
+              </a:rPr>
+              <a:t> </a:t>
+            </a:r>
+            <a:r>
+              <a:rPr lang="en-US" b="0" dirty="0">
+                <a:solidFill>
+                  <a:srgbClr val="9CDCFE"/>
+                </a:solidFill>
+                <a:effectLst/>
+                <a:latin typeface=" Cascadia Code PL"/>
+              </a:rPr>
+              <a:t>resource</a:t>
+            </a:r>
+            <a:r>
+              <a:rPr lang="en-US" b="0" dirty="0">
+                <a:solidFill>
+                  <a:srgbClr val="D4D4D4"/>
+                </a:solidFill>
+                <a:effectLst/>
+                <a:latin typeface=" Cascadia Code PL"/>
+              </a:rPr>
+              <a:t> = </a:t>
+            </a:r>
+            <a:r>
+              <a:rPr lang="en-US" b="0" dirty="0">
+                <a:solidFill>
+                  <a:srgbClr val="569CD6"/>
+                </a:solidFill>
+                <a:effectLst/>
+                <a:latin typeface=" Cascadia Code PL"/>
+              </a:rPr>
+              <a:t>new</a:t>
+            </a:r>
+            <a:r>
+              <a:rPr lang="en-US" b="0" dirty="0">
+                <a:solidFill>
+                  <a:srgbClr val="D4D4D4"/>
+                </a:solidFill>
+                <a:effectLst/>
+                <a:latin typeface=" Cascadia Code PL"/>
+              </a:rPr>
+              <a:t> </a:t>
+            </a:r>
+            <a:r>
+              <a:rPr lang="en-US" b="0" dirty="0">
+                <a:solidFill>
+                  <a:srgbClr val="4EC9B0"/>
+                </a:solidFill>
+                <a:effectLst/>
+                <a:latin typeface=" Cascadia Code PL"/>
+              </a:rPr>
+              <a:t>Resource</a:t>
+            </a:r>
+            <a:r>
+              <a:rPr lang="en-US" b="0" dirty="0">
+                <a:solidFill>
+                  <a:srgbClr val="D4D4D4"/>
+                </a:solidFill>
+                <a:effectLst/>
+                <a:latin typeface=" Cascadia Code PL"/>
+              </a:rPr>
+              <a:t>();</a:t>
+            </a:r>
+          </a:p>
+          <a:p>
+            <a:endParaRPr lang="en-US" b="0" dirty="0">
+              <a:solidFill>
+                <a:srgbClr val="D4D4D4"/>
+              </a:solidFill>
+              <a:effectLst/>
+              <a:latin typeface=" Cascadia Code PL"/>
+            </a:endParaRPr>
+          </a:p>
+          <a:p>
+            <a:r>
+              <a:rPr lang="en-US" b="0" dirty="0">
+                <a:solidFill>
+                  <a:srgbClr val="D4D4D4"/>
+                </a:solidFill>
+                <a:effectLst/>
+                <a:latin typeface=" Cascadia Code PL"/>
+              </a:rPr>
+              <a:t>...</a:t>
+            </a:r>
+          </a:p>
+          <a:p>
+            <a:endParaRPr lang="LID4096" dirty="0"/>
+          </a:p>
+        </p:txBody>
+      </p:sp>
+    </p:spTree>
+    <p:extLst>
+      <p:ext uri="{BB962C8B-B14F-4D97-AF65-F5344CB8AC3E}">
+        <p14:creationId xmlns:p14="http://schemas.microsoft.com/office/powerpoint/2010/main" val="1906589547"/>
+      </p:ext>
+    </p:extLst>
+  </p:cSld>
+  <p:clrMapOvr>
+    <a:masterClrMapping/>
+  </p:clrMapOvr>
+  <p:transition>
+    <p:fade/>
+  </p:transition>
+</p:sld>
+</file>
+
+<file path=ppt/slides/slide17.xml><?xml version="1.0" encoding="utf-8"?>
+<p:sld xmlns:a="http://schemas.openxmlformats.org/drawingml/2006/main" xmlns:r="http://schemas.openxmlformats.org/officeDocument/2006/relationships" xmlns:p="http://schemas.openxmlformats.org/presentationml/2006/main">
+  <p:cSld>
+    <p:spTree>
+      <p:nvGrpSpPr>
+        <p:cNvPr id="1" name=""/>
+        <p:cNvGrpSpPr/>
+        <p:nvPr/>
+      </p:nvGrpSpPr>
+      <p:grpSpPr>
+        <a:xfrm>
+          <a:off x="0" y="0"/>
+          <a:ext cx="0" cy="0"/>
+          <a:chOff x="0" y="0"/>
+          <a:chExt cx="0" cy="0"/>
+        </a:xfrm>
+      </p:grpSpPr>
+      <p:sp>
+        <p:nvSpPr>
+          <p:cNvPr id="4" name="Title 3">
+            <a:extLst>
+              <a:ext uri="{FF2B5EF4-FFF2-40B4-BE49-F238E27FC236}">
+                <a16:creationId xmlns:a16="http://schemas.microsoft.com/office/drawing/2014/main" id="{98D9D239-887C-49FA-A821-A61A859CC476}"/>
+              </a:ext>
+            </a:extLst>
+          </p:cNvPr>
+          <p:cNvSpPr>
+            <a:spLocks noGrp="1"/>
+          </p:cNvSpPr>
+          <p:nvPr>
+            <p:ph type="title"/>
+          </p:nvPr>
+        </p:nvSpPr>
+        <p:spPr/>
+        <p:txBody>
+          <a:bodyPr/>
+          <a:lstStyle/>
+          <a:p>
+            <a:r>
+              <a:rPr lang="en-US" dirty="0"/>
+              <a:t>Entity Framework Core</a:t>
+            </a:r>
+            <a:endParaRPr lang="LID4096" dirty="0"/>
+          </a:p>
+        </p:txBody>
+      </p:sp>
+    </p:spTree>
+    <p:extLst>
+      <p:ext uri="{BB962C8B-B14F-4D97-AF65-F5344CB8AC3E}">
+        <p14:creationId xmlns:p14="http://schemas.microsoft.com/office/powerpoint/2010/main" val="1710237091"/>
+      </p:ext>
+    </p:extLst>
+  </p:cSld>
+  <p:clrMapOvr>
+    <a:masterClrMapping/>
+  </p:clrMapOvr>
+  <mc:AlternateContent xmlns:mc="http://schemas.openxmlformats.org/markup-compatibility/2006" xmlns:p14="http://schemas.microsoft.com/office/powerpoint/2010/main">
+    <mc:Choice Requires="p14">
+      <p:transition spd="med" p14:dur="700">
+        <p:fade/>
+      </p:transition>
+    </mc:Choice>
+    <mc:Fallback xmlns="">
+      <p:transition spd="med">
+        <p:fade/>
+      </p:transition>
+    </mc:Fallback>
+  </mc:AlternateContent>
+</p:sld>
+</file>
+
+<file path=ppt/slides/slide18.xml><?xml version="1.0" encoding="utf-8"?>
+<p:sld xmlns:a="http://schemas.openxmlformats.org/drawingml/2006/main" xmlns:r="http://schemas.openxmlformats.org/officeDocument/2006/relationships" xmlns:p="http://schemas.openxmlformats.org/presentationml/2006/main">
+  <p:cSld>
+    <p:spTree>
+      <p:nvGrpSpPr>
+        <p:cNvPr id="1" name=""/>
+        <p:cNvGrpSpPr/>
+        <p:nvPr/>
+      </p:nvGrpSpPr>
+      <p:grpSpPr>
+        <a:xfrm>
+          <a:off x="0" y="0"/>
+          <a:ext cx="0" cy="0"/>
+          <a:chOff x="0" y="0"/>
+          <a:chExt cx="0" cy="0"/>
+        </a:xfrm>
+      </p:grpSpPr>
+      <p:sp>
+        <p:nvSpPr>
+          <p:cNvPr id="4" name="Title 3">
+            <a:extLst>
+              <a:ext uri="{FF2B5EF4-FFF2-40B4-BE49-F238E27FC236}">
+                <a16:creationId xmlns:a16="http://schemas.microsoft.com/office/drawing/2014/main" id="{E007555C-63EC-4499-ACD6-029F27D57806}"/>
+              </a:ext>
+            </a:extLst>
+          </p:cNvPr>
+          <p:cNvSpPr>
+            <a:spLocks noGrp="1"/>
+          </p:cNvSpPr>
+          <p:nvPr>
+            <p:ph type="title"/>
+          </p:nvPr>
+        </p:nvSpPr>
+        <p:spPr/>
+        <p:txBody>
+          <a:bodyPr/>
+          <a:lstStyle/>
+          <a:p>
+            <a:r>
+              <a:rPr lang="en-US" dirty="0"/>
+              <a:t>Entity Framework Core</a:t>
+            </a:r>
+            <a:endParaRPr lang="LID4096" dirty="0"/>
+          </a:p>
+        </p:txBody>
+      </p:sp>
+      <p:sp>
+        <p:nvSpPr>
+          <p:cNvPr id="2" name="Text Placeholder 1">
+            <a:extLst>
+              <a:ext uri="{FF2B5EF4-FFF2-40B4-BE49-F238E27FC236}">
+                <a16:creationId xmlns:a16="http://schemas.microsoft.com/office/drawing/2014/main" id="{21204194-3E5E-461D-9649-14F963EDC3E6}"/>
+              </a:ext>
+            </a:extLst>
+          </p:cNvPr>
+          <p:cNvSpPr>
+            <a:spLocks noGrp="1"/>
+          </p:cNvSpPr>
+          <p:nvPr>
+            <p:ph type="body" sz="quarter" idx="10"/>
+          </p:nvPr>
+        </p:nvSpPr>
+        <p:spPr>
+          <a:xfrm>
+            <a:off x="588263" y="1436688"/>
+            <a:ext cx="11018520" cy="1415772"/>
+          </a:xfrm>
+        </p:spPr>
+        <p:txBody>
+          <a:bodyPr/>
+          <a:lstStyle/>
+          <a:p>
+            <a:r>
+              <a:rPr lang="da-DK" sz="2000" b="0" dirty="0">
+                <a:solidFill>
+                  <a:srgbClr val="D4D4D4"/>
+                </a:solidFill>
+                <a:effectLst/>
+                <a:latin typeface=" Cascadia Code PL"/>
+              </a:rPr>
+              <a:t>dotnet tool install --global dotnet-ef --version 5.0.0-*</a:t>
+            </a:r>
+          </a:p>
+          <a:p>
+            <a:r>
+              <a:rPr lang="da-DK" sz="2000" b="0" dirty="0">
+                <a:solidFill>
+                  <a:srgbClr val="D4D4D4"/>
+                </a:solidFill>
+                <a:effectLst/>
+                <a:latin typeface=" Cascadia Code PL"/>
+              </a:rPr>
+              <a:t>dotnet add package Microsoft.EntityFrameworkCore.Design --version 5.0.0-*</a:t>
+            </a:r>
+          </a:p>
+          <a:p>
+            <a:r>
+              <a:rPr lang="da-DK" sz="2000" b="0" dirty="0">
+                <a:solidFill>
+                  <a:srgbClr val="D4D4D4"/>
+                </a:solidFill>
+                <a:effectLst/>
+                <a:latin typeface=" Cascadia Code PL"/>
+              </a:rPr>
+              <a:t>dotnet ef migrations add InitialCreate </a:t>
+            </a:r>
+          </a:p>
+          <a:p>
+            <a:r>
+              <a:rPr lang="da-DK" sz="2000" b="0" dirty="0">
+                <a:solidFill>
+                  <a:srgbClr val="D4D4D4"/>
+                </a:solidFill>
+                <a:effectLst/>
+                <a:latin typeface=" Cascadia Code PL"/>
+              </a:rPr>
+              <a:t>dotnet ef database update</a:t>
             </a:r>
           </a:p>
         </p:txBody>
@@ -19839,6 +20865,116 @@
   <p:transition>
     <p:fade/>
   </p:transition>
+</p:sld>
+</file>
+
+<file path=ppt/slides/slide19.xml><?xml version="1.0" encoding="utf-8"?>
+<p:sld xmlns:a="http://schemas.openxmlformats.org/drawingml/2006/main" xmlns:r="http://schemas.openxmlformats.org/officeDocument/2006/relationships" xmlns:p="http://schemas.openxmlformats.org/presentationml/2006/main">
+  <p:cSld>
+    <p:spTree>
+      <p:nvGrpSpPr>
+        <p:cNvPr id="1" name=""/>
+        <p:cNvGrpSpPr/>
+        <p:nvPr/>
+      </p:nvGrpSpPr>
+      <p:grpSpPr>
+        <a:xfrm>
+          <a:off x="0" y="0"/>
+          <a:ext cx="0" cy="0"/>
+          <a:chOff x="0" y="0"/>
+          <a:chExt cx="0" cy="0"/>
+        </a:xfrm>
+      </p:grpSpPr>
+      <p:sp>
+        <p:nvSpPr>
+          <p:cNvPr id="4" name="Title 3">
+            <a:extLst>
+              <a:ext uri="{FF2B5EF4-FFF2-40B4-BE49-F238E27FC236}">
+                <a16:creationId xmlns:a16="http://schemas.microsoft.com/office/drawing/2014/main" id="{98D9D239-887C-49FA-A821-A61A859CC476}"/>
+              </a:ext>
+            </a:extLst>
+          </p:cNvPr>
+          <p:cNvSpPr>
+            <a:spLocks noGrp="1"/>
+          </p:cNvSpPr>
+          <p:nvPr>
+            <p:ph type="title"/>
+          </p:nvPr>
+        </p:nvSpPr>
+        <p:spPr/>
+        <p:txBody>
+          <a:bodyPr/>
+          <a:lstStyle/>
+          <a:p>
+            <a:r>
+              <a:rPr lang="en-US" dirty="0"/>
+              <a:t>Lazy Loading</a:t>
+            </a:r>
+            <a:endParaRPr lang="LID4096" dirty="0"/>
+          </a:p>
+        </p:txBody>
+      </p:sp>
+      <p:sp>
+        <p:nvSpPr>
+          <p:cNvPr id="5" name="TextBox 4">
+            <a:extLst>
+              <a:ext uri="{FF2B5EF4-FFF2-40B4-BE49-F238E27FC236}">
+                <a16:creationId xmlns:a16="http://schemas.microsoft.com/office/drawing/2014/main" id="{1DEA0D8E-2EDC-4C79-BC29-A6A163094617}"/>
+              </a:ext>
+            </a:extLst>
+          </p:cNvPr>
+          <p:cNvSpPr txBox="1"/>
+          <p:nvPr/>
+        </p:nvSpPr>
+        <p:spPr>
+          <a:xfrm>
+            <a:off x="4272280" y="6199861"/>
+            <a:ext cx="7715250" cy="363946"/>
+          </a:xfrm>
+          <a:prstGeom prst="rect">
+            <a:avLst/>
+          </a:prstGeom>
+          <a:noFill/>
+        </p:spPr>
+        <p:txBody>
+          <a:bodyPr wrap="square">
+            <a:spAutoFit/>
+          </a:bodyPr>
+          <a:lstStyle/>
+          <a:p>
+            <a:pPr algn="r"/>
+            <a:r>
+              <a:rPr lang="da-DK" dirty="0">
+                <a:hlinkClick r:id="rId2"/>
+              </a:rPr>
+              <a:t>https://docs.microsoft.com/en-us/ef/core/querying/related-data/lazy</a:t>
+            </a:r>
+            <a:endParaRPr lang="LID4096" dirty="0"/>
+          </a:p>
+        </p:txBody>
+      </p:sp>
+    </p:spTree>
+    <p:extLst>
+      <p:ext uri="{BB962C8B-B14F-4D97-AF65-F5344CB8AC3E}">
+        <p14:creationId xmlns:p14="http://schemas.microsoft.com/office/powerpoint/2010/main" val="2289836612"/>
+      </p:ext>
+    </p:extLst>
+  </p:cSld>
+  <p:clrMapOvr>
+    <a:masterClrMapping/>
+  </p:clrMapOvr>
+  <mc:AlternateContent xmlns:mc="http://schemas.openxmlformats.org/markup-compatibility/2006">
+    <mc:Choice xmlns:p14="http://schemas.microsoft.com/office/powerpoint/2010/main" Requires="p14">
+      <p:transition spd="med" p14:dur="700">
+        <p:fade/>
+      </p:transition>
+    </mc:Choice>
+    <mc:Fallback>
+      <p:transition spd="med">
+        <p:fade/>
+      </p:transition>
+    </mc:Fallback>
+  </mc:AlternateContent>
 </p:sld>
 </file>
 
@@ -19907,7 +21043,7 @@
         <p:spPr>
           <a:xfrm>
             <a:off x="586390" y="1434370"/>
-            <a:ext cx="11018520" cy="3016210"/>
+            <a:ext cx="11018520" cy="4050340"/>
           </a:xfrm>
         </p:spPr>
         <p:txBody>
@@ -19928,6 +21064,12 @@
           <a:p>
             <a:r>
               <a:rPr lang="en-US" dirty="0"/>
+              <a:t>Secrets</a:t>
+            </a:r>
+          </a:p>
+          <a:p>
+            <a:r>
+              <a:rPr lang="en-US" dirty="0"/>
               <a:t>Old school SQL</a:t>
             </a:r>
           </a:p>
@@ -19955,6 +21097,12 @@
             <a:r>
               <a:rPr lang="en-US" dirty="0"/>
               <a:t>Entity Framework Core</a:t>
+            </a:r>
+          </a:p>
+          <a:p>
+            <a:r>
+              <a:rPr lang="en-US" dirty="0"/>
+              <a:t>Lazy vs. Eager Loading</a:t>
             </a:r>
           </a:p>
         </p:txBody>
@@ -19963,6 +21111,330 @@
     <p:extLst>
       <p:ext uri="{BB962C8B-B14F-4D97-AF65-F5344CB8AC3E}">
         <p14:creationId xmlns:p14="http://schemas.microsoft.com/office/powerpoint/2010/main" val="3511024080"/>
+      </p:ext>
+    </p:extLst>
+  </p:cSld>
+  <p:clrMapOvr>
+    <a:masterClrMapping/>
+  </p:clrMapOvr>
+  <p:transition>
+    <p:fade/>
+  </p:transition>
+</p:sld>
+</file>
+
+<file path=ppt/slides/slide20.xml><?xml version="1.0" encoding="utf-8"?>
+<p:sld xmlns:a="http://schemas.openxmlformats.org/drawingml/2006/main" xmlns:r="http://schemas.openxmlformats.org/officeDocument/2006/relationships" xmlns:p="http://schemas.openxmlformats.org/presentationml/2006/main">
+  <p:cSld>
+    <p:spTree>
+      <p:nvGrpSpPr>
+        <p:cNvPr id="1" name=""/>
+        <p:cNvGrpSpPr/>
+        <p:nvPr/>
+      </p:nvGrpSpPr>
+      <p:grpSpPr>
+        <a:xfrm>
+          <a:off x="0" y="0"/>
+          <a:ext cx="0" cy="0"/>
+          <a:chOff x="0" y="0"/>
+          <a:chExt cx="0" cy="0"/>
+        </a:xfrm>
+      </p:grpSpPr>
+      <p:sp>
+        <p:nvSpPr>
+          <p:cNvPr id="4" name="Title 3">
+            <a:extLst>
+              <a:ext uri="{FF2B5EF4-FFF2-40B4-BE49-F238E27FC236}">
+                <a16:creationId xmlns:a16="http://schemas.microsoft.com/office/drawing/2014/main" id="{E007555C-63EC-4499-ACD6-029F27D57806}"/>
+              </a:ext>
+            </a:extLst>
+          </p:cNvPr>
+          <p:cNvSpPr>
+            <a:spLocks noGrp="1"/>
+          </p:cNvSpPr>
+          <p:nvPr>
+            <p:ph type="title"/>
+          </p:nvPr>
+        </p:nvSpPr>
+        <p:spPr/>
+        <p:txBody>
+          <a:bodyPr/>
+          <a:lstStyle/>
+          <a:p>
+            <a:r>
+              <a:rPr lang="en-US" dirty="0"/>
+              <a:t>Lazy Loading</a:t>
+            </a:r>
+            <a:endParaRPr lang="LID4096" dirty="0"/>
+          </a:p>
+        </p:txBody>
+      </p:sp>
+      <p:sp>
+        <p:nvSpPr>
+          <p:cNvPr id="2" name="Text Placeholder 1">
+            <a:extLst>
+              <a:ext uri="{FF2B5EF4-FFF2-40B4-BE49-F238E27FC236}">
+                <a16:creationId xmlns:a16="http://schemas.microsoft.com/office/drawing/2014/main" id="{21204194-3E5E-461D-9649-14F963EDC3E6}"/>
+              </a:ext>
+            </a:extLst>
+          </p:cNvPr>
+          <p:cNvSpPr>
+            <a:spLocks noGrp="1"/>
+          </p:cNvSpPr>
+          <p:nvPr>
+            <p:ph type="body" sz="quarter" idx="10"/>
+          </p:nvPr>
+        </p:nvSpPr>
+        <p:spPr>
+          <a:xfrm>
+            <a:off x="588263" y="1436688"/>
+            <a:ext cx="11018520" cy="1938992"/>
+          </a:xfrm>
+        </p:spPr>
+        <p:txBody>
+          <a:bodyPr/>
+          <a:lstStyle/>
+          <a:p>
+            <a:r>
+              <a:rPr lang="da-DK" sz="1800" b="0" dirty="0">
+                <a:solidFill>
+                  <a:srgbClr val="D4D4D4"/>
+                </a:solidFill>
+                <a:effectLst/>
+                <a:latin typeface=" Cascadia Code PL"/>
+              </a:rPr>
+              <a:t>dotnet add package Microsoft.EntityFrameworkCore.Proxies</a:t>
+            </a:r>
+          </a:p>
+          <a:p>
+            <a:endParaRPr lang="da-DK" sz="1800" dirty="0">
+              <a:solidFill>
+                <a:srgbClr val="D4D4D4"/>
+              </a:solidFill>
+              <a:latin typeface=" Cascadia Code PL"/>
+            </a:endParaRPr>
+          </a:p>
+          <a:p>
+            <a:r>
+              <a:rPr lang="da-DK" sz="1800" b="0" dirty="0">
+                <a:solidFill>
+                  <a:srgbClr val="569CD6"/>
+                </a:solidFill>
+                <a:effectLst/>
+                <a:latin typeface=" Cascadia Code PL"/>
+              </a:rPr>
+              <a:t>protected</a:t>
+            </a:r>
+            <a:r>
+              <a:rPr lang="da-DK" sz="1800" b="0" dirty="0">
+                <a:solidFill>
+                  <a:srgbClr val="D4D4D4"/>
+                </a:solidFill>
+                <a:effectLst/>
+                <a:latin typeface=" Cascadia Code PL"/>
+              </a:rPr>
+              <a:t> </a:t>
+            </a:r>
+            <a:r>
+              <a:rPr lang="da-DK" sz="1800" b="0" dirty="0">
+                <a:solidFill>
+                  <a:srgbClr val="569CD6"/>
+                </a:solidFill>
+                <a:effectLst/>
+                <a:latin typeface=" Cascadia Code PL"/>
+              </a:rPr>
+              <a:t>override</a:t>
+            </a:r>
+            <a:r>
+              <a:rPr lang="da-DK" sz="1800" b="0" dirty="0">
+                <a:solidFill>
+                  <a:srgbClr val="D4D4D4"/>
+                </a:solidFill>
+                <a:effectLst/>
+                <a:latin typeface=" Cascadia Code PL"/>
+              </a:rPr>
+              <a:t> </a:t>
+            </a:r>
+            <a:r>
+              <a:rPr lang="da-DK" sz="1800" b="0" dirty="0">
+                <a:solidFill>
+                  <a:srgbClr val="569CD6"/>
+                </a:solidFill>
+                <a:effectLst/>
+                <a:latin typeface=" Cascadia Code PL"/>
+              </a:rPr>
+              <a:t>void</a:t>
+            </a:r>
+            <a:r>
+              <a:rPr lang="da-DK" sz="1800" b="0" dirty="0">
+                <a:solidFill>
+                  <a:srgbClr val="D4D4D4"/>
+                </a:solidFill>
+                <a:effectLst/>
+                <a:latin typeface=" Cascadia Code PL"/>
+              </a:rPr>
+              <a:t> </a:t>
+            </a:r>
+            <a:r>
+              <a:rPr lang="da-DK" sz="1800" b="0" dirty="0">
+                <a:solidFill>
+                  <a:srgbClr val="DCDCAA"/>
+                </a:solidFill>
+                <a:effectLst/>
+                <a:latin typeface=" Cascadia Code PL"/>
+              </a:rPr>
+              <a:t>OnConfiguring2</a:t>
+            </a:r>
+            <a:r>
+              <a:rPr lang="da-DK" sz="1800" b="0" dirty="0">
+                <a:solidFill>
+                  <a:srgbClr val="D4D4D4"/>
+                </a:solidFill>
+                <a:effectLst/>
+                <a:latin typeface=" Cascadia Code PL"/>
+              </a:rPr>
+              <a:t>(</a:t>
+            </a:r>
+            <a:r>
+              <a:rPr lang="da-DK" sz="1800" b="0" dirty="0">
+                <a:solidFill>
+                  <a:srgbClr val="4EC9B0"/>
+                </a:solidFill>
+                <a:effectLst/>
+                <a:latin typeface=" Cascadia Code PL"/>
+              </a:rPr>
+              <a:t>DbContextOptionsBuilder</a:t>
+            </a:r>
+            <a:r>
+              <a:rPr lang="da-DK" sz="1800" b="0" dirty="0">
+                <a:solidFill>
+                  <a:srgbClr val="D4D4D4"/>
+                </a:solidFill>
+                <a:effectLst/>
+                <a:latin typeface=" Cascadia Code PL"/>
+              </a:rPr>
+              <a:t> </a:t>
+            </a:r>
+            <a:r>
+              <a:rPr lang="da-DK" sz="1800" b="0" dirty="0">
+                <a:solidFill>
+                  <a:srgbClr val="9CDCFE"/>
+                </a:solidFill>
+                <a:effectLst/>
+                <a:latin typeface=" Cascadia Code PL"/>
+              </a:rPr>
+              <a:t>optionsBuilder</a:t>
+            </a:r>
+            <a:r>
+              <a:rPr lang="da-DK" sz="1800" b="0" dirty="0">
+                <a:solidFill>
+                  <a:srgbClr val="D4D4D4"/>
+                </a:solidFill>
+                <a:effectLst/>
+                <a:latin typeface=" Cascadia Code PL"/>
+              </a:rPr>
+              <a:t>)</a:t>
+            </a:r>
+          </a:p>
+          <a:p>
+            <a:r>
+              <a:rPr lang="da-DK" sz="1800" b="0" dirty="0">
+                <a:solidFill>
+                  <a:srgbClr val="D4D4D4"/>
+                </a:solidFill>
+                <a:effectLst/>
+                <a:latin typeface=" Cascadia Code PL"/>
+              </a:rPr>
+              <a:t>    =&gt; </a:t>
+            </a:r>
+            <a:r>
+              <a:rPr lang="da-DK" sz="1800" b="0" dirty="0">
+                <a:solidFill>
+                  <a:srgbClr val="9CDCFE"/>
+                </a:solidFill>
+                <a:effectLst/>
+                <a:latin typeface=" Cascadia Code PL"/>
+              </a:rPr>
+              <a:t>optionsBuilder</a:t>
+            </a:r>
+            <a:r>
+              <a:rPr lang="da-DK" sz="1800" b="0" dirty="0">
+                <a:solidFill>
+                  <a:srgbClr val="D4D4D4"/>
+                </a:solidFill>
+                <a:effectLst/>
+                <a:latin typeface=" Cascadia Code PL"/>
+              </a:rPr>
+              <a:t>.</a:t>
+            </a:r>
+            <a:r>
+              <a:rPr lang="da-DK" sz="1800" b="0" dirty="0">
+                <a:solidFill>
+                  <a:srgbClr val="9CDCFE"/>
+                </a:solidFill>
+                <a:effectLst/>
+                <a:latin typeface=" Cascadia Code PL"/>
+              </a:rPr>
+              <a:t>UseLazyLoadingProxies</a:t>
+            </a:r>
+            <a:r>
+              <a:rPr lang="da-DK" sz="1800" b="0" dirty="0">
+                <a:solidFill>
+                  <a:srgbClr val="D4D4D4"/>
+                </a:solidFill>
+                <a:effectLst/>
+                <a:latin typeface=" Cascadia Code PL"/>
+              </a:rPr>
+              <a:t>()</a:t>
+            </a:r>
+          </a:p>
+          <a:p>
+            <a:r>
+              <a:rPr lang="da-DK" sz="1800" b="0" dirty="0">
+                <a:solidFill>
+                  <a:srgbClr val="D4D4D4"/>
+                </a:solidFill>
+                <a:effectLst/>
+                <a:latin typeface=" Cascadia Code PL"/>
+              </a:rPr>
+              <a:t>                     .</a:t>
+            </a:r>
+            <a:r>
+              <a:rPr lang="da-DK" sz="1800" b="0" dirty="0">
+                <a:solidFill>
+                  <a:srgbClr val="9CDCFE"/>
+                </a:solidFill>
+                <a:effectLst/>
+                <a:latin typeface=" Cascadia Code PL"/>
+              </a:rPr>
+              <a:t>UseSqlServer</a:t>
+            </a:r>
+            <a:r>
+              <a:rPr lang="da-DK" sz="1800" b="0" dirty="0">
+                <a:solidFill>
+                  <a:srgbClr val="D4D4D4"/>
+                </a:solidFill>
+                <a:effectLst/>
+                <a:latin typeface=" Cascadia Code PL"/>
+              </a:rPr>
+              <a:t>(...);</a:t>
+            </a:r>
+          </a:p>
+          <a:p>
+            <a:endParaRPr lang="da-DK" sz="1800" b="0" dirty="0">
+              <a:solidFill>
+                <a:srgbClr val="D4D4D4"/>
+              </a:solidFill>
+              <a:effectLst/>
+              <a:latin typeface=" Cascadia Code PL"/>
+            </a:endParaRPr>
+          </a:p>
+        </p:txBody>
+      </p:sp>
+    </p:spTree>
+    <p:extLst>
+      <p:ext uri="{BB962C8B-B14F-4D97-AF65-F5344CB8AC3E}">
+        <p14:creationId xmlns:p14="http://schemas.microsoft.com/office/powerpoint/2010/main" val="217458327"/>
       </p:ext>
     </p:extLst>
   </p:cSld>
@@ -20098,6 +21570,644 @@
       </p:grpSpPr>
       <p:sp>
         <p:nvSpPr>
+          <p:cNvPr id="2" name="Title 1">
+            <a:extLst>
+              <a:ext uri="{FF2B5EF4-FFF2-40B4-BE49-F238E27FC236}">
+                <a16:creationId xmlns:a16="http://schemas.microsoft.com/office/drawing/2014/main" id="{4627D7FF-3980-46AE-A554-9F788498D0EA}"/>
+              </a:ext>
+            </a:extLst>
+          </p:cNvPr>
+          <p:cNvSpPr>
+            <a:spLocks noGrp="1"/>
+          </p:cNvSpPr>
+          <p:nvPr>
+            <p:ph type="title"/>
+          </p:nvPr>
+        </p:nvSpPr>
+        <p:spPr/>
+        <p:txBody>
+          <a:bodyPr/>
+          <a:lstStyle/>
+          <a:p>
+            <a:r>
+              <a:rPr lang="en-US" dirty="0"/>
+              <a:t>Secrets</a:t>
+            </a:r>
+            <a:endParaRPr lang="LID4096" dirty="0"/>
+          </a:p>
+        </p:txBody>
+      </p:sp>
+      <p:sp>
+        <p:nvSpPr>
+          <p:cNvPr id="4" name="Text Placeholder 3">
+            <a:extLst>
+              <a:ext uri="{FF2B5EF4-FFF2-40B4-BE49-F238E27FC236}">
+                <a16:creationId xmlns:a16="http://schemas.microsoft.com/office/drawing/2014/main" id="{409C6D45-FA37-43DB-9E23-57643215A2A7}"/>
+              </a:ext>
+            </a:extLst>
+          </p:cNvPr>
+          <p:cNvSpPr>
+            <a:spLocks noGrp="1"/>
+          </p:cNvSpPr>
+          <p:nvPr>
+            <p:ph type="body" sz="quarter" idx="10"/>
+          </p:nvPr>
+        </p:nvSpPr>
+        <p:spPr>
+          <a:xfrm>
+            <a:off x="588263" y="1436688"/>
+            <a:ext cx="11018520" cy="1046440"/>
+          </a:xfrm>
+        </p:spPr>
+        <p:txBody>
+          <a:bodyPr/>
+          <a:lstStyle/>
+          <a:p>
+            <a:r>
+              <a:rPr lang="da-DK" sz="2000" b="0" dirty="0">
+                <a:solidFill>
+                  <a:srgbClr val="D4D4D4"/>
+                </a:solidFill>
+                <a:effectLst/>
+                <a:latin typeface=" Cascadia Code PL"/>
+              </a:rPr>
+              <a:t>dotnet user-secrets init</a:t>
+            </a:r>
+          </a:p>
+          <a:p>
+            <a:r>
+              <a:rPr lang="da-DK" sz="2000" b="0" dirty="0">
+                <a:solidFill>
+                  <a:srgbClr val="D4D4D4"/>
+                </a:solidFill>
+                <a:effectLst/>
+                <a:latin typeface=" Cascadia Code PL"/>
+              </a:rPr>
+              <a:t>dotnet user-secrets </a:t>
+            </a:r>
+            <a:r>
+              <a:rPr lang="da-DK" sz="2000" b="0" dirty="0">
+                <a:solidFill>
+                  <a:srgbClr val="DCDCAA"/>
+                </a:solidFill>
+                <a:effectLst/>
+                <a:latin typeface=" Cascadia Code PL"/>
+              </a:rPr>
+              <a:t>set</a:t>
+            </a:r>
+            <a:r>
+              <a:rPr lang="da-DK" sz="2000" b="0" dirty="0">
+                <a:solidFill>
+                  <a:srgbClr val="D4D4D4"/>
+                </a:solidFill>
+                <a:effectLst/>
+                <a:latin typeface=" Cascadia Code PL"/>
+              </a:rPr>
+              <a:t> </a:t>
+            </a:r>
+            <a:r>
+              <a:rPr lang="da-DK" sz="2000" b="0" dirty="0">
+                <a:solidFill>
+                  <a:srgbClr val="CE9178"/>
+                </a:solidFill>
+                <a:effectLst/>
+                <a:latin typeface=" Cascadia Code PL"/>
+              </a:rPr>
+              <a:t>"ConnectionStrings:ConnectionString"</a:t>
+            </a:r>
+            <a:r>
+              <a:rPr lang="da-DK" sz="2000" b="0" dirty="0">
+                <a:solidFill>
+                  <a:srgbClr val="D4D4D4"/>
+                </a:solidFill>
+                <a:effectLst/>
+                <a:latin typeface=" Cascadia Code PL"/>
+              </a:rPr>
+              <a:t> </a:t>
+            </a:r>
+            <a:r>
+              <a:rPr lang="da-DK" sz="2000" b="0" dirty="0">
+                <a:solidFill>
+                  <a:srgbClr val="CE9178"/>
+                </a:solidFill>
+                <a:effectLst/>
+                <a:latin typeface=" Cascadia Code PL"/>
+              </a:rPr>
+              <a:t>"..."</a:t>
+            </a:r>
+            <a:endParaRPr lang="da-DK" sz="2000" b="0" dirty="0">
+              <a:solidFill>
+                <a:srgbClr val="D4D4D4"/>
+              </a:solidFill>
+              <a:effectLst/>
+              <a:latin typeface=" Cascadia Code PL"/>
+            </a:endParaRPr>
+          </a:p>
+          <a:p>
+            <a:r>
+              <a:rPr lang="da-DK" sz="2000" b="0" dirty="0">
+                <a:solidFill>
+                  <a:srgbClr val="D4D4D4"/>
+                </a:solidFill>
+                <a:effectLst/>
+                <a:latin typeface=" Cascadia Code PL"/>
+              </a:rPr>
+              <a:t>dotnet add package Microsoft.Extensions.Configuration.UserSecrets</a:t>
+            </a:r>
+          </a:p>
+        </p:txBody>
+      </p:sp>
+    </p:spTree>
+    <p:extLst>
+      <p:ext uri="{BB962C8B-B14F-4D97-AF65-F5344CB8AC3E}">
+        <p14:creationId xmlns:p14="http://schemas.microsoft.com/office/powerpoint/2010/main" val="2242407299"/>
+      </p:ext>
+    </p:extLst>
+  </p:cSld>
+  <p:clrMapOvr>
+    <a:masterClrMapping/>
+  </p:clrMapOvr>
+  <p:transition>
+    <p:fade/>
+  </p:transition>
+</p:sld>
+</file>
+
+<file path=ppt/slides/slide5.xml><?xml version="1.0" encoding="utf-8"?>
+<p:sld xmlns:a="http://schemas.openxmlformats.org/drawingml/2006/main" xmlns:r="http://schemas.openxmlformats.org/officeDocument/2006/relationships" xmlns:p="http://schemas.openxmlformats.org/presentationml/2006/main">
+  <p:cSld>
+    <p:spTree>
+      <p:nvGrpSpPr>
+        <p:cNvPr id="1" name=""/>
+        <p:cNvGrpSpPr/>
+        <p:nvPr/>
+      </p:nvGrpSpPr>
+      <p:grpSpPr>
+        <a:xfrm>
+          <a:off x="0" y="0"/>
+          <a:ext cx="0" cy="0"/>
+          <a:chOff x="0" y="0"/>
+          <a:chExt cx="0" cy="0"/>
+        </a:xfrm>
+      </p:grpSpPr>
+      <p:sp>
+        <p:nvSpPr>
+          <p:cNvPr id="2" name="Title 1">
+            <a:extLst>
+              <a:ext uri="{FF2B5EF4-FFF2-40B4-BE49-F238E27FC236}">
+                <a16:creationId xmlns:a16="http://schemas.microsoft.com/office/drawing/2014/main" id="{4627D7FF-3980-46AE-A554-9F788498D0EA}"/>
+              </a:ext>
+            </a:extLst>
+          </p:cNvPr>
+          <p:cNvSpPr>
+            <a:spLocks noGrp="1"/>
+          </p:cNvSpPr>
+          <p:nvPr>
+            <p:ph type="title"/>
+          </p:nvPr>
+        </p:nvSpPr>
+        <p:spPr/>
+        <p:txBody>
+          <a:bodyPr/>
+          <a:lstStyle/>
+          <a:p>
+            <a:r>
+              <a:rPr lang="en-US" dirty="0"/>
+              <a:t>Secrets</a:t>
+            </a:r>
+            <a:endParaRPr lang="LID4096" dirty="0"/>
+          </a:p>
+        </p:txBody>
+      </p:sp>
+      <p:sp>
+        <p:nvSpPr>
+          <p:cNvPr id="4" name="Text Placeholder 3">
+            <a:extLst>
+              <a:ext uri="{FF2B5EF4-FFF2-40B4-BE49-F238E27FC236}">
+                <a16:creationId xmlns:a16="http://schemas.microsoft.com/office/drawing/2014/main" id="{409C6D45-FA37-43DB-9E23-57643215A2A7}"/>
+              </a:ext>
+            </a:extLst>
+          </p:cNvPr>
+          <p:cNvSpPr>
+            <a:spLocks noGrp="1"/>
+          </p:cNvSpPr>
+          <p:nvPr>
+            <p:ph type="body" sz="quarter" idx="10"/>
+          </p:nvPr>
+        </p:nvSpPr>
+        <p:spPr>
+          <a:xfrm>
+            <a:off x="588263" y="1436688"/>
+            <a:ext cx="11018520" cy="2880789"/>
+          </a:xfrm>
+        </p:spPr>
+        <p:txBody>
+          <a:bodyPr/>
+          <a:lstStyle/>
+          <a:p>
+            <a:r>
+              <a:rPr lang="da-DK" sz="1800" b="0" dirty="0">
+                <a:solidFill>
+                  <a:srgbClr val="569CD6"/>
+                </a:solidFill>
+                <a:effectLst/>
+                <a:latin typeface=" Cascadia Code PL"/>
+              </a:rPr>
+              <a:t>using</a:t>
+            </a:r>
+            <a:r>
+              <a:rPr lang="da-DK" sz="1800" b="0" dirty="0">
+                <a:solidFill>
+                  <a:srgbClr val="D4D4D4"/>
+                </a:solidFill>
+                <a:effectLst/>
+                <a:latin typeface=" Cascadia Code PL"/>
+              </a:rPr>
+              <a:t> Microsoft.Extensions.Configuration;</a:t>
+            </a:r>
+          </a:p>
+          <a:p>
+            <a:endParaRPr lang="da-DK" sz="1800" dirty="0">
+              <a:solidFill>
+                <a:srgbClr val="D4D4D4"/>
+              </a:solidFill>
+              <a:latin typeface=" Cascadia Code PL"/>
+            </a:endParaRPr>
+          </a:p>
+          <a:p>
+            <a:r>
+              <a:rPr lang="da-DK" sz="1800" b="0" dirty="0">
+                <a:solidFill>
+                  <a:srgbClr val="D4D4D4"/>
+                </a:solidFill>
+                <a:effectLst/>
+                <a:latin typeface=" Cascadia Code PL"/>
+              </a:rPr>
+              <a:t>...</a:t>
+            </a:r>
+          </a:p>
+          <a:p>
+            <a:endParaRPr lang="da-DK" sz="1800" dirty="0">
+              <a:solidFill>
+                <a:srgbClr val="D4D4D4"/>
+              </a:solidFill>
+              <a:latin typeface=" Cascadia Code PL"/>
+            </a:endParaRPr>
+          </a:p>
+          <a:p>
+            <a:r>
+              <a:rPr lang="en-US" sz="1800" b="0" dirty="0">
+                <a:solidFill>
+                  <a:srgbClr val="569CD6"/>
+                </a:solidFill>
+                <a:effectLst/>
+                <a:latin typeface=" Cascadia Code PL"/>
+              </a:rPr>
+              <a:t>var</a:t>
+            </a:r>
+            <a:r>
+              <a:rPr lang="en-US" sz="1800" b="0" dirty="0">
+                <a:solidFill>
+                  <a:srgbClr val="D4D4D4"/>
+                </a:solidFill>
+                <a:effectLst/>
+                <a:latin typeface=" Cascadia Code PL"/>
+              </a:rPr>
+              <a:t> </a:t>
+            </a:r>
+            <a:r>
+              <a:rPr lang="en-US" sz="1800" b="0" dirty="0">
+                <a:solidFill>
+                  <a:srgbClr val="9CDCFE"/>
+                </a:solidFill>
+                <a:effectLst/>
+                <a:latin typeface=" Cascadia Code PL"/>
+              </a:rPr>
+              <a:t>configuration</a:t>
+            </a:r>
+            <a:r>
+              <a:rPr lang="en-US" sz="1800" b="0" dirty="0">
+                <a:solidFill>
+                  <a:srgbClr val="D4D4D4"/>
+                </a:solidFill>
+                <a:effectLst/>
+                <a:latin typeface=" Cascadia Code PL"/>
+              </a:rPr>
+              <a:t> = </a:t>
+            </a:r>
+            <a:r>
+              <a:rPr lang="en-US" sz="1800" b="0" dirty="0">
+                <a:solidFill>
+                  <a:srgbClr val="569CD6"/>
+                </a:solidFill>
+                <a:effectLst/>
+                <a:latin typeface=" Cascadia Code PL"/>
+              </a:rPr>
+              <a:t>new</a:t>
+            </a:r>
+            <a:r>
+              <a:rPr lang="en-US" sz="1800" b="0" dirty="0">
+                <a:solidFill>
+                  <a:srgbClr val="D4D4D4"/>
+                </a:solidFill>
+                <a:effectLst/>
+                <a:latin typeface=" Cascadia Code PL"/>
+              </a:rPr>
+              <a:t> </a:t>
+            </a:r>
+            <a:r>
+              <a:rPr lang="en-US" sz="1800" b="0" dirty="0" err="1">
+                <a:solidFill>
+                  <a:srgbClr val="4EC9B0"/>
+                </a:solidFill>
+                <a:effectLst/>
+                <a:latin typeface=" Cascadia Code PL"/>
+              </a:rPr>
+              <a:t>ConfigurationBuilder</a:t>
+            </a:r>
+            <a:r>
+              <a:rPr lang="en-US" sz="1800" b="0" dirty="0">
+                <a:solidFill>
+                  <a:srgbClr val="D4D4D4"/>
+                </a:solidFill>
+                <a:effectLst/>
+                <a:latin typeface=" Cascadia Code PL"/>
+              </a:rPr>
+              <a:t>()</a:t>
+            </a:r>
+          </a:p>
+          <a:p>
+            <a:r>
+              <a:rPr lang="en-US" sz="1800" b="0" dirty="0">
+                <a:solidFill>
+                  <a:srgbClr val="D4D4D4"/>
+                </a:solidFill>
+                <a:effectLst/>
+                <a:latin typeface=" Cascadia Code PL"/>
+              </a:rPr>
+              <a:t>    .</a:t>
+            </a:r>
+            <a:r>
+              <a:rPr lang="en-US" sz="1800" b="0" dirty="0" err="1">
+                <a:solidFill>
+                  <a:srgbClr val="DCDCAA"/>
+                </a:solidFill>
+                <a:effectLst/>
+                <a:latin typeface=" Cascadia Code PL"/>
+              </a:rPr>
+              <a:t>AddUserSecrets</a:t>
+            </a:r>
+            <a:r>
+              <a:rPr lang="en-US" sz="1800" b="0" dirty="0">
+                <a:solidFill>
+                  <a:srgbClr val="D4D4D4"/>
+                </a:solidFill>
+                <a:effectLst/>
+                <a:latin typeface=" Cascadia Code PL"/>
+              </a:rPr>
+              <a:t>(</a:t>
+            </a:r>
+            <a:r>
+              <a:rPr lang="en-US" sz="1800" b="0" dirty="0" err="1">
+                <a:solidFill>
+                  <a:srgbClr val="569CD6"/>
+                </a:solidFill>
+                <a:effectLst/>
+                <a:latin typeface=" Cascadia Code PL"/>
+              </a:rPr>
+              <a:t>typeof</a:t>
+            </a:r>
+            <a:r>
+              <a:rPr lang="en-US" sz="1800" b="0" dirty="0">
+                <a:solidFill>
+                  <a:srgbClr val="D4D4D4"/>
+                </a:solidFill>
+                <a:effectLst/>
+                <a:latin typeface=" Cascadia Code PL"/>
+              </a:rPr>
+              <a:t>(</a:t>
+            </a:r>
+            <a:r>
+              <a:rPr lang="en-US" sz="1800" b="0" dirty="0">
+                <a:solidFill>
+                  <a:srgbClr val="4EC9B0"/>
+                </a:solidFill>
+                <a:effectLst/>
+                <a:latin typeface=" Cascadia Code PL"/>
+              </a:rPr>
+              <a:t>Program</a:t>
+            </a:r>
+            <a:r>
+              <a:rPr lang="en-US" sz="1800" b="0" dirty="0">
+                <a:solidFill>
+                  <a:srgbClr val="D4D4D4"/>
+                </a:solidFill>
+                <a:effectLst/>
+                <a:latin typeface=" Cascadia Code PL"/>
+              </a:rPr>
+              <a:t>).Assembly)</a:t>
+            </a:r>
+          </a:p>
+          <a:p>
+            <a:r>
+              <a:rPr lang="en-US" sz="1800" b="0" dirty="0">
+                <a:solidFill>
+                  <a:srgbClr val="D4D4D4"/>
+                </a:solidFill>
+                <a:effectLst/>
+                <a:latin typeface=" Cascadia Code PL"/>
+              </a:rPr>
+              <a:t>    .</a:t>
+            </a:r>
+            <a:r>
+              <a:rPr lang="en-US" sz="1800" b="0" dirty="0">
+                <a:solidFill>
+                  <a:srgbClr val="DCDCAA"/>
+                </a:solidFill>
+                <a:effectLst/>
+                <a:latin typeface=" Cascadia Code PL"/>
+              </a:rPr>
+              <a:t>Build</a:t>
+            </a:r>
+            <a:r>
+              <a:rPr lang="en-US" sz="1800" b="0" dirty="0">
+                <a:solidFill>
+                  <a:srgbClr val="D4D4D4"/>
+                </a:solidFill>
+                <a:effectLst/>
+                <a:latin typeface=" Cascadia Code PL"/>
+              </a:rPr>
+              <a:t>();</a:t>
+            </a:r>
+          </a:p>
+          <a:p>
+            <a:br>
+              <a:rPr lang="en-US" sz="1800" b="0" dirty="0">
+                <a:solidFill>
+                  <a:srgbClr val="D4D4D4"/>
+                </a:solidFill>
+                <a:effectLst/>
+                <a:latin typeface=" Cascadia Code PL"/>
+              </a:rPr>
+            </a:br>
+            <a:r>
+              <a:rPr lang="en-US" sz="1800" b="0" dirty="0">
+                <a:solidFill>
+                  <a:srgbClr val="569CD6"/>
+                </a:solidFill>
+                <a:effectLst/>
+                <a:latin typeface=" Cascadia Code PL"/>
+              </a:rPr>
+              <a:t>var</a:t>
+            </a:r>
+            <a:r>
+              <a:rPr lang="en-US" sz="1800" b="0" dirty="0">
+                <a:solidFill>
+                  <a:srgbClr val="D4D4D4"/>
+                </a:solidFill>
+                <a:effectLst/>
+                <a:latin typeface=" Cascadia Code PL"/>
+              </a:rPr>
+              <a:t> </a:t>
+            </a:r>
+            <a:r>
+              <a:rPr lang="en-US" sz="1800" b="0" dirty="0" err="1">
+                <a:solidFill>
+                  <a:srgbClr val="9CDCFE"/>
+                </a:solidFill>
+                <a:effectLst/>
+                <a:latin typeface=" Cascadia Code PL"/>
+              </a:rPr>
+              <a:t>connectionString</a:t>
+            </a:r>
+            <a:r>
+              <a:rPr lang="en-US" sz="1800" b="0" dirty="0">
+                <a:solidFill>
+                  <a:srgbClr val="D4D4D4"/>
+                </a:solidFill>
+                <a:effectLst/>
+                <a:latin typeface=" Cascadia Code PL"/>
+              </a:rPr>
+              <a:t> = </a:t>
+            </a:r>
+            <a:r>
+              <a:rPr lang="en-US" sz="1800" b="0" dirty="0" err="1">
+                <a:solidFill>
+                  <a:srgbClr val="9CDCFE"/>
+                </a:solidFill>
+                <a:effectLst/>
+                <a:latin typeface=" Cascadia Code PL"/>
+              </a:rPr>
+              <a:t>configuration</a:t>
+            </a:r>
+            <a:r>
+              <a:rPr lang="en-US" sz="1800" b="0" dirty="0" err="1">
+                <a:solidFill>
+                  <a:srgbClr val="D4D4D4"/>
+                </a:solidFill>
+                <a:effectLst/>
+                <a:latin typeface=" Cascadia Code PL"/>
+              </a:rPr>
+              <a:t>.</a:t>
+            </a:r>
+            <a:r>
+              <a:rPr lang="en-US" sz="1800" b="0" dirty="0" err="1">
+                <a:solidFill>
+                  <a:srgbClr val="DCDCAA"/>
+                </a:solidFill>
+                <a:effectLst/>
+                <a:latin typeface=" Cascadia Code PL"/>
+              </a:rPr>
+              <a:t>GetConnectionString</a:t>
+            </a:r>
+            <a:r>
+              <a:rPr lang="en-US" sz="1800" b="0" dirty="0">
+                <a:solidFill>
+                  <a:srgbClr val="D4D4D4"/>
+                </a:solidFill>
+                <a:effectLst/>
+                <a:latin typeface=" Cascadia Code PL"/>
+              </a:rPr>
+              <a:t>(</a:t>
+            </a:r>
+            <a:r>
+              <a:rPr lang="en-US" sz="1800" b="0" dirty="0">
+                <a:solidFill>
+                  <a:srgbClr val="CE9178"/>
+                </a:solidFill>
+                <a:effectLst/>
+                <a:latin typeface=" Cascadia Code PL"/>
+              </a:rPr>
+              <a:t>"</a:t>
+            </a:r>
+            <a:r>
+              <a:rPr lang="en-US" sz="1800" b="0" dirty="0" err="1">
+                <a:solidFill>
+                  <a:srgbClr val="CE9178"/>
+                </a:solidFill>
+                <a:effectLst/>
+                <a:latin typeface=" Cascadia Code PL"/>
+              </a:rPr>
+              <a:t>ConnectionString</a:t>
+            </a:r>
+            <a:r>
+              <a:rPr lang="en-US" sz="1800" b="0" dirty="0">
+                <a:solidFill>
+                  <a:srgbClr val="CE9178"/>
+                </a:solidFill>
+                <a:effectLst/>
+                <a:latin typeface=" Cascadia Code PL"/>
+              </a:rPr>
+              <a:t>"</a:t>
+            </a:r>
+            <a:r>
+              <a:rPr lang="en-US" sz="1800" b="0" dirty="0">
+                <a:solidFill>
+                  <a:srgbClr val="D4D4D4"/>
+                </a:solidFill>
+                <a:effectLst/>
+                <a:latin typeface=" Cascadia Code PL"/>
+              </a:rPr>
+              <a:t>);</a:t>
+            </a:r>
+          </a:p>
+        </p:txBody>
+      </p:sp>
+    </p:spTree>
+    <p:extLst>
+      <p:ext uri="{BB962C8B-B14F-4D97-AF65-F5344CB8AC3E}">
+        <p14:creationId xmlns:p14="http://schemas.microsoft.com/office/powerpoint/2010/main" val="1873489149"/>
+      </p:ext>
+    </p:extLst>
+  </p:cSld>
+  <p:clrMapOvr>
+    <a:masterClrMapping/>
+  </p:clrMapOvr>
+  <p:transition>
+    <p:fade/>
+  </p:transition>
+</p:sld>
+</file>
+
+<file path=ppt/slides/slide6.xml><?xml version="1.0" encoding="utf-8"?>
+<p:sld xmlns:a="http://schemas.openxmlformats.org/drawingml/2006/main" xmlns:r="http://schemas.openxmlformats.org/officeDocument/2006/relationships" xmlns:p="http://schemas.openxmlformats.org/presentationml/2006/main">
+  <p:cSld>
+    <p:spTree>
+      <p:nvGrpSpPr>
+        <p:cNvPr id="1" name=""/>
+        <p:cNvGrpSpPr/>
+        <p:nvPr/>
+      </p:nvGrpSpPr>
+      <p:grpSpPr>
+        <a:xfrm>
+          <a:off x="0" y="0"/>
+          <a:ext cx="0" cy="0"/>
+          <a:chOff x="0" y="0"/>
+          <a:chExt cx="0" cy="0"/>
+        </a:xfrm>
+      </p:grpSpPr>
+      <p:sp>
+        <p:nvSpPr>
           <p:cNvPr id="4" name="Title 3">
             <a:extLst>
               <a:ext uri="{FF2B5EF4-FFF2-40B4-BE49-F238E27FC236}">
@@ -20150,7 +22260,7 @@
 </p:sld>
 </file>
 
-<file path=ppt/slides/slide5.xml><?xml version="1.0" encoding="utf-8"?>
+<file path=ppt/slides/slide7.xml><?xml version="1.0" encoding="utf-8"?>
 <p:sld xmlns:a="http://schemas.openxmlformats.org/drawingml/2006/main" xmlns:r="http://schemas.openxmlformats.org/officeDocument/2006/relationships" xmlns:p="http://schemas.openxmlformats.org/presentationml/2006/main">
   <p:cSld>
     <p:spTree>
@@ -20299,7 +22409,7 @@
 </p:sld>
 </file>
 
-<file path=ppt/slides/slide6.xml><?xml version="1.0" encoding="utf-8"?>
+<file path=ppt/slides/slide8.xml><?xml version="1.0" encoding="utf-8"?>
 <p:sld xmlns:a="http://schemas.openxmlformats.org/drawingml/2006/main" xmlns:r="http://schemas.openxmlformats.org/officeDocument/2006/relationships" xmlns:p="http://schemas.openxmlformats.org/presentationml/2006/main">
   <p:cSld>
     <p:spTree>
@@ -20487,7 +22597,7 @@
                 <a:effectLst/>
                 <a:latin typeface=" Cascadia Code PL"/>
               </a:rPr>
-              <a:t>docker run -e </a:t>
+              <a:t>docker run -e </a:t>
             </a:r>
             <a:r>
               <a:rPr lang="da-DK" sz="2400" b="0" dirty="0">
@@ -20690,116 +22800,7 @@
 </p:sld>
 </file>
 
-<file path=ppt/slides/slide7.xml><?xml version="1.0" encoding="utf-8"?>
-<p:sld xmlns:a="http://schemas.openxmlformats.org/drawingml/2006/main" xmlns:r="http://schemas.openxmlformats.org/officeDocument/2006/relationships" xmlns:p="http://schemas.openxmlformats.org/presentationml/2006/main">
-  <p:cSld>
-    <p:spTree>
-      <p:nvGrpSpPr>
-        <p:cNvPr id="1" name=""/>
-        <p:cNvGrpSpPr/>
-        <p:nvPr/>
-      </p:nvGrpSpPr>
-      <p:grpSpPr>
-        <a:xfrm>
-          <a:off x="0" y="0"/>
-          <a:ext cx="0" cy="0"/>
-          <a:chOff x="0" y="0"/>
-          <a:chExt cx="0" cy="0"/>
-        </a:xfrm>
-      </p:grpSpPr>
-      <p:sp>
-        <p:nvSpPr>
-          <p:cNvPr id="2" name="Title 1">
-            <a:extLst>
-              <a:ext uri="{FF2B5EF4-FFF2-40B4-BE49-F238E27FC236}">
-                <a16:creationId xmlns:a16="http://schemas.microsoft.com/office/drawing/2014/main" id="{6C2C5201-B2FF-45F1-98D1-532F8F35377D}"/>
-              </a:ext>
-            </a:extLst>
-          </p:cNvPr>
-          <p:cNvSpPr>
-            <a:spLocks noGrp="1"/>
-          </p:cNvSpPr>
-          <p:nvPr>
-            <p:ph type="title"/>
-          </p:nvPr>
-        </p:nvSpPr>
-        <p:spPr/>
-        <p:txBody>
-          <a:bodyPr/>
-          <a:lstStyle/>
-          <a:p>
-            <a:r>
-              <a:rPr lang="en-US" dirty="0"/>
-              <a:t>Old School SQL</a:t>
-            </a:r>
-            <a:endParaRPr lang="LID4096" dirty="0"/>
-          </a:p>
-        </p:txBody>
-      </p:sp>
-      <p:sp>
-        <p:nvSpPr>
-          <p:cNvPr id="5" name="Text Placeholder 4">
-            <a:extLst>
-              <a:ext uri="{FF2B5EF4-FFF2-40B4-BE49-F238E27FC236}">
-                <a16:creationId xmlns:a16="http://schemas.microsoft.com/office/drawing/2014/main" id="{1720E450-7EAD-4FC6-B503-4DBAC6C89E99}"/>
-              </a:ext>
-            </a:extLst>
-          </p:cNvPr>
-          <p:cNvSpPr>
-            <a:spLocks noGrp="1"/>
-          </p:cNvSpPr>
-          <p:nvPr>
-            <p:ph type="body" sz="quarter" idx="10"/>
-          </p:nvPr>
-        </p:nvSpPr>
-        <p:spPr>
-          <a:xfrm>
-            <a:off x="588263" y="1436688"/>
-            <a:ext cx="11018520" cy="430887"/>
-          </a:xfrm>
-        </p:spPr>
-        <p:txBody>
-          <a:bodyPr/>
-          <a:lstStyle/>
-          <a:p>
-            <a:r>
-              <a:rPr lang="en-US" dirty="0">
-                <a:latin typeface="Cascadia Code PL" panose="020B0609020000020004" pitchFamily="49" charset="0"/>
-                <a:cs typeface="Cascadia Code PL" panose="020B0609020000020004" pitchFamily="49" charset="0"/>
-              </a:rPr>
-              <a:t>dotnet add package </a:t>
-            </a:r>
-            <a:r>
-              <a:rPr lang="en-US" dirty="0" err="1">
-                <a:latin typeface="Cascadia Code PL" panose="020B0609020000020004" pitchFamily="49" charset="0"/>
-                <a:cs typeface="Cascadia Code PL" panose="020B0609020000020004" pitchFamily="49" charset="0"/>
-              </a:rPr>
-              <a:t>System.Data.SqlClient</a:t>
-            </a:r>
-            <a:endParaRPr lang="LID4096" dirty="0">
-              <a:latin typeface="Cascadia Code PL" panose="020B0609020000020004" pitchFamily="49" charset="0"/>
-              <a:cs typeface="Cascadia Code PL" panose="020B0609020000020004" pitchFamily="49" charset="0"/>
-            </a:endParaRPr>
-          </a:p>
-        </p:txBody>
-      </p:sp>
-    </p:spTree>
-    <p:extLst>
-      <p:ext uri="{BB962C8B-B14F-4D97-AF65-F5344CB8AC3E}">
-        <p14:creationId xmlns:p14="http://schemas.microsoft.com/office/powerpoint/2010/main" val="1157775991"/>
-      </p:ext>
-    </p:extLst>
-  </p:cSld>
-  <p:clrMapOvr>
-    <a:masterClrMapping/>
-  </p:clrMapOvr>
-  <p:transition>
-    <p:fade/>
-  </p:transition>
-</p:sld>
-</file>
-
-<file path=ppt/slides/slide8.xml><?xml version="1.0" encoding="utf-8"?>
+<file path=ppt/slides/slide9.xml><?xml version="1.0" encoding="utf-8"?>
 <p:sld xmlns:a="http://schemas.openxmlformats.org/drawingml/2006/main" xmlns:r="http://schemas.openxmlformats.org/officeDocument/2006/relationships" xmlns:p="http://schemas.openxmlformats.org/presentationml/2006/main">
   <p:cSld>
     <p:spTree>
@@ -20838,8 +22839,8 @@
           <a:lstStyle/>
           <a:p>
             <a:r>
-              <a:rPr lang="en-US" dirty="0" err="1"/>
-              <a:t>IDisposable</a:t>
+              <a:rPr lang="en-US" dirty="0"/>
+              <a:t>Old School SQL</a:t>
             </a:r>
             <a:endParaRPr lang="LID4096" dirty="0"/>
           </a:p>
@@ -20848,7 +22849,7 @@
     </p:spTree>
     <p:extLst>
       <p:ext uri="{BB962C8B-B14F-4D97-AF65-F5344CB8AC3E}">
-        <p14:creationId xmlns:p14="http://schemas.microsoft.com/office/powerpoint/2010/main" val="979134311"/>
+        <p14:creationId xmlns:p14="http://schemas.microsoft.com/office/powerpoint/2010/main" val="290550452"/>
       </p:ext>
     </p:extLst>
   </p:cSld>
@@ -20867,105 +22868,6 @@
       </p:transition>
     </mc:Fallback>
   </mc:AlternateContent>
-</p:sld>
-</file>
-
-<file path=ppt/slides/slide9.xml><?xml version="1.0" encoding="utf-8"?>
-<p:sld xmlns:a="http://schemas.openxmlformats.org/drawingml/2006/main" xmlns:r="http://schemas.openxmlformats.org/officeDocument/2006/relationships" xmlns:p="http://schemas.openxmlformats.org/presentationml/2006/main">
-  <p:cSld>
-    <p:spTree>
-      <p:nvGrpSpPr>
-        <p:cNvPr id="1" name=""/>
-        <p:cNvGrpSpPr/>
-        <p:nvPr/>
-      </p:nvGrpSpPr>
-      <p:grpSpPr>
-        <a:xfrm>
-          <a:off x="0" y="0"/>
-          <a:ext cx="0" cy="0"/>
-          <a:chOff x="0" y="0"/>
-          <a:chExt cx="0" cy="0"/>
-        </a:xfrm>
-      </p:grpSpPr>
-      <p:sp>
-        <p:nvSpPr>
-          <p:cNvPr id="4" name="Title 3">
-            <a:extLst>
-              <a:ext uri="{FF2B5EF4-FFF2-40B4-BE49-F238E27FC236}">
-                <a16:creationId xmlns:a16="http://schemas.microsoft.com/office/drawing/2014/main" id="{E007555C-63EC-4499-ACD6-029F27D57806}"/>
-              </a:ext>
-            </a:extLst>
-          </p:cNvPr>
-          <p:cNvSpPr>
-            <a:spLocks noGrp="1"/>
-          </p:cNvSpPr>
-          <p:nvPr>
-            <p:ph type="title"/>
-          </p:nvPr>
-        </p:nvSpPr>
-        <p:spPr/>
-        <p:txBody>
-          <a:bodyPr/>
-          <a:lstStyle/>
-          <a:p>
-            <a:r>
-              <a:rPr lang="en-US" dirty="0" err="1"/>
-              <a:t>IDisposable</a:t>
-            </a:r>
-            <a:endParaRPr lang="LID4096" dirty="0"/>
-          </a:p>
-        </p:txBody>
-      </p:sp>
-      <p:sp>
-        <p:nvSpPr>
-          <p:cNvPr id="6" name="Text Placeholder 5">
-            <a:extLst>
-              <a:ext uri="{FF2B5EF4-FFF2-40B4-BE49-F238E27FC236}">
-                <a16:creationId xmlns:a16="http://schemas.microsoft.com/office/drawing/2014/main" id="{6A59EDFA-CC39-42A8-90E7-5C0D634186F2}"/>
-              </a:ext>
-            </a:extLst>
-          </p:cNvPr>
-          <p:cNvSpPr>
-            <a:spLocks noGrp="1"/>
-          </p:cNvSpPr>
-          <p:nvPr>
-            <p:ph type="body" sz="quarter" idx="10"/>
-          </p:nvPr>
-        </p:nvSpPr>
-        <p:spPr>
-          <a:xfrm>
-            <a:off x="586390" y="1434370"/>
-            <a:ext cx="11018520" cy="430887"/>
-          </a:xfrm>
-        </p:spPr>
-        <p:txBody>
-          <a:bodyPr/>
-          <a:lstStyle/>
-          <a:p>
-            <a:r>
-              <a:rPr lang="en-US" dirty="0">
-                <a:solidFill>
-                  <a:srgbClr val="FF0000"/>
-                </a:solidFill>
-              </a:rPr>
-              <a:t>What???</a:t>
-            </a:r>
-          </a:p>
-        </p:txBody>
-      </p:sp>
-    </p:spTree>
-    <p:extLst>
-      <p:ext uri="{BB962C8B-B14F-4D97-AF65-F5344CB8AC3E}">
-        <p14:creationId xmlns:p14="http://schemas.microsoft.com/office/powerpoint/2010/main" val="4234402396"/>
-      </p:ext>
-    </p:extLst>
-  </p:cSld>
-  <p:clrMapOvr>
-    <a:masterClrMapping/>
-  </p:clrMapOvr>
-  <p:transition>
-    <p:fade/>
-  </p:transition>
 </p:sld>
 </file>
 
@@ -22353,20 +24255,20 @@
 </file>
 
 <file path=customXml/item2.xml><?xml version="1.0" encoding="utf-8"?>
-<p:properties xmlns:p="http://schemas.microsoft.com/office/2006/metadata/properties" xmlns:xsi="http://www.w3.org/2001/XMLSchema-instance" xmlns:pc="http://schemas.microsoft.com/office/infopath/2007/PartnerControls">
-  <documentManagement>
-    <MediaServiceKeyPoints xmlns="965de625-df5b-42e9-a277-2113da4f1195" xsi:nil="true"/>
-  </documentManagement>
-</p:properties>
-</file>
-
-<file path=customXml/item3.xml><?xml version="1.0" encoding="utf-8"?>
 <?mso-contentType ?>
 <FormTemplates xmlns="http://schemas.microsoft.com/sharepoint/v3/contenttype/forms">
   <Display>DocumentLibraryForm</Display>
   <Edit>DocumentLibraryForm</Edit>
   <New>DocumentLibraryForm</New>
 </FormTemplates>
+</file>
+
+<file path=customXml/item3.xml><?xml version="1.0" encoding="utf-8"?>
+<p:properties xmlns:p="http://schemas.microsoft.com/office/2006/metadata/properties" xmlns:xsi="http://www.w3.org/2001/XMLSchema-instance" xmlns:pc="http://schemas.microsoft.com/office/infopath/2007/PartnerControls">
+  <documentManagement>
+    <MediaServiceKeyPoints xmlns="965de625-df5b-42e9-a277-2113da4f1195" xsi:nil="true"/>
+  </documentManagement>
+</p:properties>
 </file>
 
 <file path=customXml/itemProps1.xml><?xml version="1.0" encoding="utf-8"?>
@@ -22389,6 +24291,14 @@
 </file>
 
 <file path=customXml/itemProps2.xml><?xml version="1.0" encoding="utf-8"?>
+<ds:datastoreItem xmlns:ds="http://schemas.openxmlformats.org/officeDocument/2006/customXml" ds:itemID="{758FDAC0-319D-4A54-8D8E-1D42CB1F8004}">
+  <ds:schemaRefs>
+    <ds:schemaRef ds:uri="http://schemas.microsoft.com/sharepoint/v3/contenttype/forms"/>
+  </ds:schemaRefs>
+</ds:datastoreItem>
+</file>
+
+<file path=customXml/itemProps3.xml><?xml version="1.0" encoding="utf-8"?>
 <ds:datastoreItem xmlns:ds="http://schemas.openxmlformats.org/officeDocument/2006/customXml" ds:itemID="{F990F116-B58F-4255-B05B-DA3808E0E5C6}">
   <ds:schemaRefs>
     <ds:schemaRef ds:uri="http://schemas.microsoft.com/office/2006/documentManagement/types"/>
@@ -22403,12 +24313,4 @@
     <ds:schemaRef ds:uri="http://schemas.microsoft.com/office/2006/metadata/properties"/>
   </ds:schemaRefs>
 </ds:datastoreItem>
-</file>
-
-<file path=customXml/itemProps3.xml><?xml version="1.0" encoding="utf-8"?>
-<ds:datastoreItem xmlns:ds="http://schemas.openxmlformats.org/officeDocument/2006/customXml" ds:itemID="{758FDAC0-319D-4A54-8D8E-1D42CB1F8004}">
-  <ds:schemaRefs>
-    <ds:schemaRef ds:uri="http://schemas.microsoft.com/sharepoint/v3/contenttype/forms"/>
-  </ds:schemaRefs>
-</ds:datastoreItem>
 </file>
--- a/Slides/Lecture04 - Data Access and Entity Framework Core.pptx
+++ b/Slides/Lecture04 - Data Access and Entity Framework Core.pptx
@@ -6,10 +6,10 @@
     <p:sldMasterId id="2147484675" r:id="rId5"/>
   </p:sldMasterIdLst>
   <p:notesMasterIdLst>
-    <p:notesMasterId r:id="rId18"/>
+    <p:notesMasterId r:id="rId19"/>
   </p:notesMasterIdLst>
   <p:handoutMasterIdLst>
-    <p:handoutMasterId r:id="rId19"/>
+    <p:handoutMasterId r:id="rId20"/>
   </p:handoutMasterIdLst>
   <p:sldIdLst>
     <p:sldId id="1663" r:id="rId6"/>
@@ -17,13 +17,14 @@
     <p:sldId id="1707" r:id="rId8"/>
     <p:sldId id="1698" r:id="rId9"/>
     <p:sldId id="1708" r:id="rId10"/>
-    <p:sldId id="1687" r:id="rId11"/>
-    <p:sldId id="1705" r:id="rId12"/>
-    <p:sldId id="1711" r:id="rId13"/>
-    <p:sldId id="1710" r:id="rId14"/>
-    <p:sldId id="1709" r:id="rId15"/>
-    <p:sldId id="1712" r:id="rId16"/>
-    <p:sldId id="1713" r:id="rId17"/>
+    <p:sldId id="1714" r:id="rId11"/>
+    <p:sldId id="1687" r:id="rId12"/>
+    <p:sldId id="1705" r:id="rId13"/>
+    <p:sldId id="1711" r:id="rId14"/>
+    <p:sldId id="1710" r:id="rId15"/>
+    <p:sldId id="1709" r:id="rId16"/>
+    <p:sldId id="1712" r:id="rId17"/>
+    <p:sldId id="1713" r:id="rId18"/>
   </p:sldIdLst>
   <p:sldSz cx="12192000" cy="6858000"/>
   <p:notesSz cx="6858000" cy="9144000"/>
@@ -132,6 +133,7 @@
             <p14:sldId id="1707"/>
             <p14:sldId id="1698"/>
             <p14:sldId id="1708"/>
+            <p14:sldId id="1714"/>
             <p14:sldId id="1687"/>
             <p14:sldId id="1705"/>
             <p14:sldId id="1711"/>
@@ -278,7 +280,7 @@
               <a:rPr lang="en-US" smtClean="0">
                 <a:latin typeface="Segoe UI" pitchFamily="34" charset="0"/>
               </a:rPr>
-              <a:t>9/10/2020 9:16 PM</a:t>
+              <a:t>9/11/2020 10:41 AM</a:t>
             </a:fld>
             <a:endParaRPr lang="en-US" dirty="0">
               <a:latin typeface="Segoe UI" pitchFamily="34" charset="0"/>
@@ -556,7 +558,7 @@
           <a:p>
             <a:fld id="{386CE63F-9E7F-4C04-9D0D-FCA25A8E9E86}" type="datetime8">
               <a:rPr lang="en-US" smtClean="0"/>
-              <a:t>9/10/2020 9:16 PM</a:t>
+              <a:t>9/11/2020 10:41 AM</a:t>
             </a:fld>
             <a:endParaRPr lang="en-US" dirty="0"/>
           </a:p>
@@ -923,7 +925,7 @@
           <a:p>
             <a:fld id="{321E5A7B-BB8D-4368-A182-109669521632}" type="datetime8">
               <a:rPr lang="en-US" smtClean="0"/>
-              <a:t>9/10/2020 9:16 PM</a:t>
+              <a:t>9/11/2020 10:41 AM</a:t>
             </a:fld>
             <a:endParaRPr lang="en-US" dirty="0"/>
           </a:p>
@@ -19522,6 +19524,77 @@
           <p:cNvPr id="4" name="Title 3">
             <a:extLst>
               <a:ext uri="{FF2B5EF4-FFF2-40B4-BE49-F238E27FC236}">
+                <a16:creationId xmlns:a16="http://schemas.microsoft.com/office/drawing/2014/main" id="{98D9D239-887C-49FA-A821-A61A859CC476}"/>
+              </a:ext>
+            </a:extLst>
+          </p:cNvPr>
+          <p:cNvSpPr>
+            <a:spLocks noGrp="1"/>
+          </p:cNvSpPr>
+          <p:nvPr>
+            <p:ph type="title"/>
+          </p:nvPr>
+        </p:nvSpPr>
+        <p:spPr/>
+        <p:txBody>
+          <a:bodyPr/>
+          <a:lstStyle/>
+          <a:p>
+            <a:r>
+              <a:rPr lang="en-US" dirty="0"/>
+              <a:t>SQL Injection</a:t>
+            </a:r>
+            <a:endParaRPr lang="LID4096" dirty="0"/>
+          </a:p>
+        </p:txBody>
+      </p:sp>
+    </p:spTree>
+    <p:extLst>
+      <p:ext uri="{BB962C8B-B14F-4D97-AF65-F5344CB8AC3E}">
+        <p14:creationId xmlns:p14="http://schemas.microsoft.com/office/powerpoint/2010/main" val="1416033540"/>
+      </p:ext>
+    </p:extLst>
+  </p:cSld>
+  <p:clrMapOvr>
+    <a:masterClrMapping/>
+  </p:clrMapOvr>
+  <mc:AlternateContent xmlns:mc="http://schemas.openxmlformats.org/markup-compatibility/2006" xmlns:p14="http://schemas.microsoft.com/office/powerpoint/2010/main">
+    <mc:Choice Requires="p14">
+      <p:transition spd="med" p14:dur="700">
+        <p:fade/>
+      </p:transition>
+    </mc:Choice>
+    <mc:Fallback xmlns="">
+      <p:transition spd="med">
+        <p:fade/>
+      </p:transition>
+    </mc:Fallback>
+  </mc:AlternateContent>
+</p:sld>
+</file>
+
+<file path=ppt/slides/slide11.xml><?xml version="1.0" encoding="utf-8"?>
+<p:sld xmlns:a="http://schemas.openxmlformats.org/drawingml/2006/main" xmlns:r="http://schemas.openxmlformats.org/officeDocument/2006/relationships" xmlns:p="http://schemas.openxmlformats.org/presentationml/2006/main">
+  <p:cSld>
+    <p:spTree>
+      <p:nvGrpSpPr>
+        <p:cNvPr id="1" name=""/>
+        <p:cNvGrpSpPr/>
+        <p:nvPr/>
+      </p:nvGrpSpPr>
+      <p:grpSpPr>
+        <a:xfrm>
+          <a:off x="0" y="0"/>
+          <a:ext cx="0" cy="0"/>
+          <a:chOff x="0" y="0"/>
+          <a:chExt cx="0" cy="0"/>
+        </a:xfrm>
+      </p:grpSpPr>
+      <p:sp>
+        <p:nvSpPr>
+          <p:cNvPr id="4" name="Title 3">
+            <a:extLst>
+              <a:ext uri="{FF2B5EF4-FFF2-40B4-BE49-F238E27FC236}">
                 <a16:creationId xmlns:a16="http://schemas.microsoft.com/office/drawing/2014/main" id="{E007555C-63EC-4499-ACD6-029F27D57806}"/>
               </a:ext>
             </a:extLst>
@@ -19599,7 +19672,7 @@
 </p:sld>
 </file>
 
-<file path=ppt/slides/slide11.xml><?xml version="1.0" encoding="utf-8"?>
+<file path=ppt/slides/slide12.xml><?xml version="1.0" encoding="utf-8"?>
 <p:sld xmlns:a="http://schemas.openxmlformats.org/drawingml/2006/main" xmlns:r="http://schemas.openxmlformats.org/officeDocument/2006/relationships" xmlns:p="http://schemas.openxmlformats.org/presentationml/2006/main">
   <p:cSld>
     <p:spTree>
@@ -19655,13 +19728,13 @@
   <p:clrMapOvr>
     <a:masterClrMapping/>
   </p:clrMapOvr>
-  <mc:AlternateContent xmlns:mc="http://schemas.openxmlformats.org/markup-compatibility/2006">
-    <mc:Choice xmlns:p14="http://schemas.microsoft.com/office/powerpoint/2010/main" Requires="p14">
+  <mc:AlternateContent xmlns:mc="http://schemas.openxmlformats.org/markup-compatibility/2006" xmlns:p14="http://schemas.microsoft.com/office/powerpoint/2010/main">
+    <mc:Choice Requires="p14">
       <p:transition spd="med" p14:dur="700">
         <p:fade/>
       </p:transition>
     </mc:Choice>
-    <mc:Fallback>
+    <mc:Fallback xmlns="">
       <p:transition spd="med">
         <p:fade/>
       </p:transition>
@@ -19670,7 +19743,7 @@
 </p:sld>
 </file>
 
-<file path=ppt/slides/slide12.xml><?xml version="1.0" encoding="utf-8"?>
+<file path=ppt/slides/slide13.xml><?xml version="1.0" encoding="utf-8"?>
 <p:sld xmlns:a="http://schemas.openxmlformats.org/drawingml/2006/main" xmlns:r="http://schemas.openxmlformats.org/officeDocument/2006/relationships" xmlns:p="http://schemas.openxmlformats.org/presentationml/2006/main">
   <p:cSld>
     <p:spTree>
@@ -20142,7 +20215,7 @@
         <p:spPr>
           <a:xfrm>
             <a:off x="586390" y="1434370"/>
-            <a:ext cx="11018520" cy="1465016"/>
+            <a:ext cx="11018520" cy="4284250"/>
           </a:xfrm>
         </p:spPr>
         <p:txBody>
@@ -20150,38 +20223,63 @@
           <a:lstStyle/>
           <a:p>
             <a:r>
-              <a:rPr lang="en-US" dirty="0" err="1">
-                <a:solidFill>
-                  <a:srgbClr val="FF0000"/>
-                </a:solidFill>
+              <a:rPr lang="da-DK" sz="2400" dirty="0"/>
+              <a:t>Windows only: SQL Server Express LocalDB</a:t>
+            </a:r>
+          </a:p>
+          <a:p>
+            <a:r>
+              <a:rPr lang="da-DK" sz="2400" dirty="0">
+                <a:hlinkClick r:id="rId2"/>
               </a:rPr>
-              <a:t>LocalDB</a:t>
-            </a:r>
-            <a:r>
-              <a:rPr lang="en-US" dirty="0">
-                <a:solidFill>
-                  <a:srgbClr val="FF0000"/>
-                </a:solidFill>
+              <a:t>https://docs.microsoft.com/en-us/sql/database-engine/configure-windows/sql-server-express-localdb</a:t>
+            </a:r>
+            <a:endParaRPr lang="da-DK" sz="2400" dirty="0"/>
+          </a:p>
+          <a:p>
+            <a:endParaRPr lang="da-DK" sz="2400" dirty="0"/>
+          </a:p>
+          <a:p>
+            <a:r>
+              <a:rPr lang="da-DK" sz="2400" dirty="0"/>
+              <a:t>All (prefered): SQL Server in a container</a:t>
+            </a:r>
+          </a:p>
+          <a:p>
+            <a:r>
+              <a:rPr lang="da-DK" sz="2400" dirty="0"/>
+              <a:t>Get docker:</a:t>
+            </a:r>
+          </a:p>
+          <a:p>
+            <a:r>
+              <a:rPr lang="da-DK" sz="2400" dirty="0">
+                <a:hlinkClick r:id="rId3"/>
               </a:rPr>
-              <a:t> vs. Docker</a:t>
-            </a:r>
-          </a:p>
-          <a:p>
-            <a:endParaRPr lang="en-US" dirty="0">
-              <a:solidFill>
-                <a:srgbClr val="FF0000"/>
-              </a:solidFill>
-            </a:endParaRPr>
-          </a:p>
-          <a:p>
-            <a:r>
-              <a:rPr lang="en-US" dirty="0">
-                <a:solidFill>
-                  <a:srgbClr val="FF0000"/>
-                </a:solidFill>
+              <a:t>https://docs.docker.com/get-docker/</a:t>
+            </a:r>
+            <a:r>
+              <a:rPr lang="da-DK" sz="2400" dirty="0"/>
+              <a:t> </a:t>
+            </a:r>
+          </a:p>
+          <a:p>
+            <a:endParaRPr lang="da-DK" sz="2400" dirty="0"/>
+          </a:p>
+          <a:p>
+            <a:r>
+              <a:rPr lang="da-DK" sz="2400" dirty="0"/>
+              <a:t>Run container:</a:t>
+            </a:r>
+          </a:p>
+          <a:p>
+            <a:r>
+              <a:rPr lang="da-DK" sz="2400" dirty="0">
+                <a:hlinkClick r:id="rId4"/>
               </a:rPr>
-              <a:t>Install on Windows/Linux/Mac</a:t>
-            </a:r>
+              <a:t>https://docs.microsoft.com/en-us/sql/linux/quickstart-install-connect-docker</a:t>
+            </a:r>
+            <a:endParaRPr lang="da-DK" sz="2400" dirty="0"/>
           </a:p>
         </p:txBody>
       </p:sp>
@@ -20220,6 +20318,397 @@
       </p:grpSpPr>
       <p:sp>
         <p:nvSpPr>
+          <p:cNvPr id="4" name="Title 3">
+            <a:extLst>
+              <a:ext uri="{FF2B5EF4-FFF2-40B4-BE49-F238E27FC236}">
+                <a16:creationId xmlns:a16="http://schemas.microsoft.com/office/drawing/2014/main" id="{E007555C-63EC-4499-ACD6-029F27D57806}"/>
+              </a:ext>
+            </a:extLst>
+          </p:cNvPr>
+          <p:cNvSpPr>
+            <a:spLocks noGrp="1"/>
+          </p:cNvSpPr>
+          <p:nvPr>
+            <p:ph type="title"/>
+          </p:nvPr>
+        </p:nvSpPr>
+        <p:spPr/>
+        <p:txBody>
+          <a:bodyPr/>
+          <a:lstStyle/>
+          <a:p>
+            <a:r>
+              <a:rPr lang="en-US" dirty="0"/>
+              <a:t>SQL Server</a:t>
+            </a:r>
+            <a:endParaRPr lang="LID4096" dirty="0"/>
+          </a:p>
+        </p:txBody>
+      </p:sp>
+      <p:sp>
+        <p:nvSpPr>
+          <p:cNvPr id="6" name="Text Placeholder 5">
+            <a:extLst>
+              <a:ext uri="{FF2B5EF4-FFF2-40B4-BE49-F238E27FC236}">
+                <a16:creationId xmlns:a16="http://schemas.microsoft.com/office/drawing/2014/main" id="{6A59EDFA-CC39-42A8-90E7-5C0D634186F2}"/>
+              </a:ext>
+            </a:extLst>
+          </p:cNvPr>
+          <p:cNvSpPr>
+            <a:spLocks noGrp="1"/>
+          </p:cNvSpPr>
+          <p:nvPr>
+            <p:ph type="body" sz="quarter" idx="10"/>
+          </p:nvPr>
+        </p:nvSpPr>
+        <p:spPr>
+          <a:xfrm>
+            <a:off x="588263" y="1436688"/>
+            <a:ext cx="11018520" cy="3767185"/>
+          </a:xfrm>
+        </p:spPr>
+        <p:txBody>
+          <a:bodyPr/>
+          <a:lstStyle/>
+          <a:p>
+            <a:r>
+              <a:rPr lang="da-DK" sz="2400" b="0" dirty="0">
+                <a:solidFill>
+                  <a:srgbClr val="D4D4D4"/>
+                </a:solidFill>
+                <a:effectLst/>
+                <a:latin typeface=" Cascadia Code PL"/>
+              </a:rPr>
+              <a:t>docker pull </a:t>
+            </a:r>
+            <a:r>
+              <a:rPr lang="da-DK" sz="2400" b="0" dirty="0">
+                <a:solidFill>
+                  <a:srgbClr val="DCDCAA"/>
+                </a:solidFill>
+                <a:effectLst/>
+                <a:latin typeface=" Cascadia Code PL"/>
+              </a:rPr>
+              <a:t>mcr.microsoft.com</a:t>
+            </a:r>
+            <a:r>
+              <a:rPr lang="da-DK" sz="2400" b="0" dirty="0">
+                <a:solidFill>
+                  <a:srgbClr val="D4D4D4"/>
+                </a:solidFill>
+                <a:effectLst/>
+                <a:latin typeface=" Cascadia Code PL"/>
+              </a:rPr>
+              <a:t>/mssql/server:</a:t>
+            </a:r>
+            <a:r>
+              <a:rPr lang="da-DK" sz="2400" b="0" dirty="0">
+                <a:solidFill>
+                  <a:srgbClr val="B5CEA8"/>
+                </a:solidFill>
+                <a:effectLst/>
+                <a:latin typeface=" Cascadia Code PL"/>
+              </a:rPr>
+              <a:t>2019</a:t>
+            </a:r>
+            <a:r>
+              <a:rPr lang="da-DK" sz="2400" b="0" dirty="0">
+                <a:solidFill>
+                  <a:srgbClr val="D4D4D4"/>
+                </a:solidFill>
+                <a:effectLst/>
+                <a:latin typeface=" Cascadia Code PL"/>
+              </a:rPr>
+              <a:t>-latest</a:t>
+            </a:r>
+          </a:p>
+          <a:p>
+            <a:endParaRPr lang="da-DK" sz="2400" dirty="0">
+              <a:solidFill>
+                <a:srgbClr val="D4D4D4"/>
+              </a:solidFill>
+              <a:latin typeface=" Cascadia Code PL"/>
+            </a:endParaRPr>
+          </a:p>
+          <a:p>
+            <a:r>
+              <a:rPr lang="da-DK" sz="2400" b="0" dirty="0">
+                <a:solidFill>
+                  <a:srgbClr val="9CDCFE"/>
+                </a:solidFill>
+                <a:effectLst/>
+                <a:latin typeface=" Cascadia Code PL"/>
+              </a:rPr>
+              <a:t>$password</a:t>
+            </a:r>
+            <a:r>
+              <a:rPr lang="da-DK" sz="2400" b="0" dirty="0">
+                <a:solidFill>
+                  <a:srgbClr val="D4D4D4"/>
+                </a:solidFill>
+                <a:effectLst/>
+                <a:latin typeface=" Cascadia Code PL"/>
+              </a:rPr>
+              <a:t> = </a:t>
+            </a:r>
+            <a:r>
+              <a:rPr lang="da-DK" sz="2400" b="0" dirty="0">
+                <a:solidFill>
+                  <a:srgbClr val="DCDCAA"/>
+                </a:solidFill>
+                <a:effectLst/>
+                <a:latin typeface=" Cascadia Code PL"/>
+              </a:rPr>
+              <a:t>New-Guid</a:t>
+            </a:r>
+            <a:endParaRPr lang="da-DK" sz="2400" b="0" dirty="0">
+              <a:solidFill>
+                <a:srgbClr val="D4D4D4"/>
+              </a:solidFill>
+              <a:effectLst/>
+              <a:latin typeface=" Cascadia Code PL"/>
+            </a:endParaRPr>
+          </a:p>
+          <a:p>
+            <a:br>
+              <a:rPr lang="da-DK" sz="2400" b="0" dirty="0">
+                <a:solidFill>
+                  <a:srgbClr val="D4D4D4"/>
+                </a:solidFill>
+                <a:effectLst/>
+                <a:latin typeface=" Cascadia Code PL"/>
+              </a:rPr>
+            </a:br>
+            <a:r>
+              <a:rPr lang="da-DK" sz="2400" b="0" dirty="0">
+                <a:solidFill>
+                  <a:srgbClr val="D4D4D4"/>
+                </a:solidFill>
+                <a:effectLst/>
+                <a:latin typeface=" Cascadia Code PL"/>
+              </a:rPr>
+              <a:t>docker run -e </a:t>
+            </a:r>
+            <a:r>
+              <a:rPr lang="da-DK" sz="2400" b="0" dirty="0">
+                <a:solidFill>
+                  <a:srgbClr val="CE9178"/>
+                </a:solidFill>
+                <a:effectLst/>
+                <a:latin typeface=" Cascadia Code PL"/>
+              </a:rPr>
+              <a:t>"ACCEPT_EULA=Y"</a:t>
+            </a:r>
+            <a:r>
+              <a:rPr lang="da-DK" sz="2400" b="0" dirty="0">
+                <a:solidFill>
+                  <a:srgbClr val="D4D4D4"/>
+                </a:solidFill>
+                <a:effectLst/>
+                <a:latin typeface=" Cascadia Code PL"/>
+              </a:rPr>
+              <a:t> -e </a:t>
+            </a:r>
+            <a:r>
+              <a:rPr lang="da-DK" sz="2400" b="0" dirty="0">
+                <a:solidFill>
+                  <a:srgbClr val="CE9178"/>
+                </a:solidFill>
+                <a:effectLst/>
+                <a:latin typeface=" Cascadia Code PL"/>
+              </a:rPr>
+              <a:t>"SA_PASSWORD=</a:t>
+            </a:r>
+            <a:r>
+              <a:rPr lang="da-DK" sz="2400" b="0" dirty="0">
+                <a:solidFill>
+                  <a:srgbClr val="9CDCFE"/>
+                </a:solidFill>
+                <a:effectLst/>
+                <a:latin typeface=" Cascadia Code PL"/>
+              </a:rPr>
+              <a:t>$password</a:t>
+            </a:r>
+            <a:r>
+              <a:rPr lang="da-DK" sz="2400" b="0" dirty="0">
+                <a:solidFill>
+                  <a:srgbClr val="CE9178"/>
+                </a:solidFill>
+                <a:effectLst/>
+                <a:latin typeface=" Cascadia Code PL"/>
+              </a:rPr>
+              <a:t>"</a:t>
+            </a:r>
+            <a:r>
+              <a:rPr lang="da-DK" sz="2400" b="0" dirty="0">
+                <a:solidFill>
+                  <a:srgbClr val="D4D4D4"/>
+                </a:solidFill>
+                <a:effectLst/>
+                <a:latin typeface=" Cascadia Code PL"/>
+              </a:rPr>
+              <a:t> `</a:t>
+            </a:r>
+          </a:p>
+          <a:p>
+            <a:r>
+              <a:rPr lang="da-DK" sz="2400" b="0" dirty="0">
+                <a:solidFill>
+                  <a:srgbClr val="D4D4D4"/>
+                </a:solidFill>
+                <a:effectLst/>
+                <a:latin typeface=" Cascadia Code PL"/>
+              </a:rPr>
+              <a:t>    -p </a:t>
+            </a:r>
+            <a:r>
+              <a:rPr lang="da-DK" sz="2400" b="0" dirty="0">
+                <a:solidFill>
+                  <a:srgbClr val="B5CEA8"/>
+                </a:solidFill>
+                <a:effectLst/>
+                <a:latin typeface=" Cascadia Code PL"/>
+              </a:rPr>
+              <a:t>1433</a:t>
+            </a:r>
+            <a:r>
+              <a:rPr lang="da-DK" sz="2400" b="0" dirty="0">
+                <a:solidFill>
+                  <a:srgbClr val="D4D4D4"/>
+                </a:solidFill>
+                <a:effectLst/>
+                <a:latin typeface=" Cascadia Code PL"/>
+              </a:rPr>
+              <a:t>:</a:t>
+            </a:r>
+            <a:r>
+              <a:rPr lang="da-DK" sz="2400" b="0" dirty="0">
+                <a:solidFill>
+                  <a:srgbClr val="B5CEA8"/>
+                </a:solidFill>
+                <a:effectLst/>
+                <a:latin typeface=" Cascadia Code PL"/>
+              </a:rPr>
+              <a:t>1433</a:t>
+            </a:r>
+            <a:r>
+              <a:rPr lang="da-DK" sz="2400" b="0" dirty="0">
+                <a:solidFill>
+                  <a:srgbClr val="D4D4D4"/>
+                </a:solidFill>
+                <a:effectLst/>
+                <a:latin typeface=" Cascadia Code PL"/>
+              </a:rPr>
+              <a:t> `</a:t>
+            </a:r>
+          </a:p>
+          <a:p>
+            <a:r>
+              <a:rPr lang="da-DK" sz="2400" b="0" dirty="0">
+                <a:solidFill>
+                  <a:srgbClr val="D4D4D4"/>
+                </a:solidFill>
+                <a:effectLst/>
+                <a:latin typeface=" Cascadia Code PL"/>
+              </a:rPr>
+              <a:t>    -d </a:t>
+            </a:r>
+            <a:r>
+              <a:rPr lang="da-DK" sz="2400" b="0" dirty="0">
+                <a:solidFill>
+                  <a:srgbClr val="DCDCAA"/>
+                </a:solidFill>
+                <a:effectLst/>
+                <a:latin typeface=" Cascadia Code PL"/>
+              </a:rPr>
+              <a:t>mcr.microsoft.com</a:t>
+            </a:r>
+            <a:r>
+              <a:rPr lang="da-DK" sz="2400" b="0" dirty="0">
+                <a:solidFill>
+                  <a:srgbClr val="D4D4D4"/>
+                </a:solidFill>
+                <a:effectLst/>
+                <a:latin typeface=" Cascadia Code PL"/>
+              </a:rPr>
+              <a:t>/mssql/server:</a:t>
+            </a:r>
+            <a:r>
+              <a:rPr lang="da-DK" sz="2400" b="0" dirty="0">
+                <a:solidFill>
+                  <a:srgbClr val="B5CEA8"/>
+                </a:solidFill>
+                <a:effectLst/>
+                <a:latin typeface=" Cascadia Code PL"/>
+              </a:rPr>
+              <a:t>2019</a:t>
+            </a:r>
+            <a:r>
+              <a:rPr lang="da-DK" sz="2400" b="0" dirty="0">
+                <a:solidFill>
+                  <a:srgbClr val="D4D4D4"/>
+                </a:solidFill>
+                <a:effectLst/>
+                <a:latin typeface=" Cascadia Code PL"/>
+              </a:rPr>
+              <a:t>-latest</a:t>
+            </a:r>
+          </a:p>
+          <a:p>
+            <a:br>
+              <a:rPr lang="da-DK" sz="2400" b="0" dirty="0">
+                <a:solidFill>
+                  <a:srgbClr val="D4D4D4"/>
+                </a:solidFill>
+                <a:effectLst/>
+                <a:latin typeface=" Cascadia Code PL"/>
+              </a:rPr>
+            </a:br>
+            <a:endParaRPr lang="da-DK" sz="2400" b="0" dirty="0">
+              <a:solidFill>
+                <a:srgbClr val="D4D4D4"/>
+              </a:solidFill>
+              <a:effectLst/>
+              <a:latin typeface=" Cascadia Code PL"/>
+            </a:endParaRPr>
+          </a:p>
+        </p:txBody>
+      </p:sp>
+    </p:spTree>
+    <p:extLst>
+      <p:ext uri="{BB962C8B-B14F-4D97-AF65-F5344CB8AC3E}">
+        <p14:creationId xmlns:p14="http://schemas.microsoft.com/office/powerpoint/2010/main" val="448312756"/>
+      </p:ext>
+    </p:extLst>
+  </p:cSld>
+  <p:clrMapOvr>
+    <a:masterClrMapping/>
+  </p:clrMapOvr>
+  <p:transition>
+    <p:fade/>
+  </p:transition>
+</p:sld>
+</file>
+
+<file path=ppt/slides/slide7.xml><?xml version="1.0" encoding="utf-8"?>
+<p:sld xmlns:a="http://schemas.openxmlformats.org/drawingml/2006/main" xmlns:r="http://schemas.openxmlformats.org/officeDocument/2006/relationships" xmlns:p="http://schemas.openxmlformats.org/presentationml/2006/main">
+  <p:cSld>
+    <p:spTree>
+      <p:nvGrpSpPr>
+        <p:cNvPr id="1" name=""/>
+        <p:cNvGrpSpPr/>
+        <p:nvPr/>
+      </p:nvGrpSpPr>
+      <p:grpSpPr>
+        <a:xfrm>
+          <a:off x="0" y="0"/>
+          <a:ext cx="0" cy="0"/>
+          <a:chOff x="0" y="0"/>
+          <a:chExt cx="0" cy="0"/>
+        </a:xfrm>
+      </p:grpSpPr>
+      <p:sp>
+        <p:nvSpPr>
           <p:cNvPr id="2" name="Title 1">
             <a:extLst>
               <a:ext uri="{FF2B5EF4-FFF2-40B4-BE49-F238E27FC236}">
@@ -20310,7 +20799,7 @@
 </p:sld>
 </file>
 
-<file path=ppt/slides/slide7.xml><?xml version="1.0" encoding="utf-8"?>
+<file path=ppt/slides/slide8.xml><?xml version="1.0" encoding="utf-8"?>
 <p:sld xmlns:a="http://schemas.openxmlformats.org/drawingml/2006/main" xmlns:r="http://schemas.openxmlformats.org/officeDocument/2006/relationships" xmlns:p="http://schemas.openxmlformats.org/presentationml/2006/main">
   <p:cSld>
     <p:spTree>
@@ -20381,7 +20870,7 @@
 </p:sld>
 </file>
 
-<file path=ppt/slides/slide8.xml><?xml version="1.0" encoding="utf-8"?>
+<file path=ppt/slides/slide9.xml><?xml version="1.0" encoding="utf-8"?>
 <p:sld xmlns:a="http://schemas.openxmlformats.org/drawingml/2006/main" xmlns:r="http://schemas.openxmlformats.org/officeDocument/2006/relationships" xmlns:p="http://schemas.openxmlformats.org/presentationml/2006/main">
   <p:cSld>
     <p:spTree>
@@ -20477,77 +20966,6 @@
   <p:transition>
     <p:fade/>
   </p:transition>
-</p:sld>
-</file>
-
-<file path=ppt/slides/slide9.xml><?xml version="1.0" encoding="utf-8"?>
-<p:sld xmlns:a="http://schemas.openxmlformats.org/drawingml/2006/main" xmlns:r="http://schemas.openxmlformats.org/officeDocument/2006/relationships" xmlns:p="http://schemas.openxmlformats.org/presentationml/2006/main">
-  <p:cSld>
-    <p:spTree>
-      <p:nvGrpSpPr>
-        <p:cNvPr id="1" name=""/>
-        <p:cNvGrpSpPr/>
-        <p:nvPr/>
-      </p:nvGrpSpPr>
-      <p:grpSpPr>
-        <a:xfrm>
-          <a:off x="0" y="0"/>
-          <a:ext cx="0" cy="0"/>
-          <a:chOff x="0" y="0"/>
-          <a:chExt cx="0" cy="0"/>
-        </a:xfrm>
-      </p:grpSpPr>
-      <p:sp>
-        <p:nvSpPr>
-          <p:cNvPr id="4" name="Title 3">
-            <a:extLst>
-              <a:ext uri="{FF2B5EF4-FFF2-40B4-BE49-F238E27FC236}">
-                <a16:creationId xmlns:a16="http://schemas.microsoft.com/office/drawing/2014/main" id="{98D9D239-887C-49FA-A821-A61A859CC476}"/>
-              </a:ext>
-            </a:extLst>
-          </p:cNvPr>
-          <p:cNvSpPr>
-            <a:spLocks noGrp="1"/>
-          </p:cNvSpPr>
-          <p:nvPr>
-            <p:ph type="title"/>
-          </p:nvPr>
-        </p:nvSpPr>
-        <p:spPr/>
-        <p:txBody>
-          <a:bodyPr/>
-          <a:lstStyle/>
-          <a:p>
-            <a:r>
-              <a:rPr lang="en-US" dirty="0"/>
-              <a:t>SQL Injection</a:t>
-            </a:r>
-            <a:endParaRPr lang="LID4096" dirty="0"/>
-          </a:p>
-        </p:txBody>
-      </p:sp>
-    </p:spTree>
-    <p:extLst>
-      <p:ext uri="{BB962C8B-B14F-4D97-AF65-F5344CB8AC3E}">
-        <p14:creationId xmlns:p14="http://schemas.microsoft.com/office/powerpoint/2010/main" val="1416033540"/>
-      </p:ext>
-    </p:extLst>
-  </p:cSld>
-  <p:clrMapOvr>
-    <a:masterClrMapping/>
-  </p:clrMapOvr>
-  <mc:AlternateContent xmlns:mc="http://schemas.openxmlformats.org/markup-compatibility/2006">
-    <mc:Choice xmlns:p14="http://schemas.microsoft.com/office/powerpoint/2010/main" Requires="p14">
-      <p:transition spd="med" p14:dur="700">
-        <p:fade/>
-      </p:transition>
-    </mc:Choice>
-    <mc:Fallback>
-      <p:transition spd="med">
-        <p:fade/>
-      </p:transition>
-    </mc:Fallback>
-  </mc:AlternateContent>
 </p:sld>
 </file>
 
@@ -21935,20 +22353,20 @@
 </file>
 
 <file path=customXml/item2.xml><?xml version="1.0" encoding="utf-8"?>
+<p:properties xmlns:p="http://schemas.microsoft.com/office/2006/metadata/properties" xmlns:xsi="http://www.w3.org/2001/XMLSchema-instance" xmlns:pc="http://schemas.microsoft.com/office/infopath/2007/PartnerControls">
+  <documentManagement>
+    <MediaServiceKeyPoints xmlns="965de625-df5b-42e9-a277-2113da4f1195" xsi:nil="true"/>
+  </documentManagement>
+</p:properties>
+</file>
+
+<file path=customXml/item3.xml><?xml version="1.0" encoding="utf-8"?>
 <?mso-contentType ?>
 <FormTemplates xmlns="http://schemas.microsoft.com/sharepoint/v3/contenttype/forms">
   <Display>DocumentLibraryForm</Display>
   <Edit>DocumentLibraryForm</Edit>
   <New>DocumentLibraryForm</New>
 </FormTemplates>
-</file>
-
-<file path=customXml/item3.xml><?xml version="1.0" encoding="utf-8"?>
-<p:properties xmlns:p="http://schemas.microsoft.com/office/2006/metadata/properties" xmlns:xsi="http://www.w3.org/2001/XMLSchema-instance" xmlns:pc="http://schemas.microsoft.com/office/infopath/2007/PartnerControls">
-  <documentManagement>
-    <MediaServiceKeyPoints xmlns="965de625-df5b-42e9-a277-2113da4f1195" xsi:nil="true"/>
-  </documentManagement>
-</p:properties>
 </file>
 
 <file path=customXml/itemProps1.xml><?xml version="1.0" encoding="utf-8"?>
@@ -21971,14 +22389,6 @@
 </file>
 
 <file path=customXml/itemProps2.xml><?xml version="1.0" encoding="utf-8"?>
-<ds:datastoreItem xmlns:ds="http://schemas.openxmlformats.org/officeDocument/2006/customXml" ds:itemID="{758FDAC0-319D-4A54-8D8E-1D42CB1F8004}">
-  <ds:schemaRefs>
-    <ds:schemaRef ds:uri="http://schemas.microsoft.com/sharepoint/v3/contenttype/forms"/>
-  </ds:schemaRefs>
-</ds:datastoreItem>
-</file>
-
-<file path=customXml/itemProps3.xml><?xml version="1.0" encoding="utf-8"?>
 <ds:datastoreItem xmlns:ds="http://schemas.openxmlformats.org/officeDocument/2006/customXml" ds:itemID="{F990F116-B58F-4255-B05B-DA3808E0E5C6}">
   <ds:schemaRefs>
     <ds:schemaRef ds:uri="http://schemas.microsoft.com/office/2006/documentManagement/types"/>
@@ -21993,4 +22403,12 @@
     <ds:schemaRef ds:uri="http://schemas.microsoft.com/office/2006/metadata/properties"/>
   </ds:schemaRefs>
 </ds:datastoreItem>
+</file>
+
+<file path=customXml/itemProps3.xml><?xml version="1.0" encoding="utf-8"?>
+<ds:datastoreItem xmlns:ds="http://schemas.openxmlformats.org/officeDocument/2006/customXml" ds:itemID="{758FDAC0-319D-4A54-8D8E-1D42CB1F8004}">
+  <ds:schemaRefs>
+    <ds:schemaRef ds:uri="http://schemas.microsoft.com/sharepoint/v3/contenttype/forms"/>
+  </ds:schemaRefs>
+</ds:datastoreItem>
 </file>
--- a/Slides/Lecture04 - Data Access and Entity Framework Core.pptx
+++ b/Slides/Lecture04 - Data Access and Entity Framework Core.pptx
@@ -6,32 +6,35 @@
     <p:sldMasterId id="2147484675" r:id="rId5"/>
   </p:sldMasterIdLst>
   <p:notesMasterIdLst>
-    <p:notesMasterId r:id="rId26"/>
+    <p:notesMasterId r:id="rId29"/>
   </p:notesMasterIdLst>
   <p:handoutMasterIdLst>
-    <p:handoutMasterId r:id="rId27"/>
+    <p:handoutMasterId r:id="rId30"/>
   </p:handoutMasterIdLst>
   <p:sldIdLst>
     <p:sldId id="1663" r:id="rId6"/>
     <p:sldId id="1664" r:id="rId7"/>
-    <p:sldId id="1707" r:id="rId8"/>
-    <p:sldId id="1715" r:id="rId9"/>
-    <p:sldId id="1716" r:id="rId10"/>
-    <p:sldId id="1698" r:id="rId11"/>
-    <p:sldId id="1708" r:id="rId12"/>
-    <p:sldId id="1714" r:id="rId13"/>
-    <p:sldId id="1720" r:id="rId14"/>
-    <p:sldId id="1687" r:id="rId15"/>
-    <p:sldId id="1710" r:id="rId16"/>
-    <p:sldId id="1709" r:id="rId17"/>
-    <p:sldId id="1705" r:id="rId18"/>
-    <p:sldId id="1711" r:id="rId19"/>
-    <p:sldId id="1718" r:id="rId20"/>
-    <p:sldId id="1719" r:id="rId21"/>
-    <p:sldId id="1712" r:id="rId22"/>
-    <p:sldId id="1713" r:id="rId23"/>
-    <p:sldId id="1721" r:id="rId24"/>
-    <p:sldId id="1722" r:id="rId25"/>
+    <p:sldId id="1698" r:id="rId8"/>
+    <p:sldId id="1724" r:id="rId9"/>
+    <p:sldId id="1725" r:id="rId10"/>
+    <p:sldId id="1708" r:id="rId11"/>
+    <p:sldId id="1714" r:id="rId12"/>
+    <p:sldId id="1726" r:id="rId13"/>
+    <p:sldId id="1723" r:id="rId14"/>
+    <p:sldId id="1715" r:id="rId15"/>
+    <p:sldId id="1716" r:id="rId16"/>
+    <p:sldId id="1720" r:id="rId17"/>
+    <p:sldId id="1687" r:id="rId18"/>
+    <p:sldId id="1710" r:id="rId19"/>
+    <p:sldId id="1709" r:id="rId20"/>
+    <p:sldId id="1705" r:id="rId21"/>
+    <p:sldId id="1711" r:id="rId22"/>
+    <p:sldId id="1718" r:id="rId23"/>
+    <p:sldId id="1719" r:id="rId24"/>
+    <p:sldId id="1712" r:id="rId25"/>
+    <p:sldId id="1713" r:id="rId26"/>
+    <p:sldId id="1721" r:id="rId27"/>
+    <p:sldId id="1722" r:id="rId28"/>
   </p:sldIdLst>
   <p:sldSz cx="12192000" cy="6858000"/>
   <p:notesSz cx="6858000" cy="9144000"/>
@@ -137,12 +140,15 @@
           <p14:sldIdLst>
             <p14:sldId id="1663"/>
             <p14:sldId id="1664"/>
-            <p14:sldId id="1707"/>
+            <p14:sldId id="1698"/>
+            <p14:sldId id="1724"/>
+            <p14:sldId id="1725"/>
+            <p14:sldId id="1708"/>
+            <p14:sldId id="1714"/>
+            <p14:sldId id="1726"/>
+            <p14:sldId id="1723"/>
             <p14:sldId id="1715"/>
             <p14:sldId id="1716"/>
-            <p14:sldId id="1698"/>
-            <p14:sldId id="1708"/>
-            <p14:sldId id="1714"/>
             <p14:sldId id="1720"/>
             <p14:sldId id="1687"/>
             <p14:sldId id="1710"/>
@@ -294,7 +300,7 @@
               <a:rPr lang="en-US" smtClean="0">
                 <a:latin typeface="Segoe UI" pitchFamily="34" charset="0"/>
               </a:rPr>
-              <a:t>9/14/2020 9:44 PM</a:t>
+              <a:t>9/15/2020 10:23 PM</a:t>
             </a:fld>
             <a:endParaRPr lang="en-US" dirty="0">
               <a:latin typeface="Segoe UI" pitchFamily="34" charset="0"/>
@@ -572,7 +578,7 @@
           <a:p>
             <a:fld id="{386CE63F-9E7F-4C04-9D0D-FCA25A8E9E86}" type="datetime8">
               <a:rPr lang="en-US" smtClean="0"/>
-              <a:t>9/14/2020 9:44 PM</a:t>
+              <a:t>9/15/2020 10:19 PM</a:t>
             </a:fld>
             <a:endParaRPr lang="en-US" dirty="0"/>
           </a:p>
@@ -939,7 +945,7 @@
           <a:p>
             <a:fld id="{321E5A7B-BB8D-4368-A182-109669521632}" type="datetime8">
               <a:rPr lang="en-US" smtClean="0"/>
-              <a:t>9/14/2020 9:44 PM</a:t>
+              <a:t>9/15/2020 10:19 PM</a:t>
             </a:fld>
             <a:endParaRPr lang="en-US" dirty="0"/>
           </a:p>
@@ -19538,7 +19544,7 @@
           <p:cNvPr id="2" name="Title 1">
             <a:extLst>
               <a:ext uri="{FF2B5EF4-FFF2-40B4-BE49-F238E27FC236}">
-                <a16:creationId xmlns:a16="http://schemas.microsoft.com/office/drawing/2014/main" id="{6C2C5201-B2FF-45F1-98D1-532F8F35377D}"/>
+                <a16:creationId xmlns:a16="http://schemas.microsoft.com/office/drawing/2014/main" id="{4627D7FF-3980-46AE-A554-9F788498D0EA}"/>
               </a:ext>
             </a:extLst>
           </p:cNvPr>
@@ -19556,7 +19562,7 @@
           <a:p>
             <a:r>
               <a:rPr lang="en-US" dirty="0"/>
-              <a:t>Old School SQL</a:t>
+              <a:t>Secrets</a:t>
             </a:r>
             <a:endParaRPr lang="LID4096" dirty="0"/>
           </a:p>
@@ -19564,10 +19570,10 @@
       </p:sp>
       <p:sp>
         <p:nvSpPr>
-          <p:cNvPr id="5" name="Text Placeholder 4">
+          <p:cNvPr id="4" name="Text Placeholder 3">
             <a:extLst>
               <a:ext uri="{FF2B5EF4-FFF2-40B4-BE49-F238E27FC236}">
-                <a16:creationId xmlns:a16="http://schemas.microsoft.com/office/drawing/2014/main" id="{1720E450-7EAD-4FC6-B503-4DBAC6C89E99}"/>
+                <a16:creationId xmlns:a16="http://schemas.microsoft.com/office/drawing/2014/main" id="{409C6D45-FA37-43DB-9E23-57643215A2A7}"/>
               </a:ext>
             </a:extLst>
           </p:cNvPr>
@@ -19581,7 +19587,7 @@
         <p:spPr>
           <a:xfrm>
             <a:off x="588263" y="1436688"/>
-            <a:ext cx="11018520" cy="430887"/>
+            <a:ext cx="11018520" cy="1046440"/>
           </a:xfrm>
         </p:spPr>
         <p:txBody>
@@ -19589,30 +19595,103 @@
           <a:lstStyle/>
           <a:p>
             <a:r>
-              <a:rPr lang="en-US" dirty="0">
-                <a:latin typeface="Cascadia Code PL" panose="020B0609020000020004" pitchFamily="49" charset="0"/>
-                <a:cs typeface="Cascadia Code PL" panose="020B0609020000020004" pitchFamily="49" charset="0"/>
+              <a:rPr lang="da-DK" sz="2000" b="0" dirty="0">
+                <a:solidFill>
+                  <a:srgbClr val="D4D4D4"/>
+                </a:solidFill>
+                <a:effectLst/>
+                <a:latin typeface=" Cascadia Code PL"/>
               </a:rPr>
-              <a:t>dotnet add package </a:t>
-            </a:r>
-            <a:r>
-              <a:rPr lang="en-US" dirty="0" err="1">
-                <a:latin typeface="Cascadia Code PL" panose="020B0609020000020004" pitchFamily="49" charset="0"/>
-                <a:cs typeface="Cascadia Code PL" panose="020B0609020000020004" pitchFamily="49" charset="0"/>
+              <a:t>dotnet user-secrets init</a:t>
+            </a:r>
+          </a:p>
+          <a:p>
+            <a:r>
+              <a:rPr lang="da-DK" sz="2000" b="0" dirty="0">
+                <a:solidFill>
+                  <a:srgbClr val="D4D4D4"/>
+                </a:solidFill>
+                <a:effectLst/>
+                <a:latin typeface=" Cascadia Code PL"/>
               </a:rPr>
-              <a:t>System.Data.SqlClient</a:t>
-            </a:r>
-            <a:endParaRPr lang="LID4096" dirty="0">
-              <a:latin typeface="Cascadia Code PL" panose="020B0609020000020004" pitchFamily="49" charset="0"/>
-              <a:cs typeface="Cascadia Code PL" panose="020B0609020000020004" pitchFamily="49" charset="0"/>
+              <a:t>dotnet user-secrets </a:t>
+            </a:r>
+            <a:r>
+              <a:rPr lang="da-DK" sz="2000" b="0" dirty="0">
+                <a:solidFill>
+                  <a:srgbClr val="DCDCAA"/>
+                </a:solidFill>
+                <a:effectLst/>
+                <a:latin typeface=" Cascadia Code PL"/>
+              </a:rPr>
+              <a:t>set</a:t>
+            </a:r>
+            <a:r>
+              <a:rPr lang="da-DK" sz="2000" b="0" dirty="0">
+                <a:solidFill>
+                  <a:srgbClr val="D4D4D4"/>
+                </a:solidFill>
+                <a:effectLst/>
+                <a:latin typeface=" Cascadia Code PL"/>
+              </a:rPr>
+              <a:t> </a:t>
+            </a:r>
+            <a:r>
+              <a:rPr lang="da-DK" sz="2000" b="0" dirty="0">
+                <a:solidFill>
+                  <a:srgbClr val="CE9178"/>
+                </a:solidFill>
+                <a:effectLst/>
+                <a:latin typeface=" Cascadia Code PL"/>
+              </a:rPr>
+              <a:t>"ConnectionStrings:ConnectionString"</a:t>
+            </a:r>
+            <a:r>
+              <a:rPr lang="da-DK" sz="2000" b="0" dirty="0">
+                <a:solidFill>
+                  <a:srgbClr val="D4D4D4"/>
+                </a:solidFill>
+                <a:effectLst/>
+                <a:latin typeface=" Cascadia Code PL"/>
+              </a:rPr>
+              <a:t> </a:t>
+            </a:r>
+            <a:r>
+              <a:rPr lang="da-DK" sz="2000" b="0" dirty="0">
+                <a:solidFill>
+                  <a:srgbClr val="CE9178"/>
+                </a:solidFill>
+                <a:effectLst/>
+                <a:latin typeface=" Cascadia Code PL"/>
+              </a:rPr>
+              <a:t>"..."</a:t>
+            </a:r>
+            <a:endParaRPr lang="da-DK" sz="2000" b="0" dirty="0">
+              <a:solidFill>
+                <a:srgbClr val="D4D4D4"/>
+              </a:solidFill>
+              <a:effectLst/>
+              <a:latin typeface=" Cascadia Code PL"/>
             </a:endParaRPr>
+          </a:p>
+          <a:p>
+            <a:r>
+              <a:rPr lang="da-DK" sz="2000" b="0" dirty="0">
+                <a:solidFill>
+                  <a:srgbClr val="D4D4D4"/>
+                </a:solidFill>
+                <a:effectLst/>
+                <a:latin typeface=" Cascadia Code PL"/>
+              </a:rPr>
+              <a:t>dotnet add package Microsoft.Extensions.Configuration.UserSecrets</a:t>
+            </a:r>
           </a:p>
         </p:txBody>
       </p:sp>
     </p:spTree>
     <p:extLst>
       <p:ext uri="{BB962C8B-B14F-4D97-AF65-F5344CB8AC3E}">
-        <p14:creationId xmlns:p14="http://schemas.microsoft.com/office/powerpoint/2010/main" val="1157775991"/>
+        <p14:creationId xmlns:p14="http://schemas.microsoft.com/office/powerpoint/2010/main" val="2242407299"/>
       </p:ext>
     </p:extLst>
   </p:cSld>
@@ -19626,6 +19705,462 @@
 </file>
 
 <file path=ppt/slides/slide11.xml><?xml version="1.0" encoding="utf-8"?>
+<p:sld xmlns:a="http://schemas.openxmlformats.org/drawingml/2006/main" xmlns:r="http://schemas.openxmlformats.org/officeDocument/2006/relationships" xmlns:p="http://schemas.openxmlformats.org/presentationml/2006/main">
+  <p:cSld>
+    <p:spTree>
+      <p:nvGrpSpPr>
+        <p:cNvPr id="1" name=""/>
+        <p:cNvGrpSpPr/>
+        <p:nvPr/>
+      </p:nvGrpSpPr>
+      <p:grpSpPr>
+        <a:xfrm>
+          <a:off x="0" y="0"/>
+          <a:ext cx="0" cy="0"/>
+          <a:chOff x="0" y="0"/>
+          <a:chExt cx="0" cy="0"/>
+        </a:xfrm>
+      </p:grpSpPr>
+      <p:sp>
+        <p:nvSpPr>
+          <p:cNvPr id="2" name="Title 1">
+            <a:extLst>
+              <a:ext uri="{FF2B5EF4-FFF2-40B4-BE49-F238E27FC236}">
+                <a16:creationId xmlns:a16="http://schemas.microsoft.com/office/drawing/2014/main" id="{4627D7FF-3980-46AE-A554-9F788498D0EA}"/>
+              </a:ext>
+            </a:extLst>
+          </p:cNvPr>
+          <p:cNvSpPr>
+            <a:spLocks noGrp="1"/>
+          </p:cNvSpPr>
+          <p:nvPr>
+            <p:ph type="title"/>
+          </p:nvPr>
+        </p:nvSpPr>
+        <p:spPr/>
+        <p:txBody>
+          <a:bodyPr/>
+          <a:lstStyle/>
+          <a:p>
+            <a:r>
+              <a:rPr lang="en-US" dirty="0"/>
+              <a:t>Secrets</a:t>
+            </a:r>
+            <a:endParaRPr lang="LID4096" dirty="0"/>
+          </a:p>
+        </p:txBody>
+      </p:sp>
+      <p:sp>
+        <p:nvSpPr>
+          <p:cNvPr id="4" name="Text Placeholder 3">
+            <a:extLst>
+              <a:ext uri="{FF2B5EF4-FFF2-40B4-BE49-F238E27FC236}">
+                <a16:creationId xmlns:a16="http://schemas.microsoft.com/office/drawing/2014/main" id="{409C6D45-FA37-43DB-9E23-57643215A2A7}"/>
+              </a:ext>
+            </a:extLst>
+          </p:cNvPr>
+          <p:cNvSpPr>
+            <a:spLocks noGrp="1"/>
+          </p:cNvSpPr>
+          <p:nvPr>
+            <p:ph type="body" sz="quarter" idx="10"/>
+          </p:nvPr>
+        </p:nvSpPr>
+        <p:spPr>
+          <a:xfrm>
+            <a:off x="588263" y="1436688"/>
+            <a:ext cx="11018520" cy="2880789"/>
+          </a:xfrm>
+        </p:spPr>
+        <p:txBody>
+          <a:bodyPr/>
+          <a:lstStyle/>
+          <a:p>
+            <a:r>
+              <a:rPr lang="da-DK" sz="1800" b="0" dirty="0">
+                <a:solidFill>
+                  <a:srgbClr val="569CD6"/>
+                </a:solidFill>
+                <a:effectLst/>
+                <a:latin typeface=" Cascadia Code PL"/>
+              </a:rPr>
+              <a:t>using</a:t>
+            </a:r>
+            <a:r>
+              <a:rPr lang="da-DK" sz="1800" b="0" dirty="0">
+                <a:solidFill>
+                  <a:srgbClr val="D4D4D4"/>
+                </a:solidFill>
+                <a:effectLst/>
+                <a:latin typeface=" Cascadia Code PL"/>
+              </a:rPr>
+              <a:t> Microsoft.Extensions.Configuration;</a:t>
+            </a:r>
+          </a:p>
+          <a:p>
+            <a:endParaRPr lang="da-DK" sz="1800" dirty="0">
+              <a:solidFill>
+                <a:srgbClr val="D4D4D4"/>
+              </a:solidFill>
+              <a:latin typeface=" Cascadia Code PL"/>
+            </a:endParaRPr>
+          </a:p>
+          <a:p>
+            <a:r>
+              <a:rPr lang="da-DK" sz="1800" b="0" dirty="0">
+                <a:solidFill>
+                  <a:srgbClr val="D4D4D4"/>
+                </a:solidFill>
+                <a:effectLst/>
+                <a:latin typeface=" Cascadia Code PL"/>
+              </a:rPr>
+              <a:t>...</a:t>
+            </a:r>
+          </a:p>
+          <a:p>
+            <a:endParaRPr lang="da-DK" sz="1800" dirty="0">
+              <a:solidFill>
+                <a:srgbClr val="D4D4D4"/>
+              </a:solidFill>
+              <a:latin typeface=" Cascadia Code PL"/>
+            </a:endParaRPr>
+          </a:p>
+          <a:p>
+            <a:r>
+              <a:rPr lang="en-US" sz="1800" b="0" dirty="0">
+                <a:solidFill>
+                  <a:srgbClr val="569CD6"/>
+                </a:solidFill>
+                <a:effectLst/>
+                <a:latin typeface=" Cascadia Code PL"/>
+              </a:rPr>
+              <a:t>var</a:t>
+            </a:r>
+            <a:r>
+              <a:rPr lang="en-US" sz="1800" b="0" dirty="0">
+                <a:solidFill>
+                  <a:srgbClr val="D4D4D4"/>
+                </a:solidFill>
+                <a:effectLst/>
+                <a:latin typeface=" Cascadia Code PL"/>
+              </a:rPr>
+              <a:t> </a:t>
+            </a:r>
+            <a:r>
+              <a:rPr lang="en-US" sz="1800" b="0" dirty="0">
+                <a:solidFill>
+                  <a:srgbClr val="9CDCFE"/>
+                </a:solidFill>
+                <a:effectLst/>
+                <a:latin typeface=" Cascadia Code PL"/>
+              </a:rPr>
+              <a:t>configuration</a:t>
+            </a:r>
+            <a:r>
+              <a:rPr lang="en-US" sz="1800" b="0" dirty="0">
+                <a:solidFill>
+                  <a:srgbClr val="D4D4D4"/>
+                </a:solidFill>
+                <a:effectLst/>
+                <a:latin typeface=" Cascadia Code PL"/>
+              </a:rPr>
+              <a:t> = </a:t>
+            </a:r>
+            <a:r>
+              <a:rPr lang="en-US" sz="1800" b="0" dirty="0">
+                <a:solidFill>
+                  <a:srgbClr val="569CD6"/>
+                </a:solidFill>
+                <a:effectLst/>
+                <a:latin typeface=" Cascadia Code PL"/>
+              </a:rPr>
+              <a:t>new</a:t>
+            </a:r>
+            <a:r>
+              <a:rPr lang="en-US" sz="1800" b="0" dirty="0">
+                <a:solidFill>
+                  <a:srgbClr val="D4D4D4"/>
+                </a:solidFill>
+                <a:effectLst/>
+                <a:latin typeface=" Cascadia Code PL"/>
+              </a:rPr>
+              <a:t> </a:t>
+            </a:r>
+            <a:r>
+              <a:rPr lang="en-US" sz="1800" b="0" dirty="0" err="1">
+                <a:solidFill>
+                  <a:srgbClr val="4EC9B0"/>
+                </a:solidFill>
+                <a:effectLst/>
+                <a:latin typeface=" Cascadia Code PL"/>
+              </a:rPr>
+              <a:t>ConfigurationBuilder</a:t>
+            </a:r>
+            <a:r>
+              <a:rPr lang="en-US" sz="1800" b="0" dirty="0">
+                <a:solidFill>
+                  <a:srgbClr val="D4D4D4"/>
+                </a:solidFill>
+                <a:effectLst/>
+                <a:latin typeface=" Cascadia Code PL"/>
+              </a:rPr>
+              <a:t>()</a:t>
+            </a:r>
+          </a:p>
+          <a:p>
+            <a:r>
+              <a:rPr lang="en-US" sz="1800" b="0" dirty="0">
+                <a:solidFill>
+                  <a:srgbClr val="D4D4D4"/>
+                </a:solidFill>
+                <a:effectLst/>
+                <a:latin typeface=" Cascadia Code PL"/>
+              </a:rPr>
+              <a:t>    .</a:t>
+            </a:r>
+            <a:r>
+              <a:rPr lang="en-US" sz="1800" b="0" dirty="0" err="1">
+                <a:solidFill>
+                  <a:srgbClr val="DCDCAA"/>
+                </a:solidFill>
+                <a:effectLst/>
+                <a:latin typeface=" Cascadia Code PL"/>
+              </a:rPr>
+              <a:t>AddUserSecrets</a:t>
+            </a:r>
+            <a:r>
+              <a:rPr lang="en-US" sz="1800" b="0" dirty="0">
+                <a:solidFill>
+                  <a:srgbClr val="D4D4D4"/>
+                </a:solidFill>
+                <a:effectLst/>
+                <a:latin typeface=" Cascadia Code PL"/>
+              </a:rPr>
+              <a:t>(</a:t>
+            </a:r>
+            <a:r>
+              <a:rPr lang="en-US" sz="1800" b="0" dirty="0" err="1">
+                <a:solidFill>
+                  <a:srgbClr val="569CD6"/>
+                </a:solidFill>
+                <a:effectLst/>
+                <a:latin typeface=" Cascadia Code PL"/>
+              </a:rPr>
+              <a:t>typeof</a:t>
+            </a:r>
+            <a:r>
+              <a:rPr lang="en-US" sz="1800" b="0" dirty="0">
+                <a:solidFill>
+                  <a:srgbClr val="D4D4D4"/>
+                </a:solidFill>
+                <a:effectLst/>
+                <a:latin typeface=" Cascadia Code PL"/>
+              </a:rPr>
+              <a:t>(</a:t>
+            </a:r>
+            <a:r>
+              <a:rPr lang="en-US" sz="1800" b="0" dirty="0">
+                <a:solidFill>
+                  <a:srgbClr val="4EC9B0"/>
+                </a:solidFill>
+                <a:effectLst/>
+                <a:latin typeface=" Cascadia Code PL"/>
+              </a:rPr>
+              <a:t>Program</a:t>
+            </a:r>
+            <a:r>
+              <a:rPr lang="en-US" sz="1800" b="0" dirty="0">
+                <a:solidFill>
+                  <a:srgbClr val="D4D4D4"/>
+                </a:solidFill>
+                <a:effectLst/>
+                <a:latin typeface=" Cascadia Code PL"/>
+              </a:rPr>
+              <a:t>).Assembly)</a:t>
+            </a:r>
+          </a:p>
+          <a:p>
+            <a:r>
+              <a:rPr lang="en-US" sz="1800" b="0" dirty="0">
+                <a:solidFill>
+                  <a:srgbClr val="D4D4D4"/>
+                </a:solidFill>
+                <a:effectLst/>
+                <a:latin typeface=" Cascadia Code PL"/>
+              </a:rPr>
+              <a:t>    .</a:t>
+            </a:r>
+            <a:r>
+              <a:rPr lang="en-US" sz="1800" b="0" dirty="0">
+                <a:solidFill>
+                  <a:srgbClr val="DCDCAA"/>
+                </a:solidFill>
+                <a:effectLst/>
+                <a:latin typeface=" Cascadia Code PL"/>
+              </a:rPr>
+              <a:t>Build</a:t>
+            </a:r>
+            <a:r>
+              <a:rPr lang="en-US" sz="1800" b="0" dirty="0">
+                <a:solidFill>
+                  <a:srgbClr val="D4D4D4"/>
+                </a:solidFill>
+                <a:effectLst/>
+                <a:latin typeface=" Cascadia Code PL"/>
+              </a:rPr>
+              <a:t>();</a:t>
+            </a:r>
+          </a:p>
+          <a:p>
+            <a:br>
+              <a:rPr lang="en-US" sz="1800" b="0" dirty="0">
+                <a:solidFill>
+                  <a:srgbClr val="D4D4D4"/>
+                </a:solidFill>
+                <a:effectLst/>
+                <a:latin typeface=" Cascadia Code PL"/>
+              </a:rPr>
+            </a:br>
+            <a:r>
+              <a:rPr lang="en-US" sz="1800" b="0" dirty="0">
+                <a:solidFill>
+                  <a:srgbClr val="569CD6"/>
+                </a:solidFill>
+                <a:effectLst/>
+                <a:latin typeface=" Cascadia Code PL"/>
+              </a:rPr>
+              <a:t>var</a:t>
+            </a:r>
+            <a:r>
+              <a:rPr lang="en-US" sz="1800" b="0" dirty="0">
+                <a:solidFill>
+                  <a:srgbClr val="D4D4D4"/>
+                </a:solidFill>
+                <a:effectLst/>
+                <a:latin typeface=" Cascadia Code PL"/>
+              </a:rPr>
+              <a:t> </a:t>
+            </a:r>
+            <a:r>
+              <a:rPr lang="en-US" sz="1800" b="0" dirty="0" err="1">
+                <a:solidFill>
+                  <a:srgbClr val="9CDCFE"/>
+                </a:solidFill>
+                <a:effectLst/>
+                <a:latin typeface=" Cascadia Code PL"/>
+              </a:rPr>
+              <a:t>connectionString</a:t>
+            </a:r>
+            <a:r>
+              <a:rPr lang="en-US" sz="1800" b="0" dirty="0">
+                <a:solidFill>
+                  <a:srgbClr val="D4D4D4"/>
+                </a:solidFill>
+                <a:effectLst/>
+                <a:latin typeface=" Cascadia Code PL"/>
+              </a:rPr>
+              <a:t> = </a:t>
+            </a:r>
+            <a:r>
+              <a:rPr lang="en-US" sz="1800" b="0" dirty="0" err="1">
+                <a:solidFill>
+                  <a:srgbClr val="9CDCFE"/>
+                </a:solidFill>
+                <a:effectLst/>
+                <a:latin typeface=" Cascadia Code PL"/>
+              </a:rPr>
+              <a:t>configuration</a:t>
+            </a:r>
+            <a:r>
+              <a:rPr lang="en-US" sz="1800" b="0" dirty="0" err="1">
+                <a:solidFill>
+                  <a:srgbClr val="D4D4D4"/>
+                </a:solidFill>
+                <a:effectLst/>
+                <a:latin typeface=" Cascadia Code PL"/>
+              </a:rPr>
+              <a:t>.</a:t>
+            </a:r>
+            <a:r>
+              <a:rPr lang="en-US" sz="1800" b="0" dirty="0" err="1">
+                <a:solidFill>
+                  <a:srgbClr val="DCDCAA"/>
+                </a:solidFill>
+                <a:effectLst/>
+                <a:latin typeface=" Cascadia Code PL"/>
+              </a:rPr>
+              <a:t>GetConnectionString</a:t>
+            </a:r>
+            <a:r>
+              <a:rPr lang="en-US" sz="1800" b="0" dirty="0">
+                <a:solidFill>
+                  <a:srgbClr val="D4D4D4"/>
+                </a:solidFill>
+                <a:effectLst/>
+                <a:latin typeface=" Cascadia Code PL"/>
+              </a:rPr>
+              <a:t>(</a:t>
+            </a:r>
+            <a:r>
+              <a:rPr lang="en-US" sz="1800" b="0" dirty="0">
+                <a:solidFill>
+                  <a:srgbClr val="CE9178"/>
+                </a:solidFill>
+                <a:effectLst/>
+                <a:latin typeface=" Cascadia Code PL"/>
+              </a:rPr>
+              <a:t>"</a:t>
+            </a:r>
+            <a:r>
+              <a:rPr lang="en-US" sz="1800" b="0" dirty="0" err="1">
+                <a:solidFill>
+                  <a:srgbClr val="CE9178"/>
+                </a:solidFill>
+                <a:effectLst/>
+                <a:latin typeface=" Cascadia Code PL"/>
+              </a:rPr>
+              <a:t>ConnectionString</a:t>
+            </a:r>
+            <a:r>
+              <a:rPr lang="en-US" sz="1800" b="0" dirty="0">
+                <a:solidFill>
+                  <a:srgbClr val="CE9178"/>
+                </a:solidFill>
+                <a:effectLst/>
+                <a:latin typeface=" Cascadia Code PL"/>
+              </a:rPr>
+              <a:t>"</a:t>
+            </a:r>
+            <a:r>
+              <a:rPr lang="en-US" sz="1800" b="0" dirty="0">
+                <a:solidFill>
+                  <a:srgbClr val="D4D4D4"/>
+                </a:solidFill>
+                <a:effectLst/>
+                <a:latin typeface=" Cascadia Code PL"/>
+              </a:rPr>
+              <a:t>);</a:t>
+            </a:r>
+          </a:p>
+        </p:txBody>
+      </p:sp>
+    </p:spTree>
+    <p:extLst>
+      <p:ext uri="{BB962C8B-B14F-4D97-AF65-F5344CB8AC3E}">
+        <p14:creationId xmlns:p14="http://schemas.microsoft.com/office/powerpoint/2010/main" val="1873489149"/>
+      </p:ext>
+    </p:extLst>
+  </p:cSld>
+  <p:clrMapOvr>
+    <a:masterClrMapping/>
+  </p:clrMapOvr>
+  <p:transition>
+    <p:fade/>
+  </p:transition>
+</p:sld>
+</file>
+
+<file path=ppt/slides/slide12.xml><?xml version="1.0" encoding="utf-8"?>
 <p:sld xmlns:a="http://schemas.openxmlformats.org/drawingml/2006/main" xmlns:r="http://schemas.openxmlformats.org/officeDocument/2006/relationships" xmlns:p="http://schemas.openxmlformats.org/presentationml/2006/main">
   <p:cSld>
     <p:spTree>
@@ -19665,7 +20200,7 @@
           <a:p>
             <a:r>
               <a:rPr lang="en-US" dirty="0"/>
-              <a:t>SQL Injection</a:t>
+              <a:t>Old School SQL</a:t>
             </a:r>
             <a:endParaRPr lang="LID4096" dirty="0"/>
           </a:p>
@@ -19674,7 +20209,7 @@
     </p:spTree>
     <p:extLst>
       <p:ext uri="{BB962C8B-B14F-4D97-AF65-F5344CB8AC3E}">
-        <p14:creationId xmlns:p14="http://schemas.microsoft.com/office/powerpoint/2010/main" val="1416033540"/>
+        <p14:creationId xmlns:p14="http://schemas.microsoft.com/office/powerpoint/2010/main" val="290550452"/>
       </p:ext>
     </p:extLst>
   </p:cSld>
@@ -19696,7 +20231,7 @@
 </p:sld>
 </file>
 
-<file path=ppt/slides/slide12.xml><?xml version="1.0" encoding="utf-8"?>
+<file path=ppt/slides/slide13.xml><?xml version="1.0" encoding="utf-8"?>
 <p:sld xmlns:a="http://schemas.openxmlformats.org/drawingml/2006/main" xmlns:r="http://schemas.openxmlformats.org/officeDocument/2006/relationships" xmlns:p="http://schemas.openxmlformats.org/presentationml/2006/main">
   <p:cSld>
     <p:spTree>
@@ -19715,10 +20250,10 @@
       </p:grpSpPr>
       <p:sp>
         <p:nvSpPr>
-          <p:cNvPr id="4" name="Title 3">
+          <p:cNvPr id="2" name="Title 1">
             <a:extLst>
               <a:ext uri="{FF2B5EF4-FFF2-40B4-BE49-F238E27FC236}">
-                <a16:creationId xmlns:a16="http://schemas.microsoft.com/office/drawing/2014/main" id="{E007555C-63EC-4499-ACD6-029F27D57806}"/>
+                <a16:creationId xmlns:a16="http://schemas.microsoft.com/office/drawing/2014/main" id="{6C2C5201-B2FF-45F1-98D1-532F8F35377D}"/>
               </a:ext>
             </a:extLst>
           </p:cNvPr>
@@ -19736,7 +20271,7 @@
           <a:p>
             <a:r>
               <a:rPr lang="en-US" dirty="0"/>
-              <a:t>SQL Injection</a:t>
+              <a:t>Old School SQL</a:t>
             </a:r>
             <a:endParaRPr lang="LID4096" dirty="0"/>
           </a:p>
@@ -19744,10 +20279,10 @@
       </p:sp>
       <p:sp>
         <p:nvSpPr>
-          <p:cNvPr id="3" name="Text Placeholder 2">
+          <p:cNvPr id="5" name="Text Placeholder 4">
             <a:extLst>
               <a:ext uri="{FF2B5EF4-FFF2-40B4-BE49-F238E27FC236}">
-                <a16:creationId xmlns:a16="http://schemas.microsoft.com/office/drawing/2014/main" id="{5F96F862-373B-4647-AAC7-A8F7EBA1DC92}"/>
+                <a16:creationId xmlns:a16="http://schemas.microsoft.com/office/drawing/2014/main" id="{1720E450-7EAD-4FC6-B503-4DBAC6C89E99}"/>
               </a:ext>
             </a:extLst>
           </p:cNvPr>
@@ -19760,8 +20295,8 @@
         </p:nvSpPr>
         <p:spPr>
           <a:xfrm>
-            <a:off x="586390" y="1434370"/>
-            <a:ext cx="11018520" cy="4912114"/>
+            <a:off x="588263" y="1436688"/>
+            <a:ext cx="11018520" cy="430887"/>
           </a:xfrm>
         </p:spPr>
         <p:txBody>
@@ -19769,115 +20304,30 @@
           <a:lstStyle/>
           <a:p>
             <a:r>
-              <a:rPr lang="en-US" dirty="0"/>
-              <a:t>A </a:t>
-            </a:r>
-            <a:r>
-              <a:rPr lang="en-US" b="1" dirty="0"/>
-              <a:t>SQL injection </a:t>
-            </a:r>
-            <a:r>
-              <a:rPr lang="en-US" dirty="0"/>
-              <a:t>attack consists of insertion or “injection” of a SQL query via the input data from the client to the application. </a:t>
-            </a:r>
-          </a:p>
-          <a:p>
-            <a:endParaRPr lang="en-US" dirty="0"/>
-          </a:p>
-          <a:p>
-            <a:r>
-              <a:rPr lang="en-US" dirty="0"/>
-              <a:t>A successful SQL injection exploit can:</a:t>
-            </a:r>
-          </a:p>
-          <a:p>
-            <a:endParaRPr lang="en-US" dirty="0"/>
-          </a:p>
-          <a:p>
-            <a:pPr marL="457200" indent="-457200">
-              <a:buFont typeface="Arial" panose="020B0604020202020204" pitchFamily="34" charset="0"/>
-              <a:buChar char="•"/>
-            </a:pPr>
-            <a:r>
-              <a:rPr lang="en-US" dirty="0"/>
-              <a:t>read sensitive data from the database, </a:t>
-            </a:r>
-          </a:p>
-          <a:p>
-            <a:pPr marL="457200" indent="-457200">
-              <a:buFont typeface="Arial" panose="020B0604020202020204" pitchFamily="34" charset="0"/>
-              <a:buChar char="•"/>
-            </a:pPr>
-            <a:r>
-              <a:rPr lang="en-US" dirty="0"/>
-              <a:t>modify database data (Insert/Update/Delete), </a:t>
-            </a:r>
-          </a:p>
-          <a:p>
-            <a:pPr marL="457200" indent="-457200">
-              <a:buFont typeface="Arial" panose="020B0604020202020204" pitchFamily="34" charset="0"/>
-              <a:buChar char="•"/>
-            </a:pPr>
-            <a:r>
-              <a:rPr lang="en-US" dirty="0"/>
-              <a:t>execute administration operations on the database (such as shutdown the DBMS), </a:t>
-            </a:r>
-          </a:p>
-          <a:p>
-            <a:pPr marL="457200" indent="-457200">
-              <a:buFont typeface="Arial" panose="020B0604020202020204" pitchFamily="34" charset="0"/>
-              <a:buChar char="•"/>
-            </a:pPr>
-            <a:r>
-              <a:rPr lang="en-US" dirty="0"/>
-              <a:t>or worse</a:t>
-            </a:r>
-          </a:p>
-        </p:txBody>
-      </p:sp>
-      <p:sp>
-        <p:nvSpPr>
-          <p:cNvPr id="7" name="TextBox 6">
-            <a:extLst>
-              <a:ext uri="{FF2B5EF4-FFF2-40B4-BE49-F238E27FC236}">
-                <a16:creationId xmlns:a16="http://schemas.microsoft.com/office/drawing/2014/main" id="{2D4F1ECE-E2BD-4D4B-9BE7-178AEA1C5B0E}"/>
-              </a:ext>
-            </a:extLst>
-          </p:cNvPr>
-          <p:cNvSpPr txBox="1"/>
-          <p:nvPr/>
-        </p:nvSpPr>
-        <p:spPr>
-          <a:xfrm>
-            <a:off x="5340350" y="6346484"/>
-            <a:ext cx="6738620" cy="363946"/>
-          </a:xfrm>
-          <a:prstGeom prst="rect">
-            <a:avLst/>
-          </a:prstGeom>
-          <a:noFill/>
-        </p:spPr>
-        <p:txBody>
-          <a:bodyPr wrap="square">
-            <a:spAutoFit/>
-          </a:bodyPr>
-          <a:lstStyle/>
-          <a:p>
-            <a:pPr algn="r"/>
-            <a:r>
-              <a:rPr lang="da-DK" dirty="0">
-                <a:hlinkClick r:id="rId2"/>
+              <a:rPr lang="en-US" dirty="0">
+                <a:latin typeface="Cascadia Code PL" panose="020B0609020000020004" pitchFamily="49" charset="0"/>
+                <a:cs typeface="Cascadia Code PL" panose="020B0609020000020004" pitchFamily="49" charset="0"/>
               </a:rPr>
-              <a:t>https://owasp.org/www-community/attacks/SQL_Injection</a:t>
-            </a:r>
-            <a:endParaRPr lang="LID4096" dirty="0"/>
+              <a:t>dotnet add package </a:t>
+            </a:r>
+            <a:r>
+              <a:rPr lang="en-US" dirty="0" err="1">
+                <a:latin typeface="Cascadia Code PL" panose="020B0609020000020004" pitchFamily="49" charset="0"/>
+                <a:cs typeface="Cascadia Code PL" panose="020B0609020000020004" pitchFamily="49" charset="0"/>
+              </a:rPr>
+              <a:t>System.Data.SqlClient</a:t>
+            </a:r>
+            <a:endParaRPr lang="LID4096" dirty="0">
+              <a:latin typeface="Cascadia Code PL" panose="020B0609020000020004" pitchFamily="49" charset="0"/>
+              <a:cs typeface="Cascadia Code PL" panose="020B0609020000020004" pitchFamily="49" charset="0"/>
+            </a:endParaRPr>
           </a:p>
         </p:txBody>
       </p:sp>
     </p:spTree>
     <p:extLst>
       <p:ext uri="{BB962C8B-B14F-4D97-AF65-F5344CB8AC3E}">
-        <p14:creationId xmlns:p14="http://schemas.microsoft.com/office/powerpoint/2010/main" val="2404062107"/>
+        <p14:creationId xmlns:p14="http://schemas.microsoft.com/office/powerpoint/2010/main" val="1157775991"/>
       </p:ext>
     </p:extLst>
   </p:cSld>
@@ -19890,7 +20340,7 @@
 </p:sld>
 </file>
 
-<file path=ppt/slides/slide13.xml><?xml version="1.0" encoding="utf-8"?>
+<file path=ppt/slides/slide14.xml><?xml version="1.0" encoding="utf-8"?>
 <p:sld xmlns:a="http://schemas.openxmlformats.org/drawingml/2006/main" xmlns:r="http://schemas.openxmlformats.org/officeDocument/2006/relationships" xmlns:p="http://schemas.openxmlformats.org/presentationml/2006/main">
   <p:cSld>
     <p:spTree>
@@ -19929,8 +20379,8 @@
           <a:lstStyle/>
           <a:p>
             <a:r>
-              <a:rPr lang="en-US" dirty="0" err="1"/>
-              <a:t>IDisposable</a:t>
+              <a:rPr lang="en-US" dirty="0"/>
+              <a:t>SQL Injection</a:t>
             </a:r>
             <a:endParaRPr lang="LID4096" dirty="0"/>
           </a:p>
@@ -19939,7 +20389,7 @@
     </p:spTree>
     <p:extLst>
       <p:ext uri="{BB962C8B-B14F-4D97-AF65-F5344CB8AC3E}">
-        <p14:creationId xmlns:p14="http://schemas.microsoft.com/office/powerpoint/2010/main" val="979134311"/>
+        <p14:creationId xmlns:p14="http://schemas.microsoft.com/office/powerpoint/2010/main" val="1416033540"/>
       </p:ext>
     </p:extLst>
   </p:cSld>
@@ -19958,245 +20408,6 @@
       </p:transition>
     </mc:Fallback>
   </mc:AlternateContent>
-</p:sld>
-</file>
-
-<file path=ppt/slides/slide14.xml><?xml version="1.0" encoding="utf-8"?>
-<p:sld xmlns:a="http://schemas.openxmlformats.org/drawingml/2006/main" xmlns:r="http://schemas.openxmlformats.org/officeDocument/2006/relationships" xmlns:p="http://schemas.openxmlformats.org/presentationml/2006/main">
-  <p:cSld>
-    <p:spTree>
-      <p:nvGrpSpPr>
-        <p:cNvPr id="1" name=""/>
-        <p:cNvGrpSpPr/>
-        <p:nvPr/>
-      </p:nvGrpSpPr>
-      <p:grpSpPr>
-        <a:xfrm>
-          <a:off x="0" y="0"/>
-          <a:ext cx="0" cy="0"/>
-          <a:chOff x="0" y="0"/>
-          <a:chExt cx="0" cy="0"/>
-        </a:xfrm>
-      </p:grpSpPr>
-      <p:sp>
-        <p:nvSpPr>
-          <p:cNvPr id="4" name="Title 3">
-            <a:extLst>
-              <a:ext uri="{FF2B5EF4-FFF2-40B4-BE49-F238E27FC236}">
-                <a16:creationId xmlns:a16="http://schemas.microsoft.com/office/drawing/2014/main" id="{E007555C-63EC-4499-ACD6-029F27D57806}"/>
-              </a:ext>
-            </a:extLst>
-          </p:cNvPr>
-          <p:cNvSpPr>
-            <a:spLocks noGrp="1"/>
-          </p:cNvSpPr>
-          <p:nvPr>
-            <p:ph type="title"/>
-          </p:nvPr>
-        </p:nvSpPr>
-        <p:spPr/>
-        <p:txBody>
-          <a:bodyPr/>
-          <a:lstStyle/>
-          <a:p>
-            <a:r>
-              <a:rPr lang="en-US" dirty="0" err="1"/>
-              <a:t>IDisposable</a:t>
-            </a:r>
-            <a:endParaRPr lang="LID4096" dirty="0"/>
-          </a:p>
-        </p:txBody>
-      </p:sp>
-      <p:sp>
-        <p:nvSpPr>
-          <p:cNvPr id="2" name="Text Placeholder 1">
-            <a:extLst>
-              <a:ext uri="{FF2B5EF4-FFF2-40B4-BE49-F238E27FC236}">
-                <a16:creationId xmlns:a16="http://schemas.microsoft.com/office/drawing/2014/main" id="{91355690-24FE-477C-BB4D-FF267A5E7162}"/>
-              </a:ext>
-            </a:extLst>
-          </p:cNvPr>
-          <p:cNvSpPr>
-            <a:spLocks noGrp="1"/>
-          </p:cNvSpPr>
-          <p:nvPr>
-            <p:ph type="body" sz="quarter" idx="10"/>
-          </p:nvPr>
-        </p:nvSpPr>
-        <p:spPr>
-          <a:xfrm>
-            <a:off x="586390" y="1434370"/>
-            <a:ext cx="11018520" cy="4050340"/>
-          </a:xfrm>
-        </p:spPr>
-        <p:txBody>
-          <a:bodyPr/>
-          <a:lstStyle/>
-          <a:p>
-            <a:r>
-              <a:rPr lang="da-DK" sz="2800" b="0" dirty="0">
-                <a:solidFill>
-                  <a:srgbClr val="C586C0"/>
-                </a:solidFill>
-                <a:effectLst/>
-                <a:latin typeface=" Cascadia Code PL"/>
-              </a:rPr>
-              <a:t>try</a:t>
-            </a:r>
-            <a:endParaRPr lang="da-DK" sz="2800" b="0" dirty="0">
-              <a:solidFill>
-                <a:srgbClr val="D4D4D4"/>
-              </a:solidFill>
-              <a:effectLst/>
-              <a:latin typeface=" Cascadia Code PL"/>
-            </a:endParaRPr>
-          </a:p>
-          <a:p>
-            <a:r>
-              <a:rPr lang="da-DK" sz="2800" b="0" dirty="0">
-                <a:solidFill>
-                  <a:srgbClr val="D4D4D4"/>
-                </a:solidFill>
-                <a:effectLst/>
-                <a:latin typeface=" Cascadia Code PL"/>
-              </a:rPr>
-              <a:t>{</a:t>
-            </a:r>
-          </a:p>
-          <a:p>
-            <a:r>
-              <a:rPr lang="da-DK" sz="2800" b="0" dirty="0">
-                <a:solidFill>
-                  <a:srgbClr val="D4D4D4"/>
-                </a:solidFill>
-                <a:effectLst/>
-                <a:latin typeface=" Cascadia Code PL"/>
-              </a:rPr>
-              <a:t>    ...</a:t>
-            </a:r>
-          </a:p>
-          <a:p>
-            <a:r>
-              <a:rPr lang="da-DK" sz="2800" b="0" dirty="0">
-                <a:solidFill>
-                  <a:srgbClr val="D4D4D4"/>
-                </a:solidFill>
-                <a:effectLst/>
-                <a:latin typeface=" Cascadia Code PL"/>
-              </a:rPr>
-              <a:t>}</a:t>
-            </a:r>
-          </a:p>
-          <a:p>
-            <a:r>
-              <a:rPr lang="da-DK" sz="2800" b="0" dirty="0">
-                <a:solidFill>
-                  <a:srgbClr val="C586C0"/>
-                </a:solidFill>
-                <a:effectLst/>
-                <a:latin typeface=" Cascadia Code PL"/>
-              </a:rPr>
-              <a:t>finally</a:t>
-            </a:r>
-            <a:endParaRPr lang="da-DK" sz="2800" b="0" dirty="0">
-              <a:solidFill>
-                <a:srgbClr val="D4D4D4"/>
-              </a:solidFill>
-              <a:effectLst/>
-              <a:latin typeface=" Cascadia Code PL"/>
-            </a:endParaRPr>
-          </a:p>
-          <a:p>
-            <a:r>
-              <a:rPr lang="da-DK" sz="2800" b="0" dirty="0">
-                <a:solidFill>
-                  <a:srgbClr val="D4D4D4"/>
-                </a:solidFill>
-                <a:effectLst/>
-                <a:latin typeface=" Cascadia Code PL"/>
-              </a:rPr>
-              <a:t>{</a:t>
-            </a:r>
-          </a:p>
-          <a:p>
-            <a:r>
-              <a:rPr lang="da-DK" sz="2800" b="0" dirty="0">
-                <a:solidFill>
-                  <a:srgbClr val="D4D4D4"/>
-                </a:solidFill>
-                <a:effectLst/>
-                <a:latin typeface=" Cascadia Code PL"/>
-              </a:rPr>
-              <a:t>    </a:t>
-            </a:r>
-            <a:r>
-              <a:rPr lang="da-DK" sz="2800" b="0" dirty="0">
-                <a:solidFill>
-                  <a:srgbClr val="9CDCFE"/>
-                </a:solidFill>
-                <a:effectLst/>
-                <a:latin typeface=" Cascadia Code PL"/>
-              </a:rPr>
-              <a:t>resource</a:t>
-            </a:r>
-            <a:r>
-              <a:rPr lang="da-DK" sz="2800" b="0" dirty="0">
-                <a:solidFill>
-                  <a:srgbClr val="D4D4D4"/>
-                </a:solidFill>
-                <a:effectLst/>
-                <a:latin typeface=" Cascadia Code PL"/>
-              </a:rPr>
-              <a:t>.</a:t>
-            </a:r>
-            <a:r>
-              <a:rPr lang="da-DK" sz="2800" b="0" dirty="0">
-                <a:solidFill>
-                  <a:srgbClr val="DCDCAA"/>
-                </a:solidFill>
-                <a:effectLst/>
-                <a:latin typeface=" Cascadia Code PL"/>
-              </a:rPr>
-              <a:t>Dispose</a:t>
-            </a:r>
-            <a:r>
-              <a:rPr lang="da-DK" sz="2800" b="0" dirty="0">
-                <a:solidFill>
-                  <a:srgbClr val="D4D4D4"/>
-                </a:solidFill>
-                <a:effectLst/>
-                <a:latin typeface=" Cascadia Code PL"/>
-              </a:rPr>
-              <a:t>();</a:t>
-            </a:r>
-          </a:p>
-          <a:p>
-            <a:r>
-              <a:rPr lang="da-DK" sz="2800" b="0" dirty="0">
-                <a:solidFill>
-                  <a:srgbClr val="D4D4D4"/>
-                </a:solidFill>
-                <a:effectLst/>
-                <a:latin typeface=" Cascadia Code PL"/>
-              </a:rPr>
-              <a:t>}</a:t>
-            </a:r>
-          </a:p>
-        </p:txBody>
-      </p:sp>
-    </p:spTree>
-    <p:extLst>
-      <p:ext uri="{BB962C8B-B14F-4D97-AF65-F5344CB8AC3E}">
-        <p14:creationId xmlns:p14="http://schemas.microsoft.com/office/powerpoint/2010/main" val="4234402396"/>
-      </p:ext>
-    </p:extLst>
-  </p:cSld>
-  <p:clrMapOvr>
-    <a:masterClrMapping/>
-  </p:clrMapOvr>
-  <p:transition>
-    <p:fade/>
-  </p:transition>
 </p:sld>
 </file>
 
@@ -20239,8 +20450,8 @@
           <a:lstStyle/>
           <a:p>
             <a:r>
-              <a:rPr lang="en-US" dirty="0" err="1"/>
-              <a:t>IDisposable</a:t>
+              <a:rPr lang="en-US" dirty="0"/>
+              <a:t>SQL Injection</a:t>
             </a:r>
             <a:endParaRPr lang="LID4096" dirty="0"/>
           </a:p>
@@ -20248,10 +20459,10 @@
       </p:sp>
       <p:sp>
         <p:nvSpPr>
-          <p:cNvPr id="2" name="Text Placeholder 1">
+          <p:cNvPr id="3" name="Text Placeholder 2">
             <a:extLst>
               <a:ext uri="{FF2B5EF4-FFF2-40B4-BE49-F238E27FC236}">
-                <a16:creationId xmlns:a16="http://schemas.microsoft.com/office/drawing/2014/main" id="{91355690-24FE-477C-BB4D-FF267A5E7162}"/>
+                <a16:creationId xmlns:a16="http://schemas.microsoft.com/office/drawing/2014/main" id="{5F96F862-373B-4647-AAC7-A8F7EBA1DC92}"/>
               </a:ext>
             </a:extLst>
           </p:cNvPr>
@@ -20265,165 +20476,123 @@
         <p:spPr>
           <a:xfrm>
             <a:off x="586390" y="1434370"/>
-            <a:ext cx="11018520" cy="2499146"/>
+            <a:ext cx="11018520" cy="4912114"/>
           </a:xfrm>
         </p:spPr>
         <p:txBody>
           <a:bodyPr/>
           <a:lstStyle/>
           <a:p>
-            <a:endParaRPr lang="en-US" b="0" dirty="0">
-              <a:solidFill>
-                <a:srgbClr val="569CD6"/>
-              </a:solidFill>
-              <a:effectLst/>
-              <a:latin typeface=" Cascadia Code PL"/>
-            </a:endParaRPr>
-          </a:p>
-          <a:p>
-            <a:r>
-              <a:rPr lang="en-US" b="0" dirty="0">
-                <a:solidFill>
-                  <a:srgbClr val="569CD6"/>
-                </a:solidFill>
-                <a:effectLst/>
-                <a:latin typeface=" Cascadia Code PL"/>
+            <a:r>
+              <a:rPr lang="en-US" dirty="0"/>
+              <a:t>A </a:t>
+            </a:r>
+            <a:r>
+              <a:rPr lang="en-US" b="1" dirty="0"/>
+              <a:t>SQL injection </a:t>
+            </a:r>
+            <a:r>
+              <a:rPr lang="en-US" dirty="0"/>
+              <a:t>attack consists of insertion or “injection” of a SQL query via the input data from the client to the application. </a:t>
+            </a:r>
+          </a:p>
+          <a:p>
+            <a:endParaRPr lang="en-US" dirty="0"/>
+          </a:p>
+          <a:p>
+            <a:r>
+              <a:rPr lang="en-US" dirty="0"/>
+              <a:t>A successful SQL injection exploit can:</a:t>
+            </a:r>
+          </a:p>
+          <a:p>
+            <a:endParaRPr lang="en-US" dirty="0"/>
+          </a:p>
+          <a:p>
+            <a:pPr marL="457200" indent="-457200">
+              <a:buFont typeface="Arial" panose="020B0604020202020204" pitchFamily="34" charset="0"/>
+              <a:buChar char="•"/>
+            </a:pPr>
+            <a:r>
+              <a:rPr lang="en-US" dirty="0"/>
+              <a:t>read sensitive data from the database, </a:t>
+            </a:r>
+          </a:p>
+          <a:p>
+            <a:pPr marL="457200" indent="-457200">
+              <a:buFont typeface="Arial" panose="020B0604020202020204" pitchFamily="34" charset="0"/>
+              <a:buChar char="•"/>
+            </a:pPr>
+            <a:r>
+              <a:rPr lang="en-US" dirty="0"/>
+              <a:t>modify database data (Insert/Update/Delete), </a:t>
+            </a:r>
+          </a:p>
+          <a:p>
+            <a:pPr marL="457200" indent="-457200">
+              <a:buFont typeface="Arial" panose="020B0604020202020204" pitchFamily="34" charset="0"/>
+              <a:buChar char="•"/>
+            </a:pPr>
+            <a:r>
+              <a:rPr lang="en-US" dirty="0"/>
+              <a:t>execute administration operations on the database (such as shutdown the DBMS), </a:t>
+            </a:r>
+          </a:p>
+          <a:p>
+            <a:pPr marL="457200" indent="-457200">
+              <a:buFont typeface="Arial" panose="020B0604020202020204" pitchFamily="34" charset="0"/>
+              <a:buChar char="•"/>
+            </a:pPr>
+            <a:r>
+              <a:rPr lang="en-US" dirty="0"/>
+              <a:t>or worse</a:t>
+            </a:r>
+          </a:p>
+        </p:txBody>
+      </p:sp>
+      <p:sp>
+        <p:nvSpPr>
+          <p:cNvPr id="7" name="TextBox 6">
+            <a:extLst>
+              <a:ext uri="{FF2B5EF4-FFF2-40B4-BE49-F238E27FC236}">
+                <a16:creationId xmlns:a16="http://schemas.microsoft.com/office/drawing/2014/main" id="{2D4F1ECE-E2BD-4D4B-9BE7-178AEA1C5B0E}"/>
+              </a:ext>
+            </a:extLst>
+          </p:cNvPr>
+          <p:cNvSpPr txBox="1"/>
+          <p:nvPr/>
+        </p:nvSpPr>
+        <p:spPr>
+          <a:xfrm>
+            <a:off x="5340350" y="6346484"/>
+            <a:ext cx="6738620" cy="363946"/>
+          </a:xfrm>
+          <a:prstGeom prst="rect">
+            <a:avLst/>
+          </a:prstGeom>
+          <a:noFill/>
+        </p:spPr>
+        <p:txBody>
+          <a:bodyPr wrap="square">
+            <a:spAutoFit/>
+          </a:bodyPr>
+          <a:lstStyle/>
+          <a:p>
+            <a:pPr algn="r"/>
+            <a:r>
+              <a:rPr lang="da-DK" dirty="0">
+                <a:hlinkClick r:id="rId2"/>
               </a:rPr>
-              <a:t>using</a:t>
-            </a:r>
-            <a:r>
-              <a:rPr lang="en-US" b="0" dirty="0">
-                <a:solidFill>
-                  <a:srgbClr val="D4D4D4"/>
-                </a:solidFill>
-                <a:effectLst/>
-                <a:latin typeface=" Cascadia Code PL"/>
-              </a:rPr>
-              <a:t> (</a:t>
-            </a:r>
-            <a:r>
-              <a:rPr lang="en-US" b="0" dirty="0">
-                <a:solidFill>
-                  <a:srgbClr val="569CD6"/>
-                </a:solidFill>
-                <a:effectLst/>
-                <a:latin typeface=" Cascadia Code PL"/>
-              </a:rPr>
-              <a:t>var</a:t>
-            </a:r>
-            <a:r>
-              <a:rPr lang="en-US" b="0" dirty="0">
-                <a:solidFill>
-                  <a:srgbClr val="D4D4D4"/>
-                </a:solidFill>
-                <a:effectLst/>
-                <a:latin typeface=" Cascadia Code PL"/>
-              </a:rPr>
-              <a:t> </a:t>
-            </a:r>
-            <a:r>
-              <a:rPr lang="en-US" b="0" dirty="0">
-                <a:solidFill>
-                  <a:srgbClr val="9CDCFE"/>
-                </a:solidFill>
-                <a:effectLst/>
-                <a:latin typeface=" Cascadia Code PL"/>
-              </a:rPr>
-              <a:t>resource1</a:t>
-            </a:r>
-            <a:r>
-              <a:rPr lang="en-US" b="0" dirty="0">
-                <a:solidFill>
-                  <a:srgbClr val="D4D4D4"/>
-                </a:solidFill>
-                <a:effectLst/>
-                <a:latin typeface=" Cascadia Code PL"/>
-              </a:rPr>
-              <a:t> = </a:t>
-            </a:r>
-            <a:r>
-              <a:rPr lang="en-US" b="0" dirty="0">
-                <a:solidFill>
-                  <a:srgbClr val="569CD6"/>
-                </a:solidFill>
-                <a:effectLst/>
-                <a:latin typeface=" Cascadia Code PL"/>
-              </a:rPr>
-              <a:t>new</a:t>
-            </a:r>
-            <a:r>
-              <a:rPr lang="en-US" b="0" dirty="0">
-                <a:solidFill>
-                  <a:srgbClr val="D4D4D4"/>
-                </a:solidFill>
-                <a:effectLst/>
-                <a:latin typeface=" Cascadia Code PL"/>
-              </a:rPr>
-              <a:t> </a:t>
-            </a:r>
-            <a:r>
-              <a:rPr lang="en-US" b="0" dirty="0">
-                <a:solidFill>
-                  <a:srgbClr val="4EC9B0"/>
-                </a:solidFill>
-                <a:effectLst/>
-                <a:latin typeface=" Cascadia Code PL"/>
-              </a:rPr>
-              <a:t>Resource</a:t>
-            </a:r>
-            <a:r>
-              <a:rPr lang="en-US" b="0" dirty="0">
-                <a:solidFill>
-                  <a:srgbClr val="D4D4D4"/>
-                </a:solidFill>
-                <a:effectLst/>
-                <a:latin typeface=" Cascadia Code PL"/>
-              </a:rPr>
-              <a:t>())</a:t>
-            </a:r>
-          </a:p>
-          <a:p>
-            <a:r>
-              <a:rPr lang="en-US" b="0" dirty="0">
-                <a:solidFill>
-                  <a:srgbClr val="D4D4D4"/>
-                </a:solidFill>
-                <a:effectLst/>
-                <a:latin typeface=" Cascadia Code PL"/>
-              </a:rPr>
-              <a:t>{</a:t>
-            </a:r>
-          </a:p>
-          <a:p>
-            <a:r>
-              <a:rPr lang="en-US" b="0" dirty="0">
-                <a:solidFill>
-                  <a:srgbClr val="D4D4D4"/>
-                </a:solidFill>
-                <a:effectLst/>
-                <a:latin typeface=" Cascadia Code PL"/>
-              </a:rPr>
-              <a:t>    ...</a:t>
-            </a:r>
-          </a:p>
-          <a:p>
-            <a:r>
-              <a:rPr lang="en-US" b="0" dirty="0">
-                <a:solidFill>
-                  <a:srgbClr val="D4D4D4"/>
-                </a:solidFill>
-                <a:effectLst/>
-                <a:latin typeface=" Cascadia Code PL"/>
-              </a:rPr>
-              <a:t>}</a:t>
-            </a:r>
+              <a:t>https://owasp.org/www-community/attacks/SQL_Injection</a:t>
+            </a:r>
+            <a:endParaRPr lang="LID4096" dirty="0"/>
           </a:p>
         </p:txBody>
       </p:sp>
     </p:spTree>
     <p:extLst>
       <p:ext uri="{BB962C8B-B14F-4D97-AF65-F5344CB8AC3E}">
-        <p14:creationId xmlns:p14="http://schemas.microsoft.com/office/powerpoint/2010/main" val="4128660396"/>
+        <p14:creationId xmlns:p14="http://schemas.microsoft.com/office/powerpoint/2010/main" val="2404062107"/>
       </p:ext>
     </p:extLst>
   </p:cSld>
@@ -20437,6 +20606,77 @@
 </file>
 
 <file path=ppt/slides/slide16.xml><?xml version="1.0" encoding="utf-8"?>
+<p:sld xmlns:a="http://schemas.openxmlformats.org/drawingml/2006/main" xmlns:r="http://schemas.openxmlformats.org/officeDocument/2006/relationships" xmlns:p="http://schemas.openxmlformats.org/presentationml/2006/main">
+  <p:cSld>
+    <p:spTree>
+      <p:nvGrpSpPr>
+        <p:cNvPr id="1" name=""/>
+        <p:cNvGrpSpPr/>
+        <p:nvPr/>
+      </p:nvGrpSpPr>
+      <p:grpSpPr>
+        <a:xfrm>
+          <a:off x="0" y="0"/>
+          <a:ext cx="0" cy="0"/>
+          <a:chOff x="0" y="0"/>
+          <a:chExt cx="0" cy="0"/>
+        </a:xfrm>
+      </p:grpSpPr>
+      <p:sp>
+        <p:nvSpPr>
+          <p:cNvPr id="4" name="Title 3">
+            <a:extLst>
+              <a:ext uri="{FF2B5EF4-FFF2-40B4-BE49-F238E27FC236}">
+                <a16:creationId xmlns:a16="http://schemas.microsoft.com/office/drawing/2014/main" id="{98D9D239-887C-49FA-A821-A61A859CC476}"/>
+              </a:ext>
+            </a:extLst>
+          </p:cNvPr>
+          <p:cNvSpPr>
+            <a:spLocks noGrp="1"/>
+          </p:cNvSpPr>
+          <p:nvPr>
+            <p:ph type="title"/>
+          </p:nvPr>
+        </p:nvSpPr>
+        <p:spPr/>
+        <p:txBody>
+          <a:bodyPr/>
+          <a:lstStyle/>
+          <a:p>
+            <a:r>
+              <a:rPr lang="en-US" dirty="0" err="1"/>
+              <a:t>IDisposable</a:t>
+            </a:r>
+            <a:endParaRPr lang="LID4096" dirty="0"/>
+          </a:p>
+        </p:txBody>
+      </p:sp>
+    </p:spTree>
+    <p:extLst>
+      <p:ext uri="{BB962C8B-B14F-4D97-AF65-F5344CB8AC3E}">
+        <p14:creationId xmlns:p14="http://schemas.microsoft.com/office/powerpoint/2010/main" val="979134311"/>
+      </p:ext>
+    </p:extLst>
+  </p:cSld>
+  <p:clrMapOvr>
+    <a:masterClrMapping/>
+  </p:clrMapOvr>
+  <mc:AlternateContent xmlns:mc="http://schemas.openxmlformats.org/markup-compatibility/2006" xmlns:p14="http://schemas.microsoft.com/office/powerpoint/2010/main">
+    <mc:Choice Requires="p14">
+      <p:transition spd="med" p14:dur="700">
+        <p:fade/>
+      </p:transition>
+    </mc:Choice>
+    <mc:Fallback xmlns="">
+      <p:transition spd="med">
+        <p:fade/>
+      </p:transition>
+    </mc:Fallback>
+  </mc:AlternateContent>
+</p:sld>
+</file>
+
+<file path=ppt/slides/slide17.xml><?xml version="1.0" encoding="utf-8"?>
 <p:sld xmlns:a="http://schemas.openxmlformats.org/drawingml/2006/main" xmlns:r="http://schemas.openxmlformats.org/officeDocument/2006/relationships" xmlns:p="http://schemas.openxmlformats.org/presentationml/2006/main">
   <p:cSld>
     <p:spTree>
@@ -20501,16 +20741,26 @@
         <p:spPr>
           <a:xfrm>
             <a:off x="586390" y="1434370"/>
-            <a:ext cx="11018520" cy="2499146"/>
+            <a:ext cx="11018520" cy="4050340"/>
           </a:xfrm>
         </p:spPr>
         <p:txBody>
           <a:bodyPr/>
           <a:lstStyle/>
           <a:p>
-            <a:endParaRPr lang="en-US" b="0" dirty="0">
+            <a:r>
+              <a:rPr lang="da-DK" sz="2800" b="0" dirty="0">
+                <a:solidFill>
+                  <a:srgbClr val="C586C0"/>
+                </a:solidFill>
+                <a:effectLst/>
+                <a:latin typeface=" Cascadia Code PL"/>
+              </a:rPr>
+              <a:t>try</a:t>
+            </a:r>
+            <a:endParaRPr lang="da-DK" sz="2800" b="0" dirty="0">
               <a:solidFill>
-                <a:srgbClr val="569CD6"/>
+                <a:srgbClr val="D4D4D4"/>
               </a:solidFill>
               <a:effectLst/>
               <a:latin typeface=" Cascadia Code PL"/>
@@ -20518,47 +20768,84 @@
           </a:p>
           <a:p>
             <a:r>
-              <a:rPr lang="en-US" b="0" dirty="0">
-                <a:solidFill>
-                  <a:srgbClr val="569CD6"/>
-                </a:solidFill>
-                <a:effectLst/>
-                <a:latin typeface=" Cascadia Code PL"/>
-              </a:rPr>
-              <a:t>using</a:t>
-            </a:r>
-            <a:r>
-              <a:rPr lang="en-US" b="0" dirty="0">
+              <a:rPr lang="da-DK" sz="2800" b="0" dirty="0">
                 <a:solidFill>
                   <a:srgbClr val="D4D4D4"/>
                 </a:solidFill>
                 <a:effectLst/>
                 <a:latin typeface=" Cascadia Code PL"/>
               </a:rPr>
-              <a:t> </a:t>
-            </a:r>
-            <a:r>
-              <a:rPr lang="en-US" b="0" dirty="0">
-                <a:solidFill>
-                  <a:srgbClr val="569CD6"/>
-                </a:solidFill>
-                <a:effectLst/>
-                <a:latin typeface=" Cascadia Code PL"/>
-              </a:rPr>
-              <a:t>var</a:t>
-            </a:r>
-            <a:r>
-              <a:rPr lang="en-US" b="0" dirty="0">
+              <a:t>{</a:t>
+            </a:r>
+          </a:p>
+          <a:p>
+            <a:r>
+              <a:rPr lang="da-DK" sz="2800" b="0" dirty="0">
                 <a:solidFill>
                   <a:srgbClr val="D4D4D4"/>
                 </a:solidFill>
                 <a:effectLst/>
                 <a:latin typeface=" Cascadia Code PL"/>
               </a:rPr>
-              <a:t> </a:t>
-            </a:r>
-            <a:r>
-              <a:rPr lang="en-US" b="0" dirty="0">
+              <a:t>    ...</a:t>
+            </a:r>
+          </a:p>
+          <a:p>
+            <a:r>
+              <a:rPr lang="da-DK" sz="2800" b="0" dirty="0">
+                <a:solidFill>
+                  <a:srgbClr val="D4D4D4"/>
+                </a:solidFill>
+                <a:effectLst/>
+                <a:latin typeface=" Cascadia Code PL"/>
+              </a:rPr>
+              <a:t>}</a:t>
+            </a:r>
+          </a:p>
+          <a:p>
+            <a:r>
+              <a:rPr lang="da-DK" sz="2800" b="0" dirty="0">
+                <a:solidFill>
+                  <a:srgbClr val="C586C0"/>
+                </a:solidFill>
+                <a:effectLst/>
+                <a:latin typeface=" Cascadia Code PL"/>
+              </a:rPr>
+              <a:t>finally</a:t>
+            </a:r>
+            <a:endParaRPr lang="da-DK" sz="2800" b="0" dirty="0">
+              <a:solidFill>
+                <a:srgbClr val="D4D4D4"/>
+              </a:solidFill>
+              <a:effectLst/>
+              <a:latin typeface=" Cascadia Code PL"/>
+            </a:endParaRPr>
+          </a:p>
+          <a:p>
+            <a:r>
+              <a:rPr lang="da-DK" sz="2800" b="0" dirty="0">
+                <a:solidFill>
+                  <a:srgbClr val="D4D4D4"/>
+                </a:solidFill>
+                <a:effectLst/>
+                <a:latin typeface=" Cascadia Code PL"/>
+              </a:rPr>
+              <a:t>{</a:t>
+            </a:r>
+          </a:p>
+          <a:p>
+            <a:r>
+              <a:rPr lang="da-DK" sz="2800" b="0" dirty="0">
+                <a:solidFill>
+                  <a:srgbClr val="D4D4D4"/>
+                </a:solidFill>
+                <a:effectLst/>
+                <a:latin typeface=" Cascadia Code PL"/>
+              </a:rPr>
+              <a:t>    </a:t>
+            </a:r>
+            <a:r>
+              <a:rPr lang="da-DK" sz="2800" b="0" dirty="0">
                 <a:solidFill>
                   <a:srgbClr val="9CDCFE"/>
                 </a:solidFill>
@@ -20568,47 +20855,27 @@
               <a:t>resource</a:t>
             </a:r>
             <a:r>
-              <a:rPr lang="en-US" b="0" dirty="0">
+              <a:rPr lang="da-DK" sz="2800" b="0" dirty="0">
                 <a:solidFill>
                   <a:srgbClr val="D4D4D4"/>
                 </a:solidFill>
                 <a:effectLst/>
                 <a:latin typeface=" Cascadia Code PL"/>
               </a:rPr>
-              <a:t> = </a:t>
-            </a:r>
-            <a:r>
-              <a:rPr lang="en-US" b="0" dirty="0">
+              <a:t>.</a:t>
+            </a:r>
+            <a:r>
+              <a:rPr lang="da-DK" sz="2800" b="0" dirty="0">
                 <a:solidFill>
-                  <a:srgbClr val="569CD6"/>
+                  <a:srgbClr val="DCDCAA"/>
                 </a:solidFill>
                 <a:effectLst/>
                 <a:latin typeface=" Cascadia Code PL"/>
               </a:rPr>
-              <a:t>new</a:t>
-            </a:r>
-            <a:r>
-              <a:rPr lang="en-US" b="0" dirty="0">
-                <a:solidFill>
-                  <a:srgbClr val="D4D4D4"/>
-                </a:solidFill>
-                <a:effectLst/>
-                <a:latin typeface=" Cascadia Code PL"/>
-              </a:rPr>
-              <a:t> </a:t>
-            </a:r>
-            <a:r>
-              <a:rPr lang="en-US" b="0" dirty="0">
-                <a:solidFill>
-                  <a:srgbClr val="4EC9B0"/>
-                </a:solidFill>
-                <a:effectLst/>
-                <a:latin typeface=" Cascadia Code PL"/>
-              </a:rPr>
-              <a:t>Resource</a:t>
-            </a:r>
-            <a:r>
-              <a:rPr lang="en-US" b="0" dirty="0">
+              <a:t>Dispose</a:t>
+            </a:r>
+            <a:r>
+              <a:rPr lang="da-DK" sz="2800" b="0" dirty="0">
                 <a:solidFill>
                   <a:srgbClr val="D4D4D4"/>
                 </a:solidFill>
@@ -20619,35 +20886,23 @@
             </a:r>
           </a:p>
           <a:p>
-            <a:endParaRPr lang="en-US" b="0" dirty="0">
-              <a:solidFill>
-                <a:srgbClr val="D4D4D4"/>
-              </a:solidFill>
-              <a:effectLst/>
-              <a:latin typeface=" Cascadia Code PL"/>
-            </a:endParaRPr>
-          </a:p>
-          <a:p>
-            <a:r>
-              <a:rPr lang="en-US" b="0" dirty="0">
+            <a:r>
+              <a:rPr lang="da-DK" sz="2800" b="0" dirty="0">
                 <a:solidFill>
                   <a:srgbClr val="D4D4D4"/>
                 </a:solidFill>
                 <a:effectLst/>
                 <a:latin typeface=" Cascadia Code PL"/>
               </a:rPr>
-              <a:t>...</a:t>
-            </a:r>
-          </a:p>
-          <a:p>
-            <a:endParaRPr lang="LID4096" dirty="0"/>
+              <a:t>}</a:t>
+            </a:r>
           </a:p>
         </p:txBody>
       </p:sp>
     </p:spTree>
     <p:extLst>
       <p:ext uri="{BB962C8B-B14F-4D97-AF65-F5344CB8AC3E}">
-        <p14:creationId xmlns:p14="http://schemas.microsoft.com/office/powerpoint/2010/main" val="1906589547"/>
+        <p14:creationId xmlns:p14="http://schemas.microsoft.com/office/powerpoint/2010/main" val="4234402396"/>
       </p:ext>
     </p:extLst>
   </p:cSld>
@@ -20657,77 +20912,6 @@
   <p:transition>
     <p:fade/>
   </p:transition>
-</p:sld>
-</file>
-
-<file path=ppt/slides/slide17.xml><?xml version="1.0" encoding="utf-8"?>
-<p:sld xmlns:a="http://schemas.openxmlformats.org/drawingml/2006/main" xmlns:r="http://schemas.openxmlformats.org/officeDocument/2006/relationships" xmlns:p="http://schemas.openxmlformats.org/presentationml/2006/main">
-  <p:cSld>
-    <p:spTree>
-      <p:nvGrpSpPr>
-        <p:cNvPr id="1" name=""/>
-        <p:cNvGrpSpPr/>
-        <p:nvPr/>
-      </p:nvGrpSpPr>
-      <p:grpSpPr>
-        <a:xfrm>
-          <a:off x="0" y="0"/>
-          <a:ext cx="0" cy="0"/>
-          <a:chOff x="0" y="0"/>
-          <a:chExt cx="0" cy="0"/>
-        </a:xfrm>
-      </p:grpSpPr>
-      <p:sp>
-        <p:nvSpPr>
-          <p:cNvPr id="4" name="Title 3">
-            <a:extLst>
-              <a:ext uri="{FF2B5EF4-FFF2-40B4-BE49-F238E27FC236}">
-                <a16:creationId xmlns:a16="http://schemas.microsoft.com/office/drawing/2014/main" id="{98D9D239-887C-49FA-A821-A61A859CC476}"/>
-              </a:ext>
-            </a:extLst>
-          </p:cNvPr>
-          <p:cNvSpPr>
-            <a:spLocks noGrp="1"/>
-          </p:cNvSpPr>
-          <p:nvPr>
-            <p:ph type="title"/>
-          </p:nvPr>
-        </p:nvSpPr>
-        <p:spPr/>
-        <p:txBody>
-          <a:bodyPr/>
-          <a:lstStyle/>
-          <a:p>
-            <a:r>
-              <a:rPr lang="en-US" dirty="0"/>
-              <a:t>Entity Framework Core</a:t>
-            </a:r>
-            <a:endParaRPr lang="LID4096" dirty="0"/>
-          </a:p>
-        </p:txBody>
-      </p:sp>
-    </p:spTree>
-    <p:extLst>
-      <p:ext uri="{BB962C8B-B14F-4D97-AF65-F5344CB8AC3E}">
-        <p14:creationId xmlns:p14="http://schemas.microsoft.com/office/powerpoint/2010/main" val="1710237091"/>
-      </p:ext>
-    </p:extLst>
-  </p:cSld>
-  <p:clrMapOvr>
-    <a:masterClrMapping/>
-  </p:clrMapOvr>
-  <mc:AlternateContent xmlns:mc="http://schemas.openxmlformats.org/markup-compatibility/2006" xmlns:p14="http://schemas.microsoft.com/office/powerpoint/2010/main">
-    <mc:Choice Requires="p14">
-      <p:transition spd="med" p14:dur="700">
-        <p:fade/>
-      </p:transition>
-    </mc:Choice>
-    <mc:Fallback xmlns="">
-      <p:transition spd="med">
-        <p:fade/>
-      </p:transition>
-    </mc:Fallback>
-  </mc:AlternateContent>
 </p:sld>
 </file>
 
@@ -20770,8 +20954,8 @@
           <a:lstStyle/>
           <a:p>
             <a:r>
-              <a:rPr lang="en-US" dirty="0"/>
-              <a:t>Entity Framework Core</a:t>
+              <a:rPr lang="en-US" dirty="0" err="1"/>
+              <a:t>IDisposable</a:t>
             </a:r>
             <a:endParaRPr lang="LID4096" dirty="0"/>
           </a:p>
@@ -20782,7 +20966,7 @@
           <p:cNvPr id="2" name="Text Placeholder 1">
             <a:extLst>
               <a:ext uri="{FF2B5EF4-FFF2-40B4-BE49-F238E27FC236}">
-                <a16:creationId xmlns:a16="http://schemas.microsoft.com/office/drawing/2014/main" id="{21204194-3E5E-461D-9649-14F963EDC3E6}"/>
+                <a16:creationId xmlns:a16="http://schemas.microsoft.com/office/drawing/2014/main" id="{91355690-24FE-477C-BB4D-FF267A5E7162}"/>
               </a:ext>
             </a:extLst>
           </p:cNvPr>
@@ -20795,59 +20979,158 @@
         </p:nvSpPr>
         <p:spPr>
           <a:xfrm>
-            <a:off x="588263" y="1436688"/>
-            <a:ext cx="11018520" cy="1415772"/>
+            <a:off x="586390" y="1434370"/>
+            <a:ext cx="11018520" cy="2499146"/>
           </a:xfrm>
         </p:spPr>
         <p:txBody>
           <a:bodyPr/>
           <a:lstStyle/>
           <a:p>
-            <a:r>
-              <a:rPr lang="da-DK" sz="2000" b="0" dirty="0">
+            <a:endParaRPr lang="en-US" b="0" dirty="0">
+              <a:solidFill>
+                <a:srgbClr val="569CD6"/>
+              </a:solidFill>
+              <a:effectLst/>
+              <a:latin typeface=" Cascadia Code PL"/>
+            </a:endParaRPr>
+          </a:p>
+          <a:p>
+            <a:r>
+              <a:rPr lang="en-US" b="0" dirty="0">
+                <a:solidFill>
+                  <a:srgbClr val="569CD6"/>
+                </a:solidFill>
+                <a:effectLst/>
+                <a:latin typeface=" Cascadia Code PL"/>
+              </a:rPr>
+              <a:t>using</a:t>
+            </a:r>
+            <a:r>
+              <a:rPr lang="en-US" b="0" dirty="0">
                 <a:solidFill>
                   <a:srgbClr val="D4D4D4"/>
                 </a:solidFill>
                 <a:effectLst/>
                 <a:latin typeface=" Cascadia Code PL"/>
               </a:rPr>
-              <a:t>dotnet tool install --global dotnet-ef --version 5.0.0-*</a:t>
-            </a:r>
-          </a:p>
-          <a:p>
-            <a:r>
-              <a:rPr lang="da-DK" sz="2000" b="0" dirty="0">
+              <a:t> (</a:t>
+            </a:r>
+            <a:r>
+              <a:rPr lang="en-US" b="0" dirty="0">
+                <a:solidFill>
+                  <a:srgbClr val="569CD6"/>
+                </a:solidFill>
+                <a:effectLst/>
+                <a:latin typeface=" Cascadia Code PL"/>
+              </a:rPr>
+              <a:t>var</a:t>
+            </a:r>
+            <a:r>
+              <a:rPr lang="en-US" b="0" dirty="0">
                 <a:solidFill>
                   <a:srgbClr val="D4D4D4"/>
                 </a:solidFill>
                 <a:effectLst/>
                 <a:latin typeface=" Cascadia Code PL"/>
               </a:rPr>
-              <a:t>dotnet add package Microsoft.EntityFrameworkCore.Design --version 5.0.0-*</a:t>
-            </a:r>
-          </a:p>
-          <a:p>
-            <a:r>
-              <a:rPr lang="da-DK" sz="2000" b="0" dirty="0">
+              <a:t> </a:t>
+            </a:r>
+            <a:r>
+              <a:rPr lang="en-US" b="0" dirty="0">
+                <a:solidFill>
+                  <a:srgbClr val="9CDCFE"/>
+                </a:solidFill>
+                <a:effectLst/>
+                <a:latin typeface=" Cascadia Code PL"/>
+              </a:rPr>
+              <a:t>resource1</a:t>
+            </a:r>
+            <a:r>
+              <a:rPr lang="en-US" b="0" dirty="0">
                 <a:solidFill>
                   <a:srgbClr val="D4D4D4"/>
                 </a:solidFill>
                 <a:effectLst/>
                 <a:latin typeface=" Cascadia Code PL"/>
               </a:rPr>
-              <a:t>dotnet ef migrations add InitialCreate </a:t>
-            </a:r>
-          </a:p>
-          <a:p>
-            <a:r>
-              <a:rPr lang="da-DK" sz="2000" b="0" dirty="0">
+              <a:t> = </a:t>
+            </a:r>
+            <a:r>
+              <a:rPr lang="en-US" b="0" dirty="0">
+                <a:solidFill>
+                  <a:srgbClr val="569CD6"/>
+                </a:solidFill>
+                <a:effectLst/>
+                <a:latin typeface=" Cascadia Code PL"/>
+              </a:rPr>
+              <a:t>new</a:t>
+            </a:r>
+            <a:r>
+              <a:rPr lang="en-US" b="0" dirty="0">
                 <a:solidFill>
                   <a:srgbClr val="D4D4D4"/>
                 </a:solidFill>
                 <a:effectLst/>
                 <a:latin typeface=" Cascadia Code PL"/>
               </a:rPr>
-              <a:t>dotnet ef database update</a:t>
+              <a:t> </a:t>
+            </a:r>
+            <a:r>
+              <a:rPr lang="en-US" b="0" dirty="0">
+                <a:solidFill>
+                  <a:srgbClr val="4EC9B0"/>
+                </a:solidFill>
+                <a:effectLst/>
+                <a:latin typeface=" Cascadia Code PL"/>
+              </a:rPr>
+              <a:t>Resource</a:t>
+            </a:r>
+            <a:r>
+              <a:rPr lang="en-US" b="0" dirty="0">
+                <a:solidFill>
+                  <a:srgbClr val="D4D4D4"/>
+                </a:solidFill>
+                <a:effectLst/>
+                <a:latin typeface=" Cascadia Code PL"/>
+              </a:rPr>
+              <a:t>())</a:t>
+            </a:r>
+          </a:p>
+          <a:p>
+            <a:r>
+              <a:rPr lang="en-US" b="0" dirty="0">
+                <a:solidFill>
+                  <a:srgbClr val="D4D4D4"/>
+                </a:solidFill>
+                <a:effectLst/>
+                <a:latin typeface=" Cascadia Code PL"/>
+              </a:rPr>
+              <a:t>{</a:t>
+            </a:r>
+          </a:p>
+          <a:p>
+            <a:r>
+              <a:rPr lang="en-US" b="0" dirty="0">
+                <a:solidFill>
+                  <a:srgbClr val="D4D4D4"/>
+                </a:solidFill>
+                <a:effectLst/>
+                <a:latin typeface=" Cascadia Code PL"/>
+              </a:rPr>
+              <a:t>    ...</a:t>
+            </a:r>
+          </a:p>
+          <a:p>
+            <a:r>
+              <a:rPr lang="en-US" b="0" dirty="0">
+                <a:solidFill>
+                  <a:srgbClr val="D4D4D4"/>
+                </a:solidFill>
+                <a:effectLst/>
+                <a:latin typeface=" Cascadia Code PL"/>
+              </a:rPr>
+              <a:t>}</a:t>
             </a:r>
           </a:p>
         </p:txBody>
@@ -20855,7 +21138,7 @@
     </p:spTree>
     <p:extLst>
       <p:ext uri="{BB962C8B-B14F-4D97-AF65-F5344CB8AC3E}">
-        <p14:creationId xmlns:p14="http://schemas.microsoft.com/office/powerpoint/2010/main" val="3654127226"/>
+        <p14:creationId xmlns:p14="http://schemas.microsoft.com/office/powerpoint/2010/main" val="4128660396"/>
       </p:ext>
     </p:extLst>
   </p:cSld>
@@ -20890,7 +21173,7 @@
           <p:cNvPr id="4" name="Title 3">
             <a:extLst>
               <a:ext uri="{FF2B5EF4-FFF2-40B4-BE49-F238E27FC236}">
-                <a16:creationId xmlns:a16="http://schemas.microsoft.com/office/drawing/2014/main" id="{98D9D239-887C-49FA-A821-A61A859CC476}"/>
+                <a16:creationId xmlns:a16="http://schemas.microsoft.com/office/drawing/2014/main" id="{E007555C-63EC-4499-ACD6-029F27D57806}"/>
               </a:ext>
             </a:extLst>
           </p:cNvPr>
@@ -20907,8 +21190,8 @@
           <a:lstStyle/>
           <a:p>
             <a:r>
-              <a:rPr lang="en-US" dirty="0"/>
-              <a:t>Lazy Loading</a:t>
+              <a:rPr lang="en-US" dirty="0" err="1"/>
+              <a:t>IDisposable</a:t>
             </a:r>
             <a:endParaRPr lang="LID4096" dirty="0"/>
           </a:p>
@@ -20916,39 +21199,162 @@
       </p:sp>
       <p:sp>
         <p:nvSpPr>
-          <p:cNvPr id="5" name="TextBox 4">
+          <p:cNvPr id="2" name="Text Placeholder 1">
             <a:extLst>
               <a:ext uri="{FF2B5EF4-FFF2-40B4-BE49-F238E27FC236}">
-                <a16:creationId xmlns:a16="http://schemas.microsoft.com/office/drawing/2014/main" id="{1DEA0D8E-2EDC-4C79-BC29-A6A163094617}"/>
+                <a16:creationId xmlns:a16="http://schemas.microsoft.com/office/drawing/2014/main" id="{91355690-24FE-477C-BB4D-FF267A5E7162}"/>
               </a:ext>
             </a:extLst>
           </p:cNvPr>
-          <p:cNvSpPr txBox="1"/>
-          <p:nvPr/>
+          <p:cNvSpPr>
+            <a:spLocks noGrp="1"/>
+          </p:cNvSpPr>
+          <p:nvPr>
+            <p:ph type="body" sz="quarter" idx="10"/>
+          </p:nvPr>
         </p:nvSpPr>
         <p:spPr>
           <a:xfrm>
-            <a:off x="4272280" y="6199861"/>
-            <a:ext cx="7715250" cy="363946"/>
+            <a:off x="586390" y="1434370"/>
+            <a:ext cx="11018520" cy="2499146"/>
           </a:xfrm>
-          <a:prstGeom prst="rect">
-            <a:avLst/>
-          </a:prstGeom>
-          <a:noFill/>
         </p:spPr>
         <p:txBody>
-          <a:bodyPr wrap="square">
-            <a:spAutoFit/>
-          </a:bodyPr>
+          <a:bodyPr/>
           <a:lstStyle/>
           <a:p>
-            <a:pPr algn="r"/>
-            <a:r>
-              <a:rPr lang="da-DK" dirty="0">
-                <a:hlinkClick r:id="rId2"/>
+            <a:endParaRPr lang="en-US" b="0" dirty="0">
+              <a:solidFill>
+                <a:srgbClr val="569CD6"/>
+              </a:solidFill>
+              <a:effectLst/>
+              <a:latin typeface=" Cascadia Code PL"/>
+            </a:endParaRPr>
+          </a:p>
+          <a:p>
+            <a:r>
+              <a:rPr lang="en-US" b="0" dirty="0">
+                <a:solidFill>
+                  <a:srgbClr val="569CD6"/>
+                </a:solidFill>
+                <a:effectLst/>
+                <a:latin typeface=" Cascadia Code PL"/>
               </a:rPr>
-              <a:t>https://docs.microsoft.com/en-us/ef/core/querying/related-data/lazy</a:t>
-            </a:r>
+              <a:t>using</a:t>
+            </a:r>
+            <a:r>
+              <a:rPr lang="en-US" b="0" dirty="0">
+                <a:solidFill>
+                  <a:srgbClr val="D4D4D4"/>
+                </a:solidFill>
+                <a:effectLst/>
+                <a:latin typeface=" Cascadia Code PL"/>
+              </a:rPr>
+              <a:t> </a:t>
+            </a:r>
+            <a:r>
+              <a:rPr lang="en-US" b="0" dirty="0">
+                <a:solidFill>
+                  <a:srgbClr val="569CD6"/>
+                </a:solidFill>
+                <a:effectLst/>
+                <a:latin typeface=" Cascadia Code PL"/>
+              </a:rPr>
+              <a:t>var</a:t>
+            </a:r>
+            <a:r>
+              <a:rPr lang="en-US" b="0" dirty="0">
+                <a:solidFill>
+                  <a:srgbClr val="D4D4D4"/>
+                </a:solidFill>
+                <a:effectLst/>
+                <a:latin typeface=" Cascadia Code PL"/>
+              </a:rPr>
+              <a:t> </a:t>
+            </a:r>
+            <a:r>
+              <a:rPr lang="en-US" b="0" dirty="0">
+                <a:solidFill>
+                  <a:srgbClr val="9CDCFE"/>
+                </a:solidFill>
+                <a:effectLst/>
+                <a:latin typeface=" Cascadia Code PL"/>
+              </a:rPr>
+              <a:t>resource</a:t>
+            </a:r>
+            <a:r>
+              <a:rPr lang="en-US" b="0" dirty="0">
+                <a:solidFill>
+                  <a:srgbClr val="D4D4D4"/>
+                </a:solidFill>
+                <a:effectLst/>
+                <a:latin typeface=" Cascadia Code PL"/>
+              </a:rPr>
+              <a:t> = </a:t>
+            </a:r>
+            <a:r>
+              <a:rPr lang="en-US" b="0" dirty="0">
+                <a:solidFill>
+                  <a:srgbClr val="569CD6"/>
+                </a:solidFill>
+                <a:effectLst/>
+                <a:latin typeface=" Cascadia Code PL"/>
+              </a:rPr>
+              <a:t>new</a:t>
+            </a:r>
+            <a:r>
+              <a:rPr lang="en-US" b="0" dirty="0">
+                <a:solidFill>
+                  <a:srgbClr val="D4D4D4"/>
+                </a:solidFill>
+                <a:effectLst/>
+                <a:latin typeface=" Cascadia Code PL"/>
+              </a:rPr>
+              <a:t> </a:t>
+            </a:r>
+            <a:r>
+              <a:rPr lang="en-US" b="0" dirty="0">
+                <a:solidFill>
+                  <a:srgbClr val="4EC9B0"/>
+                </a:solidFill>
+                <a:effectLst/>
+                <a:latin typeface=" Cascadia Code PL"/>
+              </a:rPr>
+              <a:t>Resource</a:t>
+            </a:r>
+            <a:r>
+              <a:rPr lang="en-US" b="0" dirty="0">
+                <a:solidFill>
+                  <a:srgbClr val="D4D4D4"/>
+                </a:solidFill>
+                <a:effectLst/>
+                <a:latin typeface=" Cascadia Code PL"/>
+              </a:rPr>
+              <a:t>();</a:t>
+            </a:r>
+          </a:p>
+          <a:p>
+            <a:endParaRPr lang="en-US" b="0" dirty="0">
+              <a:solidFill>
+                <a:srgbClr val="D4D4D4"/>
+              </a:solidFill>
+              <a:effectLst/>
+              <a:latin typeface=" Cascadia Code PL"/>
+            </a:endParaRPr>
+          </a:p>
+          <a:p>
+            <a:r>
+              <a:rPr lang="en-US" b="0" dirty="0">
+                <a:solidFill>
+                  <a:srgbClr val="D4D4D4"/>
+                </a:solidFill>
+                <a:effectLst/>
+                <a:latin typeface=" Cascadia Code PL"/>
+              </a:rPr>
+              <a:t>...</a:t>
+            </a:r>
+          </a:p>
+          <a:p>
             <a:endParaRPr lang="LID4096" dirty="0"/>
           </a:p>
         </p:txBody>
@@ -20956,25 +21362,16 @@
     </p:spTree>
     <p:extLst>
       <p:ext uri="{BB962C8B-B14F-4D97-AF65-F5344CB8AC3E}">
-        <p14:creationId xmlns:p14="http://schemas.microsoft.com/office/powerpoint/2010/main" val="2289836612"/>
+        <p14:creationId xmlns:p14="http://schemas.microsoft.com/office/powerpoint/2010/main" val="1906589547"/>
       </p:ext>
     </p:extLst>
   </p:cSld>
   <p:clrMapOvr>
     <a:masterClrMapping/>
   </p:clrMapOvr>
-  <mc:AlternateContent xmlns:mc="http://schemas.openxmlformats.org/markup-compatibility/2006">
-    <mc:Choice xmlns:p14="http://schemas.microsoft.com/office/powerpoint/2010/main" Requires="p14">
-      <p:transition spd="med" p14:dur="700">
-        <p:fade/>
-      </p:transition>
-    </mc:Choice>
-    <mc:Fallback>
-      <p:transition spd="med">
-        <p:fade/>
-      </p:transition>
-    </mc:Fallback>
-  </mc:AlternateContent>
+  <p:transition>
+    <p:fade/>
+  </p:transition>
 </p:sld>
 </file>
 
@@ -21043,7 +21440,7 @@
         <p:spPr>
           <a:xfrm>
             <a:off x="586390" y="1434370"/>
-            <a:ext cx="11018520" cy="4050340"/>
+            <a:ext cx="11018520" cy="3533275"/>
           </a:xfrm>
         </p:spPr>
         <p:txBody>
@@ -21052,13 +21449,7 @@
           <a:p>
             <a:r>
               <a:rPr lang="en-US" dirty="0"/>
-              <a:t>Last weeks exercise (Test data)</a:t>
-            </a:r>
-          </a:p>
-          <a:p>
-            <a:r>
-              <a:rPr lang="en-US" dirty="0"/>
-              <a:t>SQL Server</a:t>
+              <a:t>Databases (SQL Server)</a:t>
             </a:r>
           </a:p>
           <a:p>
@@ -21145,7 +21536,7 @@
           <p:cNvPr id="4" name="Title 3">
             <a:extLst>
               <a:ext uri="{FF2B5EF4-FFF2-40B4-BE49-F238E27FC236}">
-                <a16:creationId xmlns:a16="http://schemas.microsoft.com/office/drawing/2014/main" id="{E007555C-63EC-4499-ACD6-029F27D57806}"/>
+                <a16:creationId xmlns:a16="http://schemas.microsoft.com/office/drawing/2014/main" id="{98D9D239-887C-49FA-A821-A61A859CC476}"/>
               </a:ext>
             </a:extLst>
           </p:cNvPr>
@@ -21163,291 +21554,38 @@
           <a:p>
             <a:r>
               <a:rPr lang="en-US" dirty="0"/>
-              <a:t>Lazy Loading</a:t>
+              <a:t>Entity Framework Core</a:t>
             </a:r>
             <a:endParaRPr lang="LID4096" dirty="0"/>
-          </a:p>
-        </p:txBody>
-      </p:sp>
-      <p:sp>
-        <p:nvSpPr>
-          <p:cNvPr id="2" name="Text Placeholder 1">
-            <a:extLst>
-              <a:ext uri="{FF2B5EF4-FFF2-40B4-BE49-F238E27FC236}">
-                <a16:creationId xmlns:a16="http://schemas.microsoft.com/office/drawing/2014/main" id="{21204194-3E5E-461D-9649-14F963EDC3E6}"/>
-              </a:ext>
-            </a:extLst>
-          </p:cNvPr>
-          <p:cNvSpPr>
-            <a:spLocks noGrp="1"/>
-          </p:cNvSpPr>
-          <p:nvPr>
-            <p:ph type="body" sz="quarter" idx="10"/>
-          </p:nvPr>
-        </p:nvSpPr>
-        <p:spPr>
-          <a:xfrm>
-            <a:off x="588263" y="1436688"/>
-            <a:ext cx="11018520" cy="1938992"/>
-          </a:xfrm>
-        </p:spPr>
-        <p:txBody>
-          <a:bodyPr/>
-          <a:lstStyle/>
-          <a:p>
-            <a:r>
-              <a:rPr lang="da-DK" sz="1800" b="0" dirty="0">
-                <a:solidFill>
-                  <a:srgbClr val="D4D4D4"/>
-                </a:solidFill>
-                <a:effectLst/>
-                <a:latin typeface=" Cascadia Code PL"/>
-              </a:rPr>
-              <a:t>dotnet add package Microsoft.EntityFrameworkCore.Proxies</a:t>
-            </a:r>
-          </a:p>
-          <a:p>
-            <a:endParaRPr lang="da-DK" sz="1800" dirty="0">
-              <a:solidFill>
-                <a:srgbClr val="D4D4D4"/>
-              </a:solidFill>
-              <a:latin typeface=" Cascadia Code PL"/>
-            </a:endParaRPr>
-          </a:p>
-          <a:p>
-            <a:r>
-              <a:rPr lang="da-DK" sz="1800" b="0" dirty="0">
-                <a:solidFill>
-                  <a:srgbClr val="569CD6"/>
-                </a:solidFill>
-                <a:effectLst/>
-                <a:latin typeface=" Cascadia Code PL"/>
-              </a:rPr>
-              <a:t>protected</a:t>
-            </a:r>
-            <a:r>
-              <a:rPr lang="da-DK" sz="1800" b="0" dirty="0">
-                <a:solidFill>
-                  <a:srgbClr val="D4D4D4"/>
-                </a:solidFill>
-                <a:effectLst/>
-                <a:latin typeface=" Cascadia Code PL"/>
-              </a:rPr>
-              <a:t> </a:t>
-            </a:r>
-            <a:r>
-              <a:rPr lang="da-DK" sz="1800" b="0" dirty="0">
-                <a:solidFill>
-                  <a:srgbClr val="569CD6"/>
-                </a:solidFill>
-                <a:effectLst/>
-                <a:latin typeface=" Cascadia Code PL"/>
-              </a:rPr>
-              <a:t>override</a:t>
-            </a:r>
-            <a:r>
-              <a:rPr lang="da-DK" sz="1800" b="0" dirty="0">
-                <a:solidFill>
-                  <a:srgbClr val="D4D4D4"/>
-                </a:solidFill>
-                <a:effectLst/>
-                <a:latin typeface=" Cascadia Code PL"/>
-              </a:rPr>
-              <a:t> </a:t>
-            </a:r>
-            <a:r>
-              <a:rPr lang="da-DK" sz="1800" b="0" dirty="0">
-                <a:solidFill>
-                  <a:srgbClr val="569CD6"/>
-                </a:solidFill>
-                <a:effectLst/>
-                <a:latin typeface=" Cascadia Code PL"/>
-              </a:rPr>
-              <a:t>void</a:t>
-            </a:r>
-            <a:r>
-              <a:rPr lang="da-DK" sz="1800" b="0" dirty="0">
-                <a:solidFill>
-                  <a:srgbClr val="D4D4D4"/>
-                </a:solidFill>
-                <a:effectLst/>
-                <a:latin typeface=" Cascadia Code PL"/>
-              </a:rPr>
-              <a:t> </a:t>
-            </a:r>
-            <a:r>
-              <a:rPr lang="da-DK" sz="1800" b="0" dirty="0">
-                <a:solidFill>
-                  <a:srgbClr val="DCDCAA"/>
-                </a:solidFill>
-                <a:effectLst/>
-                <a:latin typeface=" Cascadia Code PL"/>
-              </a:rPr>
-              <a:t>OnConfiguring2</a:t>
-            </a:r>
-            <a:r>
-              <a:rPr lang="da-DK" sz="1800" b="0" dirty="0">
-                <a:solidFill>
-                  <a:srgbClr val="D4D4D4"/>
-                </a:solidFill>
-                <a:effectLst/>
-                <a:latin typeface=" Cascadia Code PL"/>
-              </a:rPr>
-              <a:t>(</a:t>
-            </a:r>
-            <a:r>
-              <a:rPr lang="da-DK" sz="1800" b="0" dirty="0">
-                <a:solidFill>
-                  <a:srgbClr val="4EC9B0"/>
-                </a:solidFill>
-                <a:effectLst/>
-                <a:latin typeface=" Cascadia Code PL"/>
-              </a:rPr>
-              <a:t>DbContextOptionsBuilder</a:t>
-            </a:r>
-            <a:r>
-              <a:rPr lang="da-DK" sz="1800" b="0" dirty="0">
-                <a:solidFill>
-                  <a:srgbClr val="D4D4D4"/>
-                </a:solidFill>
-                <a:effectLst/>
-                <a:latin typeface=" Cascadia Code PL"/>
-              </a:rPr>
-              <a:t> </a:t>
-            </a:r>
-            <a:r>
-              <a:rPr lang="da-DK" sz="1800" b="0" dirty="0">
-                <a:solidFill>
-                  <a:srgbClr val="9CDCFE"/>
-                </a:solidFill>
-                <a:effectLst/>
-                <a:latin typeface=" Cascadia Code PL"/>
-              </a:rPr>
-              <a:t>optionsBuilder</a:t>
-            </a:r>
-            <a:r>
-              <a:rPr lang="da-DK" sz="1800" b="0" dirty="0">
-                <a:solidFill>
-                  <a:srgbClr val="D4D4D4"/>
-                </a:solidFill>
-                <a:effectLst/>
-                <a:latin typeface=" Cascadia Code PL"/>
-              </a:rPr>
-              <a:t>)</a:t>
-            </a:r>
-          </a:p>
-          <a:p>
-            <a:r>
-              <a:rPr lang="da-DK" sz="1800" b="0" dirty="0">
-                <a:solidFill>
-                  <a:srgbClr val="D4D4D4"/>
-                </a:solidFill>
-                <a:effectLst/>
-                <a:latin typeface=" Cascadia Code PL"/>
-              </a:rPr>
-              <a:t>    =&gt; </a:t>
-            </a:r>
-            <a:r>
-              <a:rPr lang="da-DK" sz="1800" b="0" dirty="0">
-                <a:solidFill>
-                  <a:srgbClr val="9CDCFE"/>
-                </a:solidFill>
-                <a:effectLst/>
-                <a:latin typeface=" Cascadia Code PL"/>
-              </a:rPr>
-              <a:t>optionsBuilder</a:t>
-            </a:r>
-            <a:r>
-              <a:rPr lang="da-DK" sz="1800" b="0" dirty="0">
-                <a:solidFill>
-                  <a:srgbClr val="D4D4D4"/>
-                </a:solidFill>
-                <a:effectLst/>
-                <a:latin typeface=" Cascadia Code PL"/>
-              </a:rPr>
-              <a:t>.</a:t>
-            </a:r>
-            <a:r>
-              <a:rPr lang="da-DK" sz="1800" b="0" dirty="0">
-                <a:solidFill>
-                  <a:srgbClr val="9CDCFE"/>
-                </a:solidFill>
-                <a:effectLst/>
-                <a:latin typeface=" Cascadia Code PL"/>
-              </a:rPr>
-              <a:t>UseLazyLoadingProxies</a:t>
-            </a:r>
-            <a:r>
-              <a:rPr lang="da-DK" sz="1800" b="0" dirty="0">
-                <a:solidFill>
-                  <a:srgbClr val="D4D4D4"/>
-                </a:solidFill>
-                <a:effectLst/>
-                <a:latin typeface=" Cascadia Code PL"/>
-              </a:rPr>
-              <a:t>()</a:t>
-            </a:r>
-          </a:p>
-          <a:p>
-            <a:r>
-              <a:rPr lang="da-DK" sz="1800" b="0" dirty="0">
-                <a:solidFill>
-                  <a:srgbClr val="D4D4D4"/>
-                </a:solidFill>
-                <a:effectLst/>
-                <a:latin typeface=" Cascadia Code PL"/>
-              </a:rPr>
-              <a:t>                     .</a:t>
-            </a:r>
-            <a:r>
-              <a:rPr lang="da-DK" sz="1800" b="0" dirty="0">
-                <a:solidFill>
-                  <a:srgbClr val="9CDCFE"/>
-                </a:solidFill>
-                <a:effectLst/>
-                <a:latin typeface=" Cascadia Code PL"/>
-              </a:rPr>
-              <a:t>UseSqlServer</a:t>
-            </a:r>
-            <a:r>
-              <a:rPr lang="da-DK" sz="1800" b="0" dirty="0">
-                <a:solidFill>
-                  <a:srgbClr val="D4D4D4"/>
-                </a:solidFill>
-                <a:effectLst/>
-                <a:latin typeface=" Cascadia Code PL"/>
-              </a:rPr>
-              <a:t>(...);</a:t>
-            </a:r>
-          </a:p>
-          <a:p>
-            <a:endParaRPr lang="da-DK" sz="1800" b="0" dirty="0">
-              <a:solidFill>
-                <a:srgbClr val="D4D4D4"/>
-              </a:solidFill>
-              <a:effectLst/>
-              <a:latin typeface=" Cascadia Code PL"/>
-            </a:endParaRPr>
           </a:p>
         </p:txBody>
       </p:sp>
     </p:spTree>
     <p:extLst>
       <p:ext uri="{BB962C8B-B14F-4D97-AF65-F5344CB8AC3E}">
-        <p14:creationId xmlns:p14="http://schemas.microsoft.com/office/powerpoint/2010/main" val="217458327"/>
+        <p14:creationId xmlns:p14="http://schemas.microsoft.com/office/powerpoint/2010/main" val="1710237091"/>
       </p:ext>
     </p:extLst>
   </p:cSld>
   <p:clrMapOvr>
     <a:masterClrMapping/>
   </p:clrMapOvr>
-  <p:transition>
-    <p:fade/>
-  </p:transition>
+  <mc:AlternateContent xmlns:mc="http://schemas.openxmlformats.org/markup-compatibility/2006" xmlns:p14="http://schemas.microsoft.com/office/powerpoint/2010/main">
+    <mc:Choice Requires="p14">
+      <p:transition spd="med" p14:dur="700">
+        <p:fade/>
+      </p:transition>
+    </mc:Choice>
+    <mc:Fallback xmlns="">
+      <p:transition spd="med">
+        <p:fade/>
+      </p:transition>
+    </mc:Fallback>
+  </mc:AlternateContent>
 </p:sld>
 </file>
 
-<file path=ppt/slides/slide3.xml><?xml version="1.0" encoding="utf-8"?>
+<file path=ppt/slides/slide21.xml><?xml version="1.0" encoding="utf-8"?>
 <p:sld xmlns:a="http://schemas.openxmlformats.org/drawingml/2006/main" xmlns:r="http://schemas.openxmlformats.org/officeDocument/2006/relationships" xmlns:p="http://schemas.openxmlformats.org/presentationml/2006/main">
   <p:cSld>
     <p:spTree>
@@ -21487,7 +21625,7 @@
           <a:p>
             <a:r>
               <a:rPr lang="en-US" dirty="0"/>
-              <a:t>Last weeks exercise</a:t>
+              <a:t>Entity Framework Core</a:t>
             </a:r>
             <a:endParaRPr lang="LID4096" dirty="0"/>
           </a:p>
@@ -21495,10 +21633,10 @@
       </p:sp>
       <p:sp>
         <p:nvSpPr>
-          <p:cNvPr id="6" name="Text Placeholder 5">
+          <p:cNvPr id="2" name="Text Placeholder 1">
             <a:extLst>
               <a:ext uri="{FF2B5EF4-FFF2-40B4-BE49-F238E27FC236}">
-                <a16:creationId xmlns:a16="http://schemas.microsoft.com/office/drawing/2014/main" id="{6A59EDFA-CC39-42A8-90E7-5C0D634186F2}"/>
+                <a16:creationId xmlns:a16="http://schemas.microsoft.com/office/drawing/2014/main" id="{21204194-3E5E-461D-9649-14F963EDC3E6}"/>
               </a:ext>
             </a:extLst>
           </p:cNvPr>
@@ -21511,8 +21649,8 @@
         </p:nvSpPr>
         <p:spPr>
           <a:xfrm>
-            <a:off x="586390" y="1434370"/>
-            <a:ext cx="11018520" cy="947952"/>
+            <a:off x="588263" y="1436688"/>
+            <a:ext cx="11018520" cy="1415772"/>
           </a:xfrm>
         </p:spPr>
         <p:txBody>
@@ -21520,25 +21658,591 @@
           <a:lstStyle/>
           <a:p>
             <a:r>
-              <a:rPr lang="en-US" dirty="0"/>
-              <a:t>Wizards test data</a:t>
-            </a:r>
-          </a:p>
-          <a:p>
-            <a:r>
-              <a:rPr lang="en-US" dirty="0">
-                <a:hlinkClick r:id="rId2"/>
+              <a:rPr lang="da-DK" sz="2000" b="0" dirty="0">
+                <a:solidFill>
+                  <a:srgbClr val="D4D4D4"/>
+                </a:solidFill>
+                <a:effectLst/>
+                <a:latin typeface=" Cascadia Code PL"/>
               </a:rPr>
-              <a:t>https://mockaroo.com/</a:t>
-            </a:r>
-            <a:endParaRPr lang="en-US" dirty="0"/>
+              <a:t>dotnet tool install --global dotnet-ef --version 5.0.0-*</a:t>
+            </a:r>
+          </a:p>
+          <a:p>
+            <a:r>
+              <a:rPr lang="da-DK" sz="2000" b="0" dirty="0">
+                <a:solidFill>
+                  <a:srgbClr val="D4D4D4"/>
+                </a:solidFill>
+                <a:effectLst/>
+                <a:latin typeface=" Cascadia Code PL"/>
+              </a:rPr>
+              <a:t>dotnet add package Microsoft.EntityFrameworkCore.Design --version 5.0.0-*</a:t>
+            </a:r>
+          </a:p>
+          <a:p>
+            <a:r>
+              <a:rPr lang="da-DK" sz="2000" b="0" dirty="0">
+                <a:solidFill>
+                  <a:srgbClr val="D4D4D4"/>
+                </a:solidFill>
+                <a:effectLst/>
+                <a:latin typeface=" Cascadia Code PL"/>
+              </a:rPr>
+              <a:t>dotnet ef migrations add InitialCreate </a:t>
+            </a:r>
+          </a:p>
+          <a:p>
+            <a:r>
+              <a:rPr lang="da-DK" sz="2000" b="0" dirty="0">
+                <a:solidFill>
+                  <a:srgbClr val="D4D4D4"/>
+                </a:solidFill>
+                <a:effectLst/>
+                <a:latin typeface=" Cascadia Code PL"/>
+              </a:rPr>
+              <a:t>dotnet ef database update</a:t>
+            </a:r>
           </a:p>
         </p:txBody>
       </p:sp>
     </p:spTree>
     <p:extLst>
       <p:ext uri="{BB962C8B-B14F-4D97-AF65-F5344CB8AC3E}">
-        <p14:creationId xmlns:p14="http://schemas.microsoft.com/office/powerpoint/2010/main" val="204814819"/>
+        <p14:creationId xmlns:p14="http://schemas.microsoft.com/office/powerpoint/2010/main" val="3654127226"/>
+      </p:ext>
+    </p:extLst>
+  </p:cSld>
+  <p:clrMapOvr>
+    <a:masterClrMapping/>
+  </p:clrMapOvr>
+  <p:transition>
+    <p:fade/>
+  </p:transition>
+</p:sld>
+</file>
+
+<file path=ppt/slides/slide22.xml><?xml version="1.0" encoding="utf-8"?>
+<p:sld xmlns:a="http://schemas.openxmlformats.org/drawingml/2006/main" xmlns:r="http://schemas.openxmlformats.org/officeDocument/2006/relationships" xmlns:p="http://schemas.openxmlformats.org/presentationml/2006/main">
+  <p:cSld>
+    <p:spTree>
+      <p:nvGrpSpPr>
+        <p:cNvPr id="1" name=""/>
+        <p:cNvGrpSpPr/>
+        <p:nvPr/>
+      </p:nvGrpSpPr>
+      <p:grpSpPr>
+        <a:xfrm>
+          <a:off x="0" y="0"/>
+          <a:ext cx="0" cy="0"/>
+          <a:chOff x="0" y="0"/>
+          <a:chExt cx="0" cy="0"/>
+        </a:xfrm>
+      </p:grpSpPr>
+      <p:sp>
+        <p:nvSpPr>
+          <p:cNvPr id="4" name="Title 3">
+            <a:extLst>
+              <a:ext uri="{FF2B5EF4-FFF2-40B4-BE49-F238E27FC236}">
+                <a16:creationId xmlns:a16="http://schemas.microsoft.com/office/drawing/2014/main" id="{98D9D239-887C-49FA-A821-A61A859CC476}"/>
+              </a:ext>
+            </a:extLst>
+          </p:cNvPr>
+          <p:cNvSpPr>
+            <a:spLocks noGrp="1"/>
+          </p:cNvSpPr>
+          <p:nvPr>
+            <p:ph type="title"/>
+          </p:nvPr>
+        </p:nvSpPr>
+        <p:spPr/>
+        <p:txBody>
+          <a:bodyPr/>
+          <a:lstStyle/>
+          <a:p>
+            <a:r>
+              <a:rPr lang="en-US" dirty="0"/>
+              <a:t>Lazy Loading</a:t>
+            </a:r>
+            <a:endParaRPr lang="LID4096" dirty="0"/>
+          </a:p>
+        </p:txBody>
+      </p:sp>
+      <p:sp>
+        <p:nvSpPr>
+          <p:cNvPr id="5" name="TextBox 4">
+            <a:extLst>
+              <a:ext uri="{FF2B5EF4-FFF2-40B4-BE49-F238E27FC236}">
+                <a16:creationId xmlns:a16="http://schemas.microsoft.com/office/drawing/2014/main" id="{1DEA0D8E-2EDC-4C79-BC29-A6A163094617}"/>
+              </a:ext>
+            </a:extLst>
+          </p:cNvPr>
+          <p:cNvSpPr txBox="1"/>
+          <p:nvPr/>
+        </p:nvSpPr>
+        <p:spPr>
+          <a:xfrm>
+            <a:off x="4272280" y="6199861"/>
+            <a:ext cx="7715250" cy="363946"/>
+          </a:xfrm>
+          <a:prstGeom prst="rect">
+            <a:avLst/>
+          </a:prstGeom>
+          <a:noFill/>
+        </p:spPr>
+        <p:txBody>
+          <a:bodyPr wrap="square">
+            <a:spAutoFit/>
+          </a:bodyPr>
+          <a:lstStyle/>
+          <a:p>
+            <a:pPr algn="r"/>
+            <a:r>
+              <a:rPr lang="da-DK" dirty="0">
+                <a:hlinkClick r:id="rId2"/>
+              </a:rPr>
+              <a:t>https://docs.microsoft.com/en-us/ef/core/querying/related-data/lazy</a:t>
+            </a:r>
+            <a:endParaRPr lang="LID4096" dirty="0"/>
+          </a:p>
+        </p:txBody>
+      </p:sp>
+    </p:spTree>
+    <p:extLst>
+      <p:ext uri="{BB962C8B-B14F-4D97-AF65-F5344CB8AC3E}">
+        <p14:creationId xmlns:p14="http://schemas.microsoft.com/office/powerpoint/2010/main" val="2289836612"/>
+      </p:ext>
+    </p:extLst>
+  </p:cSld>
+  <p:clrMapOvr>
+    <a:masterClrMapping/>
+  </p:clrMapOvr>
+  <mc:AlternateContent xmlns:mc="http://schemas.openxmlformats.org/markup-compatibility/2006" xmlns:p14="http://schemas.microsoft.com/office/powerpoint/2010/main">
+    <mc:Choice Requires="p14">
+      <p:transition spd="med" p14:dur="700">
+        <p:fade/>
+      </p:transition>
+    </mc:Choice>
+    <mc:Fallback xmlns="">
+      <p:transition spd="med">
+        <p:fade/>
+      </p:transition>
+    </mc:Fallback>
+  </mc:AlternateContent>
+</p:sld>
+</file>
+
+<file path=ppt/slides/slide23.xml><?xml version="1.0" encoding="utf-8"?>
+<p:sld xmlns:a="http://schemas.openxmlformats.org/drawingml/2006/main" xmlns:r="http://schemas.openxmlformats.org/officeDocument/2006/relationships" xmlns:p="http://schemas.openxmlformats.org/presentationml/2006/main">
+  <p:cSld>
+    <p:spTree>
+      <p:nvGrpSpPr>
+        <p:cNvPr id="1" name=""/>
+        <p:cNvGrpSpPr/>
+        <p:nvPr/>
+      </p:nvGrpSpPr>
+      <p:grpSpPr>
+        <a:xfrm>
+          <a:off x="0" y="0"/>
+          <a:ext cx="0" cy="0"/>
+          <a:chOff x="0" y="0"/>
+          <a:chExt cx="0" cy="0"/>
+        </a:xfrm>
+      </p:grpSpPr>
+      <p:sp>
+        <p:nvSpPr>
+          <p:cNvPr id="4" name="Title 3">
+            <a:extLst>
+              <a:ext uri="{FF2B5EF4-FFF2-40B4-BE49-F238E27FC236}">
+                <a16:creationId xmlns:a16="http://schemas.microsoft.com/office/drawing/2014/main" id="{E007555C-63EC-4499-ACD6-029F27D57806}"/>
+              </a:ext>
+            </a:extLst>
+          </p:cNvPr>
+          <p:cNvSpPr>
+            <a:spLocks noGrp="1"/>
+          </p:cNvSpPr>
+          <p:nvPr>
+            <p:ph type="title"/>
+          </p:nvPr>
+        </p:nvSpPr>
+        <p:spPr/>
+        <p:txBody>
+          <a:bodyPr/>
+          <a:lstStyle/>
+          <a:p>
+            <a:r>
+              <a:rPr lang="en-US" dirty="0"/>
+              <a:t>Lazy Loading</a:t>
+            </a:r>
+            <a:endParaRPr lang="LID4096" dirty="0"/>
+          </a:p>
+        </p:txBody>
+      </p:sp>
+      <p:sp>
+        <p:nvSpPr>
+          <p:cNvPr id="2" name="Text Placeholder 1">
+            <a:extLst>
+              <a:ext uri="{FF2B5EF4-FFF2-40B4-BE49-F238E27FC236}">
+                <a16:creationId xmlns:a16="http://schemas.microsoft.com/office/drawing/2014/main" id="{21204194-3E5E-461D-9649-14F963EDC3E6}"/>
+              </a:ext>
+            </a:extLst>
+          </p:cNvPr>
+          <p:cNvSpPr>
+            <a:spLocks noGrp="1"/>
+          </p:cNvSpPr>
+          <p:nvPr>
+            <p:ph type="body" sz="quarter" idx="10"/>
+          </p:nvPr>
+        </p:nvSpPr>
+        <p:spPr>
+          <a:xfrm>
+            <a:off x="588263" y="1436688"/>
+            <a:ext cx="11018520" cy="1938992"/>
+          </a:xfrm>
+        </p:spPr>
+        <p:txBody>
+          <a:bodyPr/>
+          <a:lstStyle/>
+          <a:p>
+            <a:r>
+              <a:rPr lang="da-DK" sz="1800" b="0" dirty="0">
+                <a:solidFill>
+                  <a:srgbClr val="D4D4D4"/>
+                </a:solidFill>
+                <a:effectLst/>
+                <a:latin typeface=" Cascadia Code PL"/>
+              </a:rPr>
+              <a:t>dotnet add package Microsoft.EntityFrameworkCore.Proxies</a:t>
+            </a:r>
+          </a:p>
+          <a:p>
+            <a:endParaRPr lang="da-DK" sz="1800" dirty="0">
+              <a:solidFill>
+                <a:srgbClr val="D4D4D4"/>
+              </a:solidFill>
+              <a:latin typeface=" Cascadia Code PL"/>
+            </a:endParaRPr>
+          </a:p>
+          <a:p>
+            <a:r>
+              <a:rPr lang="da-DK" sz="1800" b="0" dirty="0">
+                <a:solidFill>
+                  <a:srgbClr val="569CD6"/>
+                </a:solidFill>
+                <a:effectLst/>
+                <a:latin typeface=" Cascadia Code PL"/>
+              </a:rPr>
+              <a:t>protected</a:t>
+            </a:r>
+            <a:r>
+              <a:rPr lang="da-DK" sz="1800" b="0" dirty="0">
+                <a:solidFill>
+                  <a:srgbClr val="D4D4D4"/>
+                </a:solidFill>
+                <a:effectLst/>
+                <a:latin typeface=" Cascadia Code PL"/>
+              </a:rPr>
+              <a:t> </a:t>
+            </a:r>
+            <a:r>
+              <a:rPr lang="da-DK" sz="1800" b="0" dirty="0">
+                <a:solidFill>
+                  <a:srgbClr val="569CD6"/>
+                </a:solidFill>
+                <a:effectLst/>
+                <a:latin typeface=" Cascadia Code PL"/>
+              </a:rPr>
+              <a:t>override</a:t>
+            </a:r>
+            <a:r>
+              <a:rPr lang="da-DK" sz="1800" b="0" dirty="0">
+                <a:solidFill>
+                  <a:srgbClr val="D4D4D4"/>
+                </a:solidFill>
+                <a:effectLst/>
+                <a:latin typeface=" Cascadia Code PL"/>
+              </a:rPr>
+              <a:t> </a:t>
+            </a:r>
+            <a:r>
+              <a:rPr lang="da-DK" sz="1800" b="0" dirty="0">
+                <a:solidFill>
+                  <a:srgbClr val="569CD6"/>
+                </a:solidFill>
+                <a:effectLst/>
+                <a:latin typeface=" Cascadia Code PL"/>
+              </a:rPr>
+              <a:t>void</a:t>
+            </a:r>
+            <a:r>
+              <a:rPr lang="da-DK" sz="1800" b="0" dirty="0">
+                <a:solidFill>
+                  <a:srgbClr val="D4D4D4"/>
+                </a:solidFill>
+                <a:effectLst/>
+                <a:latin typeface=" Cascadia Code PL"/>
+              </a:rPr>
+              <a:t> </a:t>
+            </a:r>
+            <a:r>
+              <a:rPr lang="da-DK" sz="1800" b="0" dirty="0">
+                <a:solidFill>
+                  <a:srgbClr val="DCDCAA"/>
+                </a:solidFill>
+                <a:effectLst/>
+                <a:latin typeface=" Cascadia Code PL"/>
+              </a:rPr>
+              <a:t>OnConfiguring2</a:t>
+            </a:r>
+            <a:r>
+              <a:rPr lang="da-DK" sz="1800" b="0" dirty="0">
+                <a:solidFill>
+                  <a:srgbClr val="D4D4D4"/>
+                </a:solidFill>
+                <a:effectLst/>
+                <a:latin typeface=" Cascadia Code PL"/>
+              </a:rPr>
+              <a:t>(</a:t>
+            </a:r>
+            <a:r>
+              <a:rPr lang="da-DK" sz="1800" b="0" dirty="0">
+                <a:solidFill>
+                  <a:srgbClr val="4EC9B0"/>
+                </a:solidFill>
+                <a:effectLst/>
+                <a:latin typeface=" Cascadia Code PL"/>
+              </a:rPr>
+              <a:t>DbContextOptionsBuilder</a:t>
+            </a:r>
+            <a:r>
+              <a:rPr lang="da-DK" sz="1800" b="0" dirty="0">
+                <a:solidFill>
+                  <a:srgbClr val="D4D4D4"/>
+                </a:solidFill>
+                <a:effectLst/>
+                <a:latin typeface=" Cascadia Code PL"/>
+              </a:rPr>
+              <a:t> </a:t>
+            </a:r>
+            <a:r>
+              <a:rPr lang="da-DK" sz="1800" b="0" dirty="0">
+                <a:solidFill>
+                  <a:srgbClr val="9CDCFE"/>
+                </a:solidFill>
+                <a:effectLst/>
+                <a:latin typeface=" Cascadia Code PL"/>
+              </a:rPr>
+              <a:t>optionsBuilder</a:t>
+            </a:r>
+            <a:r>
+              <a:rPr lang="da-DK" sz="1800" b="0" dirty="0">
+                <a:solidFill>
+                  <a:srgbClr val="D4D4D4"/>
+                </a:solidFill>
+                <a:effectLst/>
+                <a:latin typeface=" Cascadia Code PL"/>
+              </a:rPr>
+              <a:t>)</a:t>
+            </a:r>
+          </a:p>
+          <a:p>
+            <a:r>
+              <a:rPr lang="da-DK" sz="1800" b="0" dirty="0">
+                <a:solidFill>
+                  <a:srgbClr val="D4D4D4"/>
+                </a:solidFill>
+                <a:effectLst/>
+                <a:latin typeface=" Cascadia Code PL"/>
+              </a:rPr>
+              <a:t>    =&gt; </a:t>
+            </a:r>
+            <a:r>
+              <a:rPr lang="da-DK" sz="1800" b="0" dirty="0">
+                <a:solidFill>
+                  <a:srgbClr val="9CDCFE"/>
+                </a:solidFill>
+                <a:effectLst/>
+                <a:latin typeface=" Cascadia Code PL"/>
+              </a:rPr>
+              <a:t>optionsBuilder</a:t>
+            </a:r>
+            <a:r>
+              <a:rPr lang="da-DK" sz="1800" b="0" dirty="0">
+                <a:solidFill>
+                  <a:srgbClr val="D4D4D4"/>
+                </a:solidFill>
+                <a:effectLst/>
+                <a:latin typeface=" Cascadia Code PL"/>
+              </a:rPr>
+              <a:t>.</a:t>
+            </a:r>
+            <a:r>
+              <a:rPr lang="da-DK" sz="1800" b="0" dirty="0">
+                <a:solidFill>
+                  <a:srgbClr val="9CDCFE"/>
+                </a:solidFill>
+                <a:effectLst/>
+                <a:latin typeface=" Cascadia Code PL"/>
+              </a:rPr>
+              <a:t>UseLazyLoadingProxies</a:t>
+            </a:r>
+            <a:r>
+              <a:rPr lang="da-DK" sz="1800" b="0" dirty="0">
+                <a:solidFill>
+                  <a:srgbClr val="D4D4D4"/>
+                </a:solidFill>
+                <a:effectLst/>
+                <a:latin typeface=" Cascadia Code PL"/>
+              </a:rPr>
+              <a:t>()</a:t>
+            </a:r>
+          </a:p>
+          <a:p>
+            <a:r>
+              <a:rPr lang="da-DK" sz="1800" b="0" dirty="0">
+                <a:solidFill>
+                  <a:srgbClr val="D4D4D4"/>
+                </a:solidFill>
+                <a:effectLst/>
+                <a:latin typeface=" Cascadia Code PL"/>
+              </a:rPr>
+              <a:t>                     .</a:t>
+            </a:r>
+            <a:r>
+              <a:rPr lang="da-DK" sz="1800" b="0" dirty="0">
+                <a:solidFill>
+                  <a:srgbClr val="9CDCFE"/>
+                </a:solidFill>
+                <a:effectLst/>
+                <a:latin typeface=" Cascadia Code PL"/>
+              </a:rPr>
+              <a:t>UseSqlServer</a:t>
+            </a:r>
+            <a:r>
+              <a:rPr lang="da-DK" sz="1800" b="0" dirty="0">
+                <a:solidFill>
+                  <a:srgbClr val="D4D4D4"/>
+                </a:solidFill>
+                <a:effectLst/>
+                <a:latin typeface=" Cascadia Code PL"/>
+              </a:rPr>
+              <a:t>(...);</a:t>
+            </a:r>
+          </a:p>
+          <a:p>
+            <a:endParaRPr lang="da-DK" sz="1800" b="0" dirty="0">
+              <a:solidFill>
+                <a:srgbClr val="D4D4D4"/>
+              </a:solidFill>
+              <a:effectLst/>
+              <a:latin typeface=" Cascadia Code PL"/>
+            </a:endParaRPr>
+          </a:p>
+        </p:txBody>
+      </p:sp>
+    </p:spTree>
+    <p:extLst>
+      <p:ext uri="{BB962C8B-B14F-4D97-AF65-F5344CB8AC3E}">
+        <p14:creationId xmlns:p14="http://schemas.microsoft.com/office/powerpoint/2010/main" val="217458327"/>
+      </p:ext>
+    </p:extLst>
+  </p:cSld>
+  <p:clrMapOvr>
+    <a:masterClrMapping/>
+  </p:clrMapOvr>
+  <p:transition>
+    <p:fade/>
+  </p:transition>
+</p:sld>
+</file>
+
+<file path=ppt/slides/slide3.xml><?xml version="1.0" encoding="utf-8"?>
+<p:sld xmlns:a="http://schemas.openxmlformats.org/drawingml/2006/main" xmlns:r="http://schemas.openxmlformats.org/officeDocument/2006/relationships" xmlns:p="http://schemas.openxmlformats.org/presentationml/2006/main">
+  <p:cSld>
+    <p:spTree>
+      <p:nvGrpSpPr>
+        <p:cNvPr id="1" name=""/>
+        <p:cNvGrpSpPr/>
+        <p:nvPr/>
+      </p:nvGrpSpPr>
+      <p:grpSpPr>
+        <a:xfrm>
+          <a:off x="0" y="0"/>
+          <a:ext cx="0" cy="0"/>
+          <a:chOff x="0" y="0"/>
+          <a:chExt cx="0" cy="0"/>
+        </a:xfrm>
+      </p:grpSpPr>
+      <p:pic>
+        <p:nvPicPr>
+          <p:cNvPr id="6" name="Picture 5">
+            <a:extLst>
+              <a:ext uri="{FF2B5EF4-FFF2-40B4-BE49-F238E27FC236}">
+                <a16:creationId xmlns:a16="http://schemas.microsoft.com/office/drawing/2014/main" id="{4342754F-00C1-4DC3-841E-3FB48E48016A}"/>
+              </a:ext>
+            </a:extLst>
+          </p:cNvPr>
+          <p:cNvPicPr>
+            <a:picLocks noChangeAspect="1"/>
+          </p:cNvPicPr>
+          <p:nvPr/>
+        </p:nvPicPr>
+        <p:blipFill rotWithShape="1">
+          <a:blip r:embed="rId2"/>
+          <a:srcRect l="13259" r="19990" b="-1"/>
+          <a:stretch/>
+        </p:blipFill>
+        <p:spPr>
+          <a:xfrm>
+            <a:off x="5334000" y="10"/>
+            <a:ext cx="6858000" cy="6857990"/>
+          </a:xfrm>
+          <a:prstGeom prst="rect">
+            <a:avLst/>
+          </a:prstGeom>
+          <a:noFill/>
+        </p:spPr>
+      </p:pic>
+      <p:sp>
+        <p:nvSpPr>
+          <p:cNvPr id="4" name="Title 3">
+            <a:extLst>
+              <a:ext uri="{FF2B5EF4-FFF2-40B4-BE49-F238E27FC236}">
+                <a16:creationId xmlns:a16="http://schemas.microsoft.com/office/drawing/2014/main" id="{A9D931F4-4CE5-4240-9D62-9CEA58323AA9}"/>
+              </a:ext>
+            </a:extLst>
+          </p:cNvPr>
+          <p:cNvSpPr>
+            <a:spLocks noGrp="1"/>
+          </p:cNvSpPr>
+          <p:nvPr>
+            <p:ph type="title"/>
+          </p:nvPr>
+        </p:nvSpPr>
+        <p:spPr>
+          <a:xfrm>
+            <a:off x="588263" y="585788"/>
+            <a:ext cx="4159950" cy="5683249"/>
+          </a:xfrm>
+        </p:spPr>
+        <p:txBody>
+          <a:bodyPr wrap="square" anchor="ctr">
+            <a:normAutofit/>
+          </a:bodyPr>
+          <a:lstStyle/>
+          <a:p>
+            <a:r>
+              <a:rPr lang="en-US" dirty="0"/>
+              <a:t>Databases</a:t>
+            </a:r>
+            <a:endParaRPr lang="LID4096" dirty="0"/>
+          </a:p>
+        </p:txBody>
+      </p:sp>
+    </p:spTree>
+    <p:extLst>
+      <p:ext uri="{BB962C8B-B14F-4D97-AF65-F5344CB8AC3E}">
+        <p14:creationId xmlns:p14="http://schemas.microsoft.com/office/powerpoint/2010/main" val="1339154078"/>
       </p:ext>
     </p:extLst>
   </p:cSld>
@@ -21573,7 +22277,7 @@
           <p:cNvPr id="2" name="Title 1">
             <a:extLst>
               <a:ext uri="{FF2B5EF4-FFF2-40B4-BE49-F238E27FC236}">
-                <a16:creationId xmlns:a16="http://schemas.microsoft.com/office/drawing/2014/main" id="{4627D7FF-3980-46AE-A554-9F788498D0EA}"/>
+                <a16:creationId xmlns:a16="http://schemas.microsoft.com/office/drawing/2014/main" id="{402A140F-AD66-474E-9D96-ADF2C2B22362}"/>
               </a:ext>
             </a:extLst>
           </p:cNvPr>
@@ -21591,7 +22295,7 @@
           <a:p>
             <a:r>
               <a:rPr lang="en-US" dirty="0"/>
-              <a:t>Secrets</a:t>
+              <a:t>Databases</a:t>
             </a:r>
             <a:endParaRPr lang="LID4096" dirty="0"/>
           </a:p>
@@ -21599,10 +22303,10 @@
       </p:sp>
       <p:sp>
         <p:nvSpPr>
-          <p:cNvPr id="4" name="Text Placeholder 3">
+          <p:cNvPr id="6" name="Text Placeholder 5">
             <a:extLst>
               <a:ext uri="{FF2B5EF4-FFF2-40B4-BE49-F238E27FC236}">
-                <a16:creationId xmlns:a16="http://schemas.microsoft.com/office/drawing/2014/main" id="{409C6D45-FA37-43DB-9E23-57643215A2A7}"/>
+                <a16:creationId xmlns:a16="http://schemas.microsoft.com/office/drawing/2014/main" id="{292F7DE4-B0E6-4931-AA1D-D49C84D3AB43}"/>
               </a:ext>
             </a:extLst>
           </p:cNvPr>
@@ -21615,8 +22319,8 @@
         </p:nvSpPr>
         <p:spPr>
           <a:xfrm>
-            <a:off x="588263" y="1436688"/>
-            <a:ext cx="11018520" cy="1046440"/>
+            <a:off x="584200" y="1435100"/>
+            <a:ext cx="5212080" cy="5109091"/>
           </a:xfrm>
         </p:spPr>
         <p:txBody>
@@ -21624,103 +22328,135 @@
           <a:lstStyle/>
           <a:p>
             <a:r>
-              <a:rPr lang="da-DK" sz="2000" b="0" dirty="0">
-                <a:solidFill>
-                  <a:srgbClr val="D4D4D4"/>
-                </a:solidFill>
-                <a:effectLst/>
-                <a:latin typeface=" Cascadia Code PL"/>
-              </a:rPr>
-              <a:t>dotnet user-secrets init</a:t>
-            </a:r>
-          </a:p>
-          <a:p>
-            <a:r>
-              <a:rPr lang="da-DK" sz="2000" b="0" dirty="0">
-                <a:solidFill>
-                  <a:srgbClr val="D4D4D4"/>
-                </a:solidFill>
-                <a:effectLst/>
-                <a:latin typeface=" Cascadia Code PL"/>
-              </a:rPr>
-              <a:t>dotnet user-secrets </a:t>
-            </a:r>
-            <a:r>
-              <a:rPr lang="da-DK" sz="2000" b="0" dirty="0">
-                <a:solidFill>
-                  <a:srgbClr val="DCDCAA"/>
-                </a:solidFill>
-                <a:effectLst/>
-                <a:latin typeface=" Cascadia Code PL"/>
-              </a:rPr>
-              <a:t>set</a:t>
-            </a:r>
-            <a:r>
-              <a:rPr lang="da-DK" sz="2000" b="0" dirty="0">
-                <a:solidFill>
-                  <a:srgbClr val="D4D4D4"/>
-                </a:solidFill>
-                <a:effectLst/>
-                <a:latin typeface=" Cascadia Code PL"/>
-              </a:rPr>
-              <a:t> </a:t>
-            </a:r>
-            <a:r>
-              <a:rPr lang="da-DK" sz="2000" b="0" dirty="0">
-                <a:solidFill>
-                  <a:srgbClr val="CE9178"/>
-                </a:solidFill>
-                <a:effectLst/>
-                <a:latin typeface=" Cascadia Code PL"/>
-              </a:rPr>
-              <a:t>"ConnectionStrings:ConnectionString"</a:t>
-            </a:r>
-            <a:r>
-              <a:rPr lang="da-DK" sz="2000" b="0" dirty="0">
-                <a:solidFill>
-                  <a:srgbClr val="D4D4D4"/>
-                </a:solidFill>
-                <a:effectLst/>
-                <a:latin typeface=" Cascadia Code PL"/>
-              </a:rPr>
-              <a:t> </a:t>
-            </a:r>
-            <a:r>
-              <a:rPr lang="da-DK" sz="2000" b="0" dirty="0">
-                <a:solidFill>
-                  <a:srgbClr val="CE9178"/>
-                </a:solidFill>
-                <a:effectLst/>
-                <a:latin typeface=" Cascadia Code PL"/>
-              </a:rPr>
-              <a:t>"..."</a:t>
-            </a:r>
-            <a:endParaRPr lang="da-DK" sz="2000" b="0" dirty="0">
-              <a:solidFill>
-                <a:srgbClr val="D4D4D4"/>
-              </a:solidFill>
-              <a:effectLst/>
-              <a:latin typeface=" Cascadia Code PL"/>
-            </a:endParaRPr>
-          </a:p>
-          <a:p>
-            <a:r>
-              <a:rPr lang="da-DK" sz="2000" b="0" dirty="0">
-                <a:solidFill>
-                  <a:srgbClr val="D4D4D4"/>
-                </a:solidFill>
-                <a:effectLst/>
-                <a:latin typeface=" Cascadia Code PL"/>
-              </a:rPr>
-              <a:t>dotnet add package Microsoft.Extensions.Configuration.UserSecrets</a:t>
-            </a:r>
+              <a:rPr lang="en-US" dirty="0"/>
+              <a:t>Relational (SQL)</a:t>
+            </a:r>
+          </a:p>
+          <a:p>
+            <a:endParaRPr lang="en-US" dirty="0"/>
+          </a:p>
+          <a:p>
+            <a:r>
+              <a:rPr lang="en-US" dirty="0"/>
+              <a:t>Microsoft SQL Server</a:t>
+            </a:r>
+          </a:p>
+          <a:p>
+            <a:r>
+              <a:rPr lang="en-US" dirty="0"/>
+              <a:t>Oracle Database</a:t>
+            </a:r>
+          </a:p>
+          <a:p>
+            <a:r>
+              <a:rPr lang="en-US" dirty="0"/>
+              <a:t>IBM Db2</a:t>
+            </a:r>
+            <a:endParaRPr lang="LID4096" dirty="0"/>
+          </a:p>
+          <a:p>
+            <a:r>
+              <a:rPr lang="en-US" dirty="0"/>
+              <a:t>MySQL</a:t>
+            </a:r>
+          </a:p>
+          <a:p>
+            <a:r>
+              <a:rPr lang="en-US" dirty="0"/>
+              <a:t>MariaDB</a:t>
+            </a:r>
+          </a:p>
+          <a:p>
+            <a:r>
+              <a:rPr lang="en-US" dirty="0"/>
+              <a:t>PostgreSQL</a:t>
+            </a:r>
+          </a:p>
+          <a:p>
+            <a:r>
+              <a:rPr lang="en-US" dirty="0"/>
+              <a:t>SQLite</a:t>
+            </a:r>
+          </a:p>
+        </p:txBody>
+      </p:sp>
+      <p:sp>
+        <p:nvSpPr>
+          <p:cNvPr id="7" name="Text Placeholder 6">
+            <a:extLst>
+              <a:ext uri="{FF2B5EF4-FFF2-40B4-BE49-F238E27FC236}">
+                <a16:creationId xmlns:a16="http://schemas.microsoft.com/office/drawing/2014/main" id="{FC04A98E-4F01-4F1B-ABA4-98BAF6AA445B}"/>
+              </a:ext>
+            </a:extLst>
+          </p:cNvPr>
+          <p:cNvSpPr>
+            <a:spLocks noGrp="1"/>
+          </p:cNvSpPr>
+          <p:nvPr>
+            <p:ph type="body" sz="quarter" idx="12"/>
+          </p:nvPr>
+        </p:nvSpPr>
+        <p:spPr>
+          <a:xfrm>
+            <a:off x="6397171" y="1435100"/>
+            <a:ext cx="5212080" cy="4524315"/>
+          </a:xfrm>
+        </p:spPr>
+        <p:txBody>
+          <a:bodyPr/>
+          <a:lstStyle/>
+          <a:p>
+            <a:r>
+              <a:rPr lang="en-US" dirty="0"/>
+              <a:t>Document (NoSQL)</a:t>
+            </a:r>
+          </a:p>
+          <a:p>
+            <a:endParaRPr lang="en-US" dirty="0"/>
+          </a:p>
+          <a:p>
+            <a:r>
+              <a:rPr lang="da-DK" dirty="0"/>
+              <a:t>Azure Cosmos DB</a:t>
+            </a:r>
+          </a:p>
+          <a:p>
+            <a:r>
+              <a:rPr lang="da-DK" dirty="0"/>
+              <a:t>Amazon DynamoDB</a:t>
+            </a:r>
+          </a:p>
+          <a:p>
+            <a:r>
+              <a:rPr lang="da-DK" dirty="0"/>
+              <a:t>MongoDB</a:t>
+            </a:r>
+          </a:p>
+          <a:p>
+            <a:r>
+              <a:rPr lang="da-DK" dirty="0"/>
+              <a:t>Couchbase</a:t>
+            </a:r>
+          </a:p>
+          <a:p>
+            <a:r>
+              <a:rPr lang="da-DK" dirty="0"/>
+              <a:t>Redis</a:t>
+            </a:r>
+          </a:p>
+          <a:p>
+            <a:r>
+              <a:rPr lang="da-DK" dirty="0"/>
+              <a:t>Elasticsearch</a:t>
+            </a:r>
+            <a:endParaRPr lang="LID4096" dirty="0"/>
           </a:p>
         </p:txBody>
       </p:sp>
     </p:spTree>
     <p:extLst>
       <p:ext uri="{BB962C8B-B14F-4D97-AF65-F5344CB8AC3E}">
-        <p14:creationId xmlns:p14="http://schemas.microsoft.com/office/powerpoint/2010/main" val="2242407299"/>
+        <p14:creationId xmlns:p14="http://schemas.microsoft.com/office/powerpoint/2010/main" val="4052085674"/>
       </p:ext>
     </p:extLst>
   </p:cSld>
@@ -21752,10 +22488,113 @@
       </p:grpSpPr>
       <p:sp>
         <p:nvSpPr>
+          <p:cNvPr id="6" name="TextBox 5">
+            <a:extLst>
+              <a:ext uri="{FF2B5EF4-FFF2-40B4-BE49-F238E27FC236}">
+                <a16:creationId xmlns:a16="http://schemas.microsoft.com/office/drawing/2014/main" id="{855BDA4D-CAFE-4A48-BB8B-A66B8923BE30}"/>
+              </a:ext>
+            </a:extLst>
+          </p:cNvPr>
+          <p:cNvSpPr txBox="1"/>
+          <p:nvPr/>
+        </p:nvSpPr>
+        <p:spPr>
+          <a:xfrm>
+            <a:off x="584200" y="3535540"/>
+            <a:ext cx="4162425" cy="2733497"/>
+          </a:xfrm>
+          <a:prstGeom prst="rect">
+            <a:avLst/>
+          </a:prstGeom>
+        </p:spPr>
+        <p:txBody>
+          <a:bodyPr vert="horz" wrap="square" lIns="0" tIns="0" rIns="0" bIns="0" rtlCol="0">
+            <a:normAutofit/>
+          </a:bodyPr>
+          <a:lstStyle/>
+          <a:p>
+            <a:pPr defTabSz="932742">
+              <a:spcBef>
+                <a:spcPct val="20000"/>
+              </a:spcBef>
+              <a:buSzPct val="90000"/>
+            </a:pPr>
+            <a:r>
+              <a:rPr lang="en-US" sz="2200" kern="1200" spc="0" baseline="0">
+                <a:gradFill>
+                  <a:gsLst>
+                    <a:gs pos="1250">
+                      <a:schemeClr val="tx1"/>
+                    </a:gs>
+                    <a:gs pos="100000">
+                      <a:schemeClr val="tx1"/>
+                    </a:gs>
+                  </a:gsLst>
+                  <a:lin ang="5400000" scaled="0"/>
+                </a:gradFill>
+                <a:latin typeface="+mn-lt"/>
+                <a:ea typeface="+mn-ea"/>
+                <a:cs typeface="Segoe UI" panose="020B0502040204020203" pitchFamily="34" charset="0"/>
+                <a:hlinkClick r:id="rId2"/>
+              </a:rPr>
+              <a:t>https://insights.stackoverflow.com/survey/2020#most-popular-technologies</a:t>
+            </a:r>
+            <a:endParaRPr lang="en-US" sz="2200" kern="1200" spc="0" baseline="0">
+              <a:gradFill>
+                <a:gsLst>
+                  <a:gs pos="1250">
+                    <a:schemeClr val="tx1"/>
+                  </a:gs>
+                  <a:gs pos="100000">
+                    <a:schemeClr val="tx1"/>
+                  </a:gs>
+                </a:gsLst>
+                <a:lin ang="5400000" scaled="0"/>
+              </a:gradFill>
+              <a:latin typeface="+mn-lt"/>
+              <a:ea typeface="+mn-ea"/>
+              <a:cs typeface="Segoe UI" panose="020B0502040204020203" pitchFamily="34" charset="0"/>
+            </a:endParaRPr>
+          </a:p>
+        </p:txBody>
+      </p:sp>
+      <p:pic>
+        <p:nvPicPr>
+          <p:cNvPr id="8" name="Picture 7">
+            <a:extLst>
+              <a:ext uri="{FF2B5EF4-FFF2-40B4-BE49-F238E27FC236}">
+                <a16:creationId xmlns:a16="http://schemas.microsoft.com/office/drawing/2014/main" id="{07ECAC7A-E804-488A-8833-3C1E5DA62874}"/>
+              </a:ext>
+            </a:extLst>
+          </p:cNvPr>
+          <p:cNvPicPr>
+            <a:picLocks noChangeAspect="1"/>
+          </p:cNvPicPr>
+          <p:nvPr/>
+        </p:nvPicPr>
+        <p:blipFill>
+          <a:blip r:embed="rId3"/>
+          <a:stretch>
+            <a:fillRect/>
+          </a:stretch>
+        </p:blipFill>
+        <p:spPr>
+          <a:xfrm>
+            <a:off x="5334000" y="951547"/>
+            <a:ext cx="6858000" cy="4954906"/>
+          </a:xfrm>
+          <a:prstGeom prst="rect">
+            <a:avLst/>
+          </a:prstGeom>
+          <a:noFill/>
+        </p:spPr>
+      </p:pic>
+      <p:sp>
+        <p:nvSpPr>
           <p:cNvPr id="2" name="Title 1">
             <a:extLst>
               <a:ext uri="{FF2B5EF4-FFF2-40B4-BE49-F238E27FC236}">
-                <a16:creationId xmlns:a16="http://schemas.microsoft.com/office/drawing/2014/main" id="{4627D7FF-3980-46AE-A554-9F788498D0EA}"/>
+                <a16:creationId xmlns:a16="http://schemas.microsoft.com/office/drawing/2014/main" id="{91B7B5A6-0834-4490-8D71-77D6EC72C9FD}"/>
               </a:ext>
             </a:extLst>
           </p:cNvPr>
@@ -21766,409 +22605,29 @@
             <p:ph type="title"/>
           </p:nvPr>
         </p:nvSpPr>
-        <p:spPr/>
-        <p:txBody>
-          <a:bodyPr/>
-          <a:lstStyle/>
-          <a:p>
-            <a:r>
-              <a:rPr lang="en-US" dirty="0"/>
-              <a:t>Secrets</a:t>
-            </a:r>
-            <a:endParaRPr lang="LID4096" dirty="0"/>
-          </a:p>
-        </p:txBody>
-      </p:sp>
-      <p:sp>
-        <p:nvSpPr>
-          <p:cNvPr id="4" name="Text Placeholder 3">
-            <a:extLst>
-              <a:ext uri="{FF2B5EF4-FFF2-40B4-BE49-F238E27FC236}">
-                <a16:creationId xmlns:a16="http://schemas.microsoft.com/office/drawing/2014/main" id="{409C6D45-FA37-43DB-9E23-57643215A2A7}"/>
-              </a:ext>
-            </a:extLst>
-          </p:cNvPr>
-          <p:cNvSpPr>
-            <a:spLocks noGrp="1"/>
-          </p:cNvSpPr>
-          <p:nvPr>
-            <p:ph type="body" sz="quarter" idx="10"/>
-          </p:nvPr>
-        </p:nvSpPr>
         <p:spPr>
           <a:xfrm>
-            <a:off x="588263" y="1436688"/>
-            <a:ext cx="11018520" cy="2880789"/>
+            <a:off x="588263" y="588963"/>
+            <a:ext cx="4158362" cy="2535236"/>
           </a:xfrm>
         </p:spPr>
         <p:txBody>
-          <a:bodyPr/>
+          <a:bodyPr vert="horz" wrap="square" lIns="0" tIns="0" rIns="0" bIns="0" rtlCol="0" anchor="b">
+            <a:normAutofit/>
+          </a:bodyPr>
           <a:lstStyle/>
           <a:p>
             <a:r>
-              <a:rPr lang="da-DK" sz="1800" b="0" dirty="0">
-                <a:solidFill>
-                  <a:srgbClr val="569CD6"/>
-                </a:solidFill>
+              <a:rPr lang="en-US" b="0" kern="1200" cap="none" spc="-50" baseline="0">
+                <a:ln w="3175">
+                  <a:noFill/>
+                </a:ln>
                 <a:effectLst/>
-                <a:latin typeface=" Cascadia Code PL"/>
+                <a:latin typeface="+mj-lt"/>
+                <a:ea typeface="+mn-ea"/>
+                <a:cs typeface="Segoe UI" pitchFamily="34" charset="0"/>
               </a:rPr>
-              <a:t>using</a:t>
-            </a:r>
-            <a:r>
-              <a:rPr lang="da-DK" sz="1800" b="0" dirty="0">
-                <a:solidFill>
-                  <a:srgbClr val="D4D4D4"/>
-                </a:solidFill>
-                <a:effectLst/>
-                <a:latin typeface=" Cascadia Code PL"/>
-              </a:rPr>
-              <a:t> Microsoft.Extensions.Configuration;</a:t>
-            </a:r>
-          </a:p>
-          <a:p>
-            <a:endParaRPr lang="da-DK" sz="1800" dirty="0">
-              <a:solidFill>
-                <a:srgbClr val="D4D4D4"/>
-              </a:solidFill>
-              <a:latin typeface=" Cascadia Code PL"/>
-            </a:endParaRPr>
-          </a:p>
-          <a:p>
-            <a:r>
-              <a:rPr lang="da-DK" sz="1800" b="0" dirty="0">
-                <a:solidFill>
-                  <a:srgbClr val="D4D4D4"/>
-                </a:solidFill>
-                <a:effectLst/>
-                <a:latin typeface=" Cascadia Code PL"/>
-              </a:rPr>
-              <a:t>...</a:t>
-            </a:r>
-          </a:p>
-          <a:p>
-            <a:endParaRPr lang="da-DK" sz="1800" dirty="0">
-              <a:solidFill>
-                <a:srgbClr val="D4D4D4"/>
-              </a:solidFill>
-              <a:latin typeface=" Cascadia Code PL"/>
-            </a:endParaRPr>
-          </a:p>
-          <a:p>
-            <a:r>
-              <a:rPr lang="en-US" sz="1800" b="0" dirty="0">
-                <a:solidFill>
-                  <a:srgbClr val="569CD6"/>
-                </a:solidFill>
-                <a:effectLst/>
-                <a:latin typeface=" Cascadia Code PL"/>
-              </a:rPr>
-              <a:t>var</a:t>
-            </a:r>
-            <a:r>
-              <a:rPr lang="en-US" sz="1800" b="0" dirty="0">
-                <a:solidFill>
-                  <a:srgbClr val="D4D4D4"/>
-                </a:solidFill>
-                <a:effectLst/>
-                <a:latin typeface=" Cascadia Code PL"/>
-              </a:rPr>
-              <a:t> </a:t>
-            </a:r>
-            <a:r>
-              <a:rPr lang="en-US" sz="1800" b="0" dirty="0">
-                <a:solidFill>
-                  <a:srgbClr val="9CDCFE"/>
-                </a:solidFill>
-                <a:effectLst/>
-                <a:latin typeface=" Cascadia Code PL"/>
-              </a:rPr>
-              <a:t>configuration</a:t>
-            </a:r>
-            <a:r>
-              <a:rPr lang="en-US" sz="1800" b="0" dirty="0">
-                <a:solidFill>
-                  <a:srgbClr val="D4D4D4"/>
-                </a:solidFill>
-                <a:effectLst/>
-                <a:latin typeface=" Cascadia Code PL"/>
-              </a:rPr>
-              <a:t> = </a:t>
-            </a:r>
-            <a:r>
-              <a:rPr lang="en-US" sz="1800" b="0" dirty="0">
-                <a:solidFill>
-                  <a:srgbClr val="569CD6"/>
-                </a:solidFill>
-                <a:effectLst/>
-                <a:latin typeface=" Cascadia Code PL"/>
-              </a:rPr>
-              <a:t>new</a:t>
-            </a:r>
-            <a:r>
-              <a:rPr lang="en-US" sz="1800" b="0" dirty="0">
-                <a:solidFill>
-                  <a:srgbClr val="D4D4D4"/>
-                </a:solidFill>
-                <a:effectLst/>
-                <a:latin typeface=" Cascadia Code PL"/>
-              </a:rPr>
-              <a:t> </a:t>
-            </a:r>
-            <a:r>
-              <a:rPr lang="en-US" sz="1800" b="0" dirty="0" err="1">
-                <a:solidFill>
-                  <a:srgbClr val="4EC9B0"/>
-                </a:solidFill>
-                <a:effectLst/>
-                <a:latin typeface=" Cascadia Code PL"/>
-              </a:rPr>
-              <a:t>ConfigurationBuilder</a:t>
-            </a:r>
-            <a:r>
-              <a:rPr lang="en-US" sz="1800" b="0" dirty="0">
-                <a:solidFill>
-                  <a:srgbClr val="D4D4D4"/>
-                </a:solidFill>
-                <a:effectLst/>
-                <a:latin typeface=" Cascadia Code PL"/>
-              </a:rPr>
-              <a:t>()</a:t>
-            </a:r>
-          </a:p>
-          <a:p>
-            <a:r>
-              <a:rPr lang="en-US" sz="1800" b="0" dirty="0">
-                <a:solidFill>
-                  <a:srgbClr val="D4D4D4"/>
-                </a:solidFill>
-                <a:effectLst/>
-                <a:latin typeface=" Cascadia Code PL"/>
-              </a:rPr>
-              <a:t>    .</a:t>
-            </a:r>
-            <a:r>
-              <a:rPr lang="en-US" sz="1800" b="0" dirty="0" err="1">
-                <a:solidFill>
-                  <a:srgbClr val="DCDCAA"/>
-                </a:solidFill>
-                <a:effectLst/>
-                <a:latin typeface=" Cascadia Code PL"/>
-              </a:rPr>
-              <a:t>AddUserSecrets</a:t>
-            </a:r>
-            <a:r>
-              <a:rPr lang="en-US" sz="1800" b="0" dirty="0">
-                <a:solidFill>
-                  <a:srgbClr val="D4D4D4"/>
-                </a:solidFill>
-                <a:effectLst/>
-                <a:latin typeface=" Cascadia Code PL"/>
-              </a:rPr>
-              <a:t>(</a:t>
-            </a:r>
-            <a:r>
-              <a:rPr lang="en-US" sz="1800" b="0" dirty="0" err="1">
-                <a:solidFill>
-                  <a:srgbClr val="569CD6"/>
-                </a:solidFill>
-                <a:effectLst/>
-                <a:latin typeface=" Cascadia Code PL"/>
-              </a:rPr>
-              <a:t>typeof</a:t>
-            </a:r>
-            <a:r>
-              <a:rPr lang="en-US" sz="1800" b="0" dirty="0">
-                <a:solidFill>
-                  <a:srgbClr val="D4D4D4"/>
-                </a:solidFill>
-                <a:effectLst/>
-                <a:latin typeface=" Cascadia Code PL"/>
-              </a:rPr>
-              <a:t>(</a:t>
-            </a:r>
-            <a:r>
-              <a:rPr lang="en-US" sz="1800" b="0" dirty="0">
-                <a:solidFill>
-                  <a:srgbClr val="4EC9B0"/>
-                </a:solidFill>
-                <a:effectLst/>
-                <a:latin typeface=" Cascadia Code PL"/>
-              </a:rPr>
-              <a:t>Program</a:t>
-            </a:r>
-            <a:r>
-              <a:rPr lang="en-US" sz="1800" b="0" dirty="0">
-                <a:solidFill>
-                  <a:srgbClr val="D4D4D4"/>
-                </a:solidFill>
-                <a:effectLst/>
-                <a:latin typeface=" Cascadia Code PL"/>
-              </a:rPr>
-              <a:t>).Assembly)</a:t>
-            </a:r>
-          </a:p>
-          <a:p>
-            <a:r>
-              <a:rPr lang="en-US" sz="1800" b="0" dirty="0">
-                <a:solidFill>
-                  <a:srgbClr val="D4D4D4"/>
-                </a:solidFill>
-                <a:effectLst/>
-                <a:latin typeface=" Cascadia Code PL"/>
-              </a:rPr>
-              <a:t>    .</a:t>
-            </a:r>
-            <a:r>
-              <a:rPr lang="en-US" sz="1800" b="0" dirty="0">
-                <a:solidFill>
-                  <a:srgbClr val="DCDCAA"/>
-                </a:solidFill>
-                <a:effectLst/>
-                <a:latin typeface=" Cascadia Code PL"/>
-              </a:rPr>
-              <a:t>Build</a:t>
-            </a:r>
-            <a:r>
-              <a:rPr lang="en-US" sz="1800" b="0" dirty="0">
-                <a:solidFill>
-                  <a:srgbClr val="D4D4D4"/>
-                </a:solidFill>
-                <a:effectLst/>
-                <a:latin typeface=" Cascadia Code PL"/>
-              </a:rPr>
-              <a:t>();</a:t>
-            </a:r>
-          </a:p>
-          <a:p>
-            <a:br>
-              <a:rPr lang="en-US" sz="1800" b="0" dirty="0">
-                <a:solidFill>
-                  <a:srgbClr val="D4D4D4"/>
-                </a:solidFill>
-                <a:effectLst/>
-                <a:latin typeface=" Cascadia Code PL"/>
-              </a:rPr>
-            </a:br>
-            <a:r>
-              <a:rPr lang="en-US" sz="1800" b="0" dirty="0">
-                <a:solidFill>
-                  <a:srgbClr val="569CD6"/>
-                </a:solidFill>
-                <a:effectLst/>
-                <a:latin typeface=" Cascadia Code PL"/>
-              </a:rPr>
-              <a:t>var</a:t>
-            </a:r>
-            <a:r>
-              <a:rPr lang="en-US" sz="1800" b="0" dirty="0">
-                <a:solidFill>
-                  <a:srgbClr val="D4D4D4"/>
-                </a:solidFill>
-                <a:effectLst/>
-                <a:latin typeface=" Cascadia Code PL"/>
-              </a:rPr>
-              <a:t> </a:t>
-            </a:r>
-            <a:r>
-              <a:rPr lang="en-US" sz="1800" b="0" dirty="0" err="1">
-                <a:solidFill>
-                  <a:srgbClr val="9CDCFE"/>
-                </a:solidFill>
-                <a:effectLst/>
-                <a:latin typeface=" Cascadia Code PL"/>
-              </a:rPr>
-              <a:t>connectionString</a:t>
-            </a:r>
-            <a:r>
-              <a:rPr lang="en-US" sz="1800" b="0" dirty="0">
-                <a:solidFill>
-                  <a:srgbClr val="D4D4D4"/>
-                </a:solidFill>
-                <a:effectLst/>
-                <a:latin typeface=" Cascadia Code PL"/>
-              </a:rPr>
-              <a:t> = </a:t>
-            </a:r>
-            <a:r>
-              <a:rPr lang="en-US" sz="1800" b="0" dirty="0" err="1">
-                <a:solidFill>
-                  <a:srgbClr val="9CDCFE"/>
-                </a:solidFill>
-                <a:effectLst/>
-                <a:latin typeface=" Cascadia Code PL"/>
-              </a:rPr>
-              <a:t>configuration</a:t>
-            </a:r>
-            <a:r>
-              <a:rPr lang="en-US" sz="1800" b="0" dirty="0" err="1">
-                <a:solidFill>
-                  <a:srgbClr val="D4D4D4"/>
-                </a:solidFill>
-                <a:effectLst/>
-                <a:latin typeface=" Cascadia Code PL"/>
-              </a:rPr>
-              <a:t>.</a:t>
-            </a:r>
-            <a:r>
-              <a:rPr lang="en-US" sz="1800" b="0" dirty="0" err="1">
-                <a:solidFill>
-                  <a:srgbClr val="DCDCAA"/>
-                </a:solidFill>
-                <a:effectLst/>
-                <a:latin typeface=" Cascadia Code PL"/>
-              </a:rPr>
-              <a:t>GetConnectionString</a:t>
-            </a:r>
-            <a:r>
-              <a:rPr lang="en-US" sz="1800" b="0" dirty="0">
-                <a:solidFill>
-                  <a:srgbClr val="D4D4D4"/>
-                </a:solidFill>
-                <a:effectLst/>
-                <a:latin typeface=" Cascadia Code PL"/>
-              </a:rPr>
-              <a:t>(</a:t>
-            </a:r>
-            <a:r>
-              <a:rPr lang="en-US" sz="1800" b="0" dirty="0">
-                <a:solidFill>
-                  <a:srgbClr val="CE9178"/>
-                </a:solidFill>
-                <a:effectLst/>
-                <a:latin typeface=" Cascadia Code PL"/>
-              </a:rPr>
-              <a:t>"</a:t>
-            </a:r>
-            <a:r>
-              <a:rPr lang="en-US" sz="1800" b="0" dirty="0" err="1">
-                <a:solidFill>
-                  <a:srgbClr val="CE9178"/>
-                </a:solidFill>
-                <a:effectLst/>
-                <a:latin typeface=" Cascadia Code PL"/>
-              </a:rPr>
-              <a:t>ConnectionString</a:t>
-            </a:r>
-            <a:r>
-              <a:rPr lang="en-US" sz="1800" b="0" dirty="0">
-                <a:solidFill>
-                  <a:srgbClr val="CE9178"/>
-                </a:solidFill>
-                <a:effectLst/>
-                <a:latin typeface=" Cascadia Code PL"/>
-              </a:rPr>
-              <a:t>"</a:t>
-            </a:r>
-            <a:r>
-              <a:rPr lang="en-US" sz="1800" b="0" dirty="0">
-                <a:solidFill>
-                  <a:srgbClr val="D4D4D4"/>
-                </a:solidFill>
-                <a:effectLst/>
-                <a:latin typeface=" Cascadia Code PL"/>
-              </a:rPr>
-              <a:t>);</a:t>
+              <a:t>Most popular databases</a:t>
             </a:r>
           </a:p>
         </p:txBody>
@@ -22176,7 +22635,7 @@
     </p:spTree>
     <p:extLst>
       <p:ext uri="{BB962C8B-B14F-4D97-AF65-F5344CB8AC3E}">
-        <p14:creationId xmlns:p14="http://schemas.microsoft.com/office/powerpoint/2010/main" val="1873489149"/>
+        <p14:creationId xmlns:p14="http://schemas.microsoft.com/office/powerpoint/2010/main" val="3219734302"/>
       </p:ext>
     </p:extLst>
   </p:cSld>
@@ -22211,7 +22670,7 @@
           <p:cNvPr id="4" name="Title 3">
             <a:extLst>
               <a:ext uri="{FF2B5EF4-FFF2-40B4-BE49-F238E27FC236}">
-                <a16:creationId xmlns:a16="http://schemas.microsoft.com/office/drawing/2014/main" id="{A9D931F4-4CE5-4240-9D62-9CEA58323AA9}"/>
+                <a16:creationId xmlns:a16="http://schemas.microsoft.com/office/drawing/2014/main" id="{E007555C-63EC-4499-ACD6-029F27D57806}"/>
               </a:ext>
             </a:extLst>
           </p:cNvPr>
@@ -22235,28 +22694,106 @@
           </a:p>
         </p:txBody>
       </p:sp>
+      <p:sp>
+        <p:nvSpPr>
+          <p:cNvPr id="6" name="Text Placeholder 5">
+            <a:extLst>
+              <a:ext uri="{FF2B5EF4-FFF2-40B4-BE49-F238E27FC236}">
+                <a16:creationId xmlns:a16="http://schemas.microsoft.com/office/drawing/2014/main" id="{6A59EDFA-CC39-42A8-90E7-5C0D634186F2}"/>
+              </a:ext>
+            </a:extLst>
+          </p:cNvPr>
+          <p:cNvSpPr>
+            <a:spLocks noGrp="1"/>
+          </p:cNvSpPr>
+          <p:nvPr>
+            <p:ph type="body" sz="quarter" idx="10"/>
+          </p:nvPr>
+        </p:nvSpPr>
+        <p:spPr>
+          <a:xfrm>
+            <a:off x="586390" y="1434370"/>
+            <a:ext cx="11018520" cy="4284250"/>
+          </a:xfrm>
+        </p:spPr>
+        <p:txBody>
+          <a:bodyPr/>
+          <a:lstStyle/>
+          <a:p>
+            <a:r>
+              <a:rPr lang="da-DK" sz="2400" dirty="0"/>
+              <a:t>Windows only: SQL Server Express LocalDB</a:t>
+            </a:r>
+          </a:p>
+          <a:p>
+            <a:r>
+              <a:rPr lang="da-DK" sz="2400" dirty="0">
+                <a:hlinkClick r:id="rId2"/>
+              </a:rPr>
+              <a:t>https://docs.microsoft.com/en-us/sql/database-engine/configure-windows/sql-server-express-localdb</a:t>
+            </a:r>
+            <a:endParaRPr lang="da-DK" sz="2400" dirty="0"/>
+          </a:p>
+          <a:p>
+            <a:endParaRPr lang="da-DK" sz="2400" dirty="0"/>
+          </a:p>
+          <a:p>
+            <a:r>
+              <a:rPr lang="da-DK" sz="2400" dirty="0"/>
+              <a:t>All (prefered): SQL Server in a container</a:t>
+            </a:r>
+          </a:p>
+          <a:p>
+            <a:r>
+              <a:rPr lang="da-DK" sz="2400" dirty="0"/>
+              <a:t>Get docker:</a:t>
+            </a:r>
+          </a:p>
+          <a:p>
+            <a:r>
+              <a:rPr lang="da-DK" sz="2400" dirty="0">
+                <a:hlinkClick r:id="rId3"/>
+              </a:rPr>
+              <a:t>https://docs.docker.com/get-docker/</a:t>
+            </a:r>
+            <a:r>
+              <a:rPr lang="da-DK" sz="2400" dirty="0"/>
+              <a:t> </a:t>
+            </a:r>
+          </a:p>
+          <a:p>
+            <a:endParaRPr lang="da-DK" sz="2400" dirty="0"/>
+          </a:p>
+          <a:p>
+            <a:r>
+              <a:rPr lang="da-DK" sz="2400" dirty="0"/>
+              <a:t>Run container:</a:t>
+            </a:r>
+          </a:p>
+          <a:p>
+            <a:r>
+              <a:rPr lang="da-DK" sz="2400" dirty="0">
+                <a:hlinkClick r:id="rId4"/>
+              </a:rPr>
+              <a:t>https://docs.microsoft.com/en-us/sql/linux/quickstart-install-connect-docker</a:t>
+            </a:r>
+            <a:endParaRPr lang="da-DK" sz="2400" dirty="0"/>
+          </a:p>
+        </p:txBody>
+      </p:sp>
     </p:spTree>
     <p:extLst>
       <p:ext uri="{BB962C8B-B14F-4D97-AF65-F5344CB8AC3E}">
-        <p14:creationId xmlns:p14="http://schemas.microsoft.com/office/powerpoint/2010/main" val="1339154078"/>
+        <p14:creationId xmlns:p14="http://schemas.microsoft.com/office/powerpoint/2010/main" val="2965260805"/>
       </p:ext>
     </p:extLst>
   </p:cSld>
   <p:clrMapOvr>
     <a:masterClrMapping/>
   </p:clrMapOvr>
-  <mc:AlternateContent xmlns:mc="http://schemas.openxmlformats.org/markup-compatibility/2006" xmlns:p14="http://schemas.microsoft.com/office/powerpoint/2010/main">
-    <mc:Choice Requires="p14">
-      <p:transition spd="med" p14:dur="700">
-        <p:fade/>
-      </p:transition>
-    </mc:Choice>
-    <mc:Fallback xmlns="">
-      <p:transition spd="med">
-        <p:fade/>
-      </p:transition>
-    </mc:Fallback>
-  </mc:AlternateContent>
+  <p:transition>
+    <p:fade/>
+  </p:transition>
 </p:sld>
 </file>
 
@@ -22324,8 +22861,8 @@
         </p:nvSpPr>
         <p:spPr>
           <a:xfrm>
-            <a:off x="586390" y="1434370"/>
-            <a:ext cx="11018520" cy="4284250"/>
+            <a:off x="588263" y="1436688"/>
+            <a:ext cx="11018520" cy="3767185"/>
           </a:xfrm>
         </p:spPr>
         <p:txBody>
@@ -22333,70 +22870,312 @@
           <a:lstStyle/>
           <a:p>
             <a:r>
-              <a:rPr lang="da-DK" sz="2400" dirty="0"/>
-              <a:t>Windows only: SQL Server Express LocalDB</a:t>
-            </a:r>
-          </a:p>
-          <a:p>
-            <a:r>
-              <a:rPr lang="da-DK" sz="2400" dirty="0">
-                <a:hlinkClick r:id="rId2"/>
+              <a:rPr lang="da-DK" sz="2400" b="0" dirty="0">
+                <a:solidFill>
+                  <a:srgbClr val="D4D4D4"/>
+                </a:solidFill>
+                <a:effectLst/>
+                <a:latin typeface=" Cascadia Code PL"/>
               </a:rPr>
-              <a:t>https://docs.microsoft.com/en-us/sql/database-engine/configure-windows/sql-server-express-localdb</a:t>
-            </a:r>
-            <a:endParaRPr lang="da-DK" sz="2400" dirty="0"/>
-          </a:p>
-          <a:p>
-            <a:endParaRPr lang="da-DK" sz="2400" dirty="0"/>
-          </a:p>
-          <a:p>
-            <a:r>
-              <a:rPr lang="da-DK" sz="2400" dirty="0"/>
-              <a:t>All (prefered): SQL Server in a container</a:t>
-            </a:r>
-          </a:p>
-          <a:p>
-            <a:r>
-              <a:rPr lang="da-DK" sz="2400" dirty="0"/>
-              <a:t>Get docker:</a:t>
-            </a:r>
-          </a:p>
-          <a:p>
-            <a:r>
-              <a:rPr lang="da-DK" sz="2400" dirty="0">
-                <a:hlinkClick r:id="rId3"/>
+              <a:t>docker pull </a:t>
+            </a:r>
+            <a:r>
+              <a:rPr lang="da-DK" sz="2400" b="0" dirty="0">
+                <a:solidFill>
+                  <a:srgbClr val="DCDCAA"/>
+                </a:solidFill>
+                <a:effectLst/>
+                <a:latin typeface=" Cascadia Code PL"/>
               </a:rPr>
-              <a:t>https://docs.docker.com/get-docker/</a:t>
-            </a:r>
-            <a:r>
-              <a:rPr lang="da-DK" sz="2400" dirty="0"/>
-              <a:t> </a:t>
-            </a:r>
-          </a:p>
-          <a:p>
-            <a:endParaRPr lang="da-DK" sz="2400" dirty="0"/>
-          </a:p>
-          <a:p>
-            <a:r>
-              <a:rPr lang="da-DK" sz="2400" dirty="0"/>
-              <a:t>Run container:</a:t>
-            </a:r>
-          </a:p>
-          <a:p>
-            <a:r>
-              <a:rPr lang="da-DK" sz="2400" dirty="0">
-                <a:hlinkClick r:id="rId4"/>
+              <a:t>mcr.microsoft.com</a:t>
+            </a:r>
+            <a:r>
+              <a:rPr lang="da-DK" sz="2400" b="0" dirty="0">
+                <a:solidFill>
+                  <a:srgbClr val="D4D4D4"/>
+                </a:solidFill>
+                <a:effectLst/>
+                <a:latin typeface=" Cascadia Code PL"/>
               </a:rPr>
-              <a:t>https://docs.microsoft.com/en-us/sql/linux/quickstart-install-connect-docker</a:t>
-            </a:r>
-            <a:endParaRPr lang="da-DK" sz="2400" dirty="0"/>
+              <a:t>/mssql/server:</a:t>
+            </a:r>
+            <a:r>
+              <a:rPr lang="da-DK" sz="2400" b="0" dirty="0">
+                <a:solidFill>
+                  <a:srgbClr val="B5CEA8"/>
+                </a:solidFill>
+                <a:effectLst/>
+                <a:latin typeface=" Cascadia Code PL"/>
+              </a:rPr>
+              <a:t>2019</a:t>
+            </a:r>
+            <a:r>
+              <a:rPr lang="da-DK" sz="2400" b="0" dirty="0">
+                <a:solidFill>
+                  <a:srgbClr val="D4D4D4"/>
+                </a:solidFill>
+                <a:effectLst/>
+                <a:latin typeface=" Cascadia Code PL"/>
+              </a:rPr>
+              <a:t>-latest</a:t>
+            </a:r>
+          </a:p>
+          <a:p>
+            <a:endParaRPr lang="da-DK" sz="2400" dirty="0">
+              <a:solidFill>
+                <a:srgbClr val="D4D4D4"/>
+              </a:solidFill>
+              <a:latin typeface=" Cascadia Code PL"/>
+            </a:endParaRPr>
+          </a:p>
+          <a:p>
+            <a:r>
+              <a:rPr lang="da-DK" sz="2400" b="0" dirty="0">
+                <a:solidFill>
+                  <a:srgbClr val="9CDCFE"/>
+                </a:solidFill>
+                <a:effectLst/>
+                <a:latin typeface=" Cascadia Code PL"/>
+              </a:rPr>
+              <a:t>$password</a:t>
+            </a:r>
+            <a:r>
+              <a:rPr lang="da-DK" sz="2400" b="0" dirty="0">
+                <a:solidFill>
+                  <a:srgbClr val="D4D4D4"/>
+                </a:solidFill>
+                <a:effectLst/>
+                <a:latin typeface=" Cascadia Code PL"/>
+              </a:rPr>
+              <a:t> = </a:t>
+            </a:r>
+            <a:r>
+              <a:rPr lang="da-DK" sz="2400" b="0" dirty="0">
+                <a:solidFill>
+                  <a:srgbClr val="DCDCAA"/>
+                </a:solidFill>
+                <a:effectLst/>
+                <a:latin typeface=" Cascadia Code PL"/>
+              </a:rPr>
+              <a:t>New-Guid</a:t>
+            </a:r>
+            <a:endParaRPr lang="da-DK" sz="2400" b="0" dirty="0">
+              <a:solidFill>
+                <a:srgbClr val="D4D4D4"/>
+              </a:solidFill>
+              <a:effectLst/>
+              <a:latin typeface=" Cascadia Code PL"/>
+            </a:endParaRPr>
+          </a:p>
+          <a:p>
+            <a:br>
+              <a:rPr lang="da-DK" sz="2400" b="0" dirty="0">
+                <a:solidFill>
+                  <a:srgbClr val="D4D4D4"/>
+                </a:solidFill>
+                <a:effectLst/>
+                <a:latin typeface=" Cascadia Code PL"/>
+              </a:rPr>
+            </a:br>
+            <a:r>
+              <a:rPr lang="da-DK" sz="2400" b="0" dirty="0">
+                <a:solidFill>
+                  <a:srgbClr val="D4D4D4"/>
+                </a:solidFill>
+                <a:effectLst/>
+                <a:latin typeface=" Cascadia Code PL"/>
+              </a:rPr>
+              <a:t>docker run -e </a:t>
+            </a:r>
+            <a:r>
+              <a:rPr lang="da-DK" sz="2400" b="0" dirty="0">
+                <a:solidFill>
+                  <a:srgbClr val="CE9178"/>
+                </a:solidFill>
+                <a:effectLst/>
+                <a:latin typeface=" Cascadia Code PL"/>
+              </a:rPr>
+              <a:t>"ACCEPT_EULA=Y"</a:t>
+            </a:r>
+            <a:r>
+              <a:rPr lang="da-DK" sz="2400" b="0" dirty="0">
+                <a:solidFill>
+                  <a:srgbClr val="D4D4D4"/>
+                </a:solidFill>
+                <a:effectLst/>
+                <a:latin typeface=" Cascadia Code PL"/>
+              </a:rPr>
+              <a:t> -e </a:t>
+            </a:r>
+            <a:r>
+              <a:rPr lang="da-DK" sz="2400" b="0" dirty="0">
+                <a:solidFill>
+                  <a:srgbClr val="CE9178"/>
+                </a:solidFill>
+                <a:effectLst/>
+                <a:latin typeface=" Cascadia Code PL"/>
+              </a:rPr>
+              <a:t>"SA_PASSWORD=</a:t>
+            </a:r>
+            <a:r>
+              <a:rPr lang="da-DK" sz="2400" b="0" dirty="0">
+                <a:solidFill>
+                  <a:srgbClr val="9CDCFE"/>
+                </a:solidFill>
+                <a:effectLst/>
+                <a:latin typeface=" Cascadia Code PL"/>
+              </a:rPr>
+              <a:t>$password</a:t>
+            </a:r>
+            <a:r>
+              <a:rPr lang="da-DK" sz="2400" b="0" dirty="0">
+                <a:solidFill>
+                  <a:srgbClr val="CE9178"/>
+                </a:solidFill>
+                <a:effectLst/>
+                <a:latin typeface=" Cascadia Code PL"/>
+              </a:rPr>
+              <a:t>"</a:t>
+            </a:r>
+            <a:r>
+              <a:rPr lang="da-DK" sz="2400" b="0" dirty="0">
+                <a:solidFill>
+                  <a:srgbClr val="D4D4D4"/>
+                </a:solidFill>
+                <a:effectLst/>
+                <a:latin typeface=" Cascadia Code PL"/>
+              </a:rPr>
+              <a:t> `</a:t>
+            </a:r>
+          </a:p>
+          <a:p>
+            <a:r>
+              <a:rPr lang="da-DK" sz="2400" b="0" dirty="0">
+                <a:solidFill>
+                  <a:srgbClr val="D4D4D4"/>
+                </a:solidFill>
+                <a:effectLst/>
+                <a:latin typeface=" Cascadia Code PL"/>
+              </a:rPr>
+              <a:t>    -p </a:t>
+            </a:r>
+            <a:r>
+              <a:rPr lang="da-DK" sz="2400" b="0" dirty="0">
+                <a:solidFill>
+                  <a:srgbClr val="B5CEA8"/>
+                </a:solidFill>
+                <a:effectLst/>
+                <a:latin typeface=" Cascadia Code PL"/>
+              </a:rPr>
+              <a:t>1433</a:t>
+            </a:r>
+            <a:r>
+              <a:rPr lang="da-DK" sz="2400" b="0" dirty="0">
+                <a:solidFill>
+                  <a:srgbClr val="D4D4D4"/>
+                </a:solidFill>
+                <a:effectLst/>
+                <a:latin typeface=" Cascadia Code PL"/>
+              </a:rPr>
+              <a:t>:</a:t>
+            </a:r>
+            <a:r>
+              <a:rPr lang="da-DK" sz="2400" b="0" dirty="0">
+                <a:solidFill>
+                  <a:srgbClr val="B5CEA8"/>
+                </a:solidFill>
+                <a:effectLst/>
+                <a:latin typeface=" Cascadia Code PL"/>
+              </a:rPr>
+              <a:t>1433</a:t>
+            </a:r>
+            <a:r>
+              <a:rPr lang="da-DK" sz="2400" b="0" dirty="0">
+                <a:solidFill>
+                  <a:srgbClr val="D4D4D4"/>
+                </a:solidFill>
+                <a:effectLst/>
+                <a:latin typeface=" Cascadia Code PL"/>
+              </a:rPr>
+              <a:t> `</a:t>
+            </a:r>
+          </a:p>
+          <a:p>
+            <a:r>
+              <a:rPr lang="da-DK" sz="2400" b="0" dirty="0">
+                <a:solidFill>
+                  <a:srgbClr val="D4D4D4"/>
+                </a:solidFill>
+                <a:effectLst/>
+                <a:latin typeface=" Cascadia Code PL"/>
+              </a:rPr>
+              <a:t>    -d </a:t>
+            </a:r>
+            <a:r>
+              <a:rPr lang="da-DK" sz="2400" b="0" dirty="0">
+                <a:solidFill>
+                  <a:srgbClr val="DCDCAA"/>
+                </a:solidFill>
+                <a:effectLst/>
+                <a:latin typeface=" Cascadia Code PL"/>
+              </a:rPr>
+              <a:t>mcr.microsoft.com</a:t>
+            </a:r>
+            <a:r>
+              <a:rPr lang="da-DK" sz="2400" b="0" dirty="0">
+                <a:solidFill>
+                  <a:srgbClr val="D4D4D4"/>
+                </a:solidFill>
+                <a:effectLst/>
+                <a:latin typeface=" Cascadia Code PL"/>
+              </a:rPr>
+              <a:t>/mssql/server:</a:t>
+            </a:r>
+            <a:r>
+              <a:rPr lang="da-DK" sz="2400" b="0" dirty="0">
+                <a:solidFill>
+                  <a:srgbClr val="B5CEA8"/>
+                </a:solidFill>
+                <a:effectLst/>
+                <a:latin typeface=" Cascadia Code PL"/>
+              </a:rPr>
+              <a:t>2019</a:t>
+            </a:r>
+            <a:r>
+              <a:rPr lang="da-DK" sz="2400" b="0" dirty="0">
+                <a:solidFill>
+                  <a:srgbClr val="D4D4D4"/>
+                </a:solidFill>
+                <a:effectLst/>
+                <a:latin typeface=" Cascadia Code PL"/>
+              </a:rPr>
+              <a:t>-latest</a:t>
+            </a:r>
+          </a:p>
+          <a:p>
+            <a:br>
+              <a:rPr lang="da-DK" sz="2400" b="0" dirty="0">
+                <a:solidFill>
+                  <a:srgbClr val="D4D4D4"/>
+                </a:solidFill>
+                <a:effectLst/>
+                <a:latin typeface=" Cascadia Code PL"/>
+              </a:rPr>
+            </a:br>
+            <a:endParaRPr lang="da-DK" sz="2400" b="0" dirty="0">
+              <a:solidFill>
+                <a:srgbClr val="D4D4D4"/>
+              </a:solidFill>
+              <a:effectLst/>
+              <a:latin typeface=" Cascadia Code PL"/>
+            </a:endParaRPr>
           </a:p>
         </p:txBody>
       </p:sp>
     </p:spTree>
     <p:extLst>
       <p:ext uri="{BB962C8B-B14F-4D97-AF65-F5344CB8AC3E}">
-        <p14:creationId xmlns:p14="http://schemas.microsoft.com/office/powerpoint/2010/main" val="2965260805"/>
+        <p14:creationId xmlns:p14="http://schemas.microsoft.com/office/powerpoint/2010/main" val="448312756"/>
       </p:ext>
     </p:extLst>
   </p:cSld>
@@ -22431,7 +23210,7 @@
           <p:cNvPr id="4" name="Title 3">
             <a:extLst>
               <a:ext uri="{FF2B5EF4-FFF2-40B4-BE49-F238E27FC236}">
-                <a16:creationId xmlns:a16="http://schemas.microsoft.com/office/drawing/2014/main" id="{E007555C-63EC-4499-ACD6-029F27D57806}"/>
+                <a16:creationId xmlns:a16="http://schemas.microsoft.com/office/drawing/2014/main" id="{376662EF-65FA-401D-9289-DCBA45612AC6}"/>
               </a:ext>
             </a:extLst>
           </p:cNvPr>
@@ -22442,14 +23221,21 @@
             <p:ph type="title"/>
           </p:nvPr>
         </p:nvSpPr>
-        <p:spPr/>
+        <p:spPr>
+          <a:xfrm>
+            <a:off x="588263" y="2425541"/>
+            <a:ext cx="4167887" cy="1107996"/>
+          </a:xfrm>
+        </p:spPr>
         <p:txBody>
-          <a:bodyPr/>
+          <a:bodyPr wrap="square" anchor="b">
+            <a:normAutofit/>
+          </a:bodyPr>
           <a:lstStyle/>
           <a:p>
             <a:r>
               <a:rPr lang="en-US" dirty="0"/>
-              <a:t>SQL Server</a:t>
+              <a:t>SQL Server Demo</a:t>
             </a:r>
             <a:endParaRPr lang="LID4096" dirty="0"/>
           </a:p>
@@ -22457,10 +23243,10 @@
       </p:sp>
       <p:sp>
         <p:nvSpPr>
-          <p:cNvPr id="6" name="Text Placeholder 5">
+          <p:cNvPr id="6" name="Text Placeholder 2">
             <a:extLst>
               <a:ext uri="{FF2B5EF4-FFF2-40B4-BE49-F238E27FC236}">
-                <a16:creationId xmlns:a16="http://schemas.microsoft.com/office/drawing/2014/main" id="{6A59EDFA-CC39-42A8-90E7-5C0D634186F2}"/>
+                <a16:creationId xmlns:a16="http://schemas.microsoft.com/office/drawing/2014/main" id="{92E32A15-B6A3-4D31-BE3B-FBDC6C485E78}"/>
               </a:ext>
             </a:extLst>
           </p:cNvPr>
@@ -22468,13 +23254,13 @@
             <a:spLocks noGrp="1"/>
           </p:cNvSpPr>
           <p:nvPr>
-            <p:ph type="body" sz="quarter" idx="10"/>
+            <p:ph type="body" sz="quarter" idx="12"/>
           </p:nvPr>
         </p:nvSpPr>
         <p:spPr>
           <a:xfrm>
-            <a:off x="588263" y="1436688"/>
-            <a:ext cx="11018520" cy="3767185"/>
+            <a:off x="582042" y="3962400"/>
+            <a:ext cx="4164583" cy="338554"/>
           </a:xfrm>
         </p:spPr>
         <p:txBody>
@@ -22482,321 +23268,34 @@
           <a:lstStyle/>
           <a:p>
             <a:r>
-              <a:rPr lang="da-DK" sz="2400" b="0" dirty="0">
-                <a:solidFill>
-                  <a:srgbClr val="D4D4D4"/>
-                </a:solidFill>
-                <a:effectLst/>
-                <a:latin typeface=" Cascadia Code PL"/>
-              </a:rPr>
-              <a:t>docker pull </a:t>
-            </a:r>
-            <a:r>
-              <a:rPr lang="da-DK" sz="2400" b="0" dirty="0">
-                <a:solidFill>
-                  <a:srgbClr val="DCDCAA"/>
-                </a:solidFill>
-                <a:effectLst/>
-                <a:latin typeface=" Cascadia Code PL"/>
-              </a:rPr>
-              <a:t>mcr.microsoft.com</a:t>
-            </a:r>
-            <a:r>
-              <a:rPr lang="da-DK" sz="2400" b="0" dirty="0">
-                <a:solidFill>
-                  <a:srgbClr val="D4D4D4"/>
-                </a:solidFill>
-                <a:effectLst/>
-                <a:latin typeface=" Cascadia Code PL"/>
-              </a:rPr>
-              <a:t>/mssql/server:</a:t>
-            </a:r>
-            <a:r>
-              <a:rPr lang="da-DK" sz="2400" b="0" dirty="0">
-                <a:solidFill>
-                  <a:srgbClr val="B5CEA8"/>
-                </a:solidFill>
-                <a:effectLst/>
-                <a:latin typeface=" Cascadia Code PL"/>
-              </a:rPr>
-              <a:t>2019</a:t>
-            </a:r>
-            <a:r>
-              <a:rPr lang="da-DK" sz="2400" b="0" dirty="0">
-                <a:solidFill>
-                  <a:srgbClr val="D4D4D4"/>
-                </a:solidFill>
-                <a:effectLst/>
-                <a:latin typeface=" Cascadia Code PL"/>
-              </a:rPr>
-              <a:t>-latest</a:t>
-            </a:r>
-          </a:p>
-          <a:p>
-            <a:endParaRPr lang="da-DK" sz="2400" dirty="0">
-              <a:solidFill>
-                <a:srgbClr val="D4D4D4"/>
-              </a:solidFill>
-              <a:latin typeface=" Cascadia Code PL"/>
-            </a:endParaRPr>
-          </a:p>
-          <a:p>
-            <a:r>
-              <a:rPr lang="da-DK" sz="2400" b="0" dirty="0">
-                <a:solidFill>
-                  <a:srgbClr val="9CDCFE"/>
-                </a:solidFill>
-                <a:effectLst/>
-                <a:latin typeface=" Cascadia Code PL"/>
-              </a:rPr>
-              <a:t>$password</a:t>
-            </a:r>
-            <a:r>
-              <a:rPr lang="da-DK" sz="2400" b="0" dirty="0">
-                <a:solidFill>
-                  <a:srgbClr val="D4D4D4"/>
-                </a:solidFill>
-                <a:effectLst/>
-                <a:latin typeface=" Cascadia Code PL"/>
-              </a:rPr>
-              <a:t> = </a:t>
-            </a:r>
-            <a:r>
-              <a:rPr lang="da-DK" sz="2400" b="0" dirty="0">
-                <a:solidFill>
-                  <a:srgbClr val="DCDCAA"/>
-                </a:solidFill>
-                <a:effectLst/>
-                <a:latin typeface=" Cascadia Code PL"/>
-              </a:rPr>
-              <a:t>New-Guid</a:t>
-            </a:r>
-            <a:endParaRPr lang="da-DK" sz="2400" b="0" dirty="0">
-              <a:solidFill>
-                <a:srgbClr val="D4D4D4"/>
-              </a:solidFill>
-              <a:effectLst/>
-              <a:latin typeface=" Cascadia Code PL"/>
-            </a:endParaRPr>
-          </a:p>
-          <a:p>
-            <a:br>
-              <a:rPr lang="da-DK" sz="2400" b="0" dirty="0">
-                <a:solidFill>
-                  <a:srgbClr val="D4D4D4"/>
-                </a:solidFill>
-                <a:effectLst/>
-                <a:latin typeface=" Cascadia Code PL"/>
-              </a:rPr>
-            </a:br>
-            <a:r>
-              <a:rPr lang="da-DK" sz="2400" b="0" dirty="0">
-                <a:solidFill>
-                  <a:srgbClr val="D4D4D4"/>
-                </a:solidFill>
-                <a:effectLst/>
-                <a:latin typeface=" Cascadia Code PL"/>
-              </a:rPr>
-              <a:t>docker run -e </a:t>
-            </a:r>
-            <a:r>
-              <a:rPr lang="da-DK" sz="2400" b="0" dirty="0">
-                <a:solidFill>
-                  <a:srgbClr val="CE9178"/>
-                </a:solidFill>
-                <a:effectLst/>
-                <a:latin typeface=" Cascadia Code PL"/>
-              </a:rPr>
-              <a:t>"ACCEPT_EULA=Y"</a:t>
-            </a:r>
-            <a:r>
-              <a:rPr lang="da-DK" sz="2400" b="0" dirty="0">
-                <a:solidFill>
-                  <a:srgbClr val="D4D4D4"/>
-                </a:solidFill>
-                <a:effectLst/>
-                <a:latin typeface=" Cascadia Code PL"/>
-              </a:rPr>
-              <a:t> -e </a:t>
-            </a:r>
-            <a:r>
-              <a:rPr lang="da-DK" sz="2400" b="0" dirty="0">
-                <a:solidFill>
-                  <a:srgbClr val="CE9178"/>
-                </a:solidFill>
-                <a:effectLst/>
-                <a:latin typeface=" Cascadia Code PL"/>
-              </a:rPr>
-              <a:t>"SA_PASSWORD=</a:t>
-            </a:r>
-            <a:r>
-              <a:rPr lang="da-DK" sz="2400" b="0" dirty="0">
-                <a:solidFill>
-                  <a:srgbClr val="9CDCFE"/>
-                </a:solidFill>
-                <a:effectLst/>
-                <a:latin typeface=" Cascadia Code PL"/>
-              </a:rPr>
-              <a:t>$password</a:t>
-            </a:r>
-            <a:r>
-              <a:rPr lang="da-DK" sz="2400" b="0" dirty="0">
-                <a:solidFill>
-                  <a:srgbClr val="CE9178"/>
-                </a:solidFill>
-                <a:effectLst/>
-                <a:latin typeface=" Cascadia Code PL"/>
-              </a:rPr>
-              <a:t>"</a:t>
-            </a:r>
-            <a:r>
-              <a:rPr lang="da-DK" sz="2400" b="0" dirty="0">
-                <a:solidFill>
-                  <a:srgbClr val="D4D4D4"/>
-                </a:solidFill>
-                <a:effectLst/>
-                <a:latin typeface=" Cascadia Code PL"/>
-              </a:rPr>
-              <a:t> `</a:t>
-            </a:r>
-          </a:p>
-          <a:p>
-            <a:r>
-              <a:rPr lang="da-DK" sz="2400" b="0" dirty="0">
-                <a:solidFill>
-                  <a:srgbClr val="D4D4D4"/>
-                </a:solidFill>
-                <a:effectLst/>
-                <a:latin typeface=" Cascadia Code PL"/>
-              </a:rPr>
-              <a:t>    -p </a:t>
-            </a:r>
-            <a:r>
-              <a:rPr lang="da-DK" sz="2400" b="0" dirty="0">
-                <a:solidFill>
-                  <a:srgbClr val="B5CEA8"/>
-                </a:solidFill>
-                <a:effectLst/>
-                <a:latin typeface=" Cascadia Code PL"/>
-              </a:rPr>
-              <a:t>1433</a:t>
-            </a:r>
-            <a:r>
-              <a:rPr lang="da-DK" sz="2400" b="0" dirty="0">
-                <a:solidFill>
-                  <a:srgbClr val="D4D4D4"/>
-                </a:solidFill>
-                <a:effectLst/>
-                <a:latin typeface=" Cascadia Code PL"/>
-              </a:rPr>
-              <a:t>:</a:t>
-            </a:r>
-            <a:r>
-              <a:rPr lang="da-DK" sz="2400" b="0" dirty="0">
-                <a:solidFill>
-                  <a:srgbClr val="B5CEA8"/>
-                </a:solidFill>
-                <a:effectLst/>
-                <a:latin typeface=" Cascadia Code PL"/>
-              </a:rPr>
-              <a:t>1433</a:t>
-            </a:r>
-            <a:r>
-              <a:rPr lang="da-DK" sz="2400" b="0" dirty="0">
-                <a:solidFill>
-                  <a:srgbClr val="D4D4D4"/>
-                </a:solidFill>
-                <a:effectLst/>
-                <a:latin typeface=" Cascadia Code PL"/>
-              </a:rPr>
-              <a:t> `</a:t>
-            </a:r>
-          </a:p>
-          <a:p>
-            <a:r>
-              <a:rPr lang="da-DK" sz="2400" b="0" dirty="0">
-                <a:solidFill>
-                  <a:srgbClr val="D4D4D4"/>
-                </a:solidFill>
-                <a:effectLst/>
-                <a:latin typeface=" Cascadia Code PL"/>
-              </a:rPr>
-              <a:t>    -d </a:t>
-            </a:r>
-            <a:r>
-              <a:rPr lang="da-DK" sz="2400" b="0" dirty="0">
-                <a:solidFill>
-                  <a:srgbClr val="DCDCAA"/>
-                </a:solidFill>
-                <a:effectLst/>
-                <a:latin typeface=" Cascadia Code PL"/>
-              </a:rPr>
-              <a:t>mcr.microsoft.com</a:t>
-            </a:r>
-            <a:r>
-              <a:rPr lang="da-DK" sz="2400" b="0" dirty="0">
-                <a:solidFill>
-                  <a:srgbClr val="D4D4D4"/>
-                </a:solidFill>
-                <a:effectLst/>
-                <a:latin typeface=" Cascadia Code PL"/>
-              </a:rPr>
-              <a:t>/mssql/server:</a:t>
-            </a:r>
-            <a:r>
-              <a:rPr lang="da-DK" sz="2400" b="0" dirty="0">
-                <a:solidFill>
-                  <a:srgbClr val="B5CEA8"/>
-                </a:solidFill>
-                <a:effectLst/>
-                <a:latin typeface=" Cascadia Code PL"/>
-              </a:rPr>
-              <a:t>2019</a:t>
-            </a:r>
-            <a:r>
-              <a:rPr lang="da-DK" sz="2400" b="0" dirty="0">
-                <a:solidFill>
-                  <a:srgbClr val="D4D4D4"/>
-                </a:solidFill>
-                <a:effectLst/>
-                <a:latin typeface=" Cascadia Code PL"/>
-              </a:rPr>
-              <a:t>-latest</a:t>
-            </a:r>
-          </a:p>
-          <a:p>
-            <a:br>
-              <a:rPr lang="da-DK" sz="2400" b="0" dirty="0">
-                <a:solidFill>
-                  <a:srgbClr val="D4D4D4"/>
-                </a:solidFill>
-                <a:effectLst/>
-                <a:latin typeface=" Cascadia Code PL"/>
-              </a:rPr>
-            </a:br>
-            <a:endParaRPr lang="da-DK" sz="2400" b="0" dirty="0">
-              <a:solidFill>
-                <a:srgbClr val="D4D4D4"/>
-              </a:solidFill>
-              <a:effectLst/>
-              <a:latin typeface=" Cascadia Code PL"/>
-            </a:endParaRPr>
+              <a:rPr lang="en-US" dirty="0"/>
+              <a:t>SQL Server Docker Container</a:t>
+            </a:r>
           </a:p>
         </p:txBody>
       </p:sp>
     </p:spTree>
     <p:extLst>
       <p:ext uri="{BB962C8B-B14F-4D97-AF65-F5344CB8AC3E}">
-        <p14:creationId xmlns:p14="http://schemas.microsoft.com/office/powerpoint/2010/main" val="448312756"/>
+        <p14:creationId xmlns:p14="http://schemas.microsoft.com/office/powerpoint/2010/main" val="3574510653"/>
       </p:ext>
     </p:extLst>
   </p:cSld>
   <p:clrMapOvr>
     <a:masterClrMapping/>
   </p:clrMapOvr>
-  <p:transition>
-    <p:fade/>
-  </p:transition>
+  <mc:AlternateContent xmlns:mc="http://schemas.openxmlformats.org/markup-compatibility/2006" xmlns:p14="http://schemas.microsoft.com/office/powerpoint/2010/main">
+    <mc:Choice Requires="p14">
+      <p:transition spd="med" p14:dur="700">
+        <p:fade/>
+      </p:transition>
+    </mc:Choice>
+    <mc:Fallback xmlns="">
+      <p:transition spd="med">
+        <p:fade/>
+      </p:transition>
+    </mc:Fallback>
+  </mc:AlternateContent>
 </p:sld>
 </file>
 
@@ -22817,12 +23316,42 @@
           <a:chExt cx="0" cy="0"/>
         </a:xfrm>
       </p:grpSpPr>
+      <p:pic>
+        <p:nvPicPr>
+          <p:cNvPr id="4" name="Picture 3">
+            <a:extLst>
+              <a:ext uri="{FF2B5EF4-FFF2-40B4-BE49-F238E27FC236}">
+                <a16:creationId xmlns:a16="http://schemas.microsoft.com/office/drawing/2014/main" id="{F8D6B372-AF71-4969-8B87-867480473B93}"/>
+              </a:ext>
+            </a:extLst>
+          </p:cNvPr>
+          <p:cNvPicPr>
+            <a:picLocks noChangeAspect="1"/>
+          </p:cNvPicPr>
+          <p:nvPr/>
+        </p:nvPicPr>
+        <p:blipFill rotWithShape="1">
+          <a:blip r:embed="rId2"/>
+          <a:srcRect l="4948" r="28301" b="-1"/>
+          <a:stretch/>
+        </p:blipFill>
+        <p:spPr>
+          <a:xfrm>
+            <a:off x="5334000" y="10"/>
+            <a:ext cx="6858000" cy="6857990"/>
+          </a:xfrm>
+          <a:prstGeom prst="rect">
+            <a:avLst/>
+          </a:prstGeom>
+          <a:noFill/>
+        </p:spPr>
+      </p:pic>
       <p:sp>
         <p:nvSpPr>
-          <p:cNvPr id="4" name="Title 3">
+          <p:cNvPr id="2" name="Title 1">
             <a:extLst>
               <a:ext uri="{FF2B5EF4-FFF2-40B4-BE49-F238E27FC236}">
-                <a16:creationId xmlns:a16="http://schemas.microsoft.com/office/drawing/2014/main" id="{98D9D239-887C-49FA-A821-A61A859CC476}"/>
+                <a16:creationId xmlns:a16="http://schemas.microsoft.com/office/drawing/2014/main" id="{C0073F43-445E-4501-8DCF-7FE3A934BC0A}"/>
               </a:ext>
             </a:extLst>
           </p:cNvPr>
@@ -22833,14 +23362,21 @@
             <p:ph type="title"/>
           </p:nvPr>
         </p:nvSpPr>
-        <p:spPr/>
+        <p:spPr>
+          <a:xfrm>
+            <a:off x="588263" y="2996526"/>
+            <a:ext cx="4163125" cy="3272512"/>
+          </a:xfrm>
+        </p:spPr>
         <p:txBody>
-          <a:bodyPr/>
+          <a:bodyPr wrap="square" anchor="t">
+            <a:normAutofit/>
+          </a:bodyPr>
           <a:lstStyle/>
           <a:p>
             <a:r>
               <a:rPr lang="en-US" dirty="0"/>
-              <a:t>Old School SQL</a:t>
+              <a:t>Secrets</a:t>
             </a:r>
             <a:endParaRPr lang="LID4096" dirty="0"/>
           </a:p>
@@ -22849,25 +23385,16 @@
     </p:spTree>
     <p:extLst>
       <p:ext uri="{BB962C8B-B14F-4D97-AF65-F5344CB8AC3E}">
-        <p14:creationId xmlns:p14="http://schemas.microsoft.com/office/powerpoint/2010/main" val="290550452"/>
+        <p14:creationId xmlns:p14="http://schemas.microsoft.com/office/powerpoint/2010/main" val="1355764069"/>
       </p:ext>
     </p:extLst>
   </p:cSld>
   <p:clrMapOvr>
     <a:masterClrMapping/>
   </p:clrMapOvr>
-  <mc:AlternateContent xmlns:mc="http://schemas.openxmlformats.org/markup-compatibility/2006" xmlns:p14="http://schemas.microsoft.com/office/powerpoint/2010/main">
-    <mc:Choice Requires="p14">
-      <p:transition spd="med" p14:dur="700">
-        <p:fade/>
-      </p:transition>
-    </mc:Choice>
-    <mc:Fallback xmlns="">
-      <p:transition spd="med">
-        <p:fade/>
-      </p:transition>
-    </mc:Fallback>
-  </mc:AlternateContent>
+  <p:transition>
+    <p:fade/>
+  </p:transition>
 </p:sld>
 </file>
 
@@ -24024,6 +24551,15 @@
 </file>
 
 <file path=customXml/item1.xml><?xml version="1.0" encoding="utf-8"?>
+<?mso-contentType ?>
+<FormTemplates xmlns="http://schemas.microsoft.com/sharepoint/v3/contenttype/forms">
+  <Display>DocumentLibraryForm</Display>
+  <Edit>DocumentLibraryForm</Edit>
+  <New>DocumentLibraryForm</New>
+</FormTemplates>
+</file>
+
+<file path=customXml/item2.xml><?xml version="1.0" encoding="utf-8"?>
 <ct:contentTypeSchema xmlns:ct="http://schemas.microsoft.com/office/2006/metadata/contentType" xmlns:ma="http://schemas.microsoft.com/office/2006/metadata/properties/metaAttributes" ct:_="" ma:_="" ma:contentTypeName="Document" ma:contentTypeID="0x010100BD9FAF4CD5AD2F4B99B5B2414089ABF7" ma:contentTypeVersion="14" ma:contentTypeDescription="Create a new document." ma:contentTypeScope="" ma:versionID="15419eb272c8997d22174cab72b81ac5">
   <xsd:schema xmlns:xsd="http://www.w3.org/2001/XMLSchema" xmlns:xs="http://www.w3.org/2001/XMLSchema" xmlns:p="http://schemas.microsoft.com/office/2006/metadata/properties" xmlns:ns2="dcf5ddc1-fb1d-440f-849a-6450bddbaed7" xmlns:ns3="965de625-df5b-42e9-a277-2113da4f1195" targetNamespace="http://schemas.microsoft.com/office/2006/metadata/properties" ma:root="true" ma:fieldsID="366f960d0717a06e650b8dd07cd5f805" ns2:_="" ns3:_="">
     <xsd:import namespace="dcf5ddc1-fb1d-440f-849a-6450bddbaed7"/>
@@ -24254,15 +24790,6 @@
 </ct:contentTypeSchema>
 </file>
 
-<file path=customXml/item2.xml><?xml version="1.0" encoding="utf-8"?>
-<?mso-contentType ?>
-<FormTemplates xmlns="http://schemas.microsoft.com/sharepoint/v3/contenttype/forms">
-  <Display>DocumentLibraryForm</Display>
-  <Edit>DocumentLibraryForm</Edit>
-  <New>DocumentLibraryForm</New>
-</FormTemplates>
-</file>
-
 <file path=customXml/item3.xml><?xml version="1.0" encoding="utf-8"?>
 <p:properties xmlns:p="http://schemas.microsoft.com/office/2006/metadata/properties" xmlns:xsi="http://www.w3.org/2001/XMLSchema-instance" xmlns:pc="http://schemas.microsoft.com/office/infopath/2007/PartnerControls">
   <documentManagement>
@@ -24272,6 +24799,14 @@
 </file>
 
 <file path=customXml/itemProps1.xml><?xml version="1.0" encoding="utf-8"?>
+<ds:datastoreItem xmlns:ds="http://schemas.openxmlformats.org/officeDocument/2006/customXml" ds:itemID="{758FDAC0-319D-4A54-8D8E-1D42CB1F8004}">
+  <ds:schemaRefs>
+    <ds:schemaRef ds:uri="http://schemas.microsoft.com/sharepoint/v3/contenttype/forms"/>
+  </ds:schemaRefs>
+</ds:datastoreItem>
+</file>
+
+<file path=customXml/itemProps2.xml><?xml version="1.0" encoding="utf-8"?>
 <ds:datastoreItem xmlns:ds="http://schemas.openxmlformats.org/officeDocument/2006/customXml" ds:itemID="{B28DDFE8-80D6-4A60-B5D6-41E509D3A2B4}">
   <ds:schemaRefs>
     <ds:schemaRef ds:uri="http://schemas.microsoft.com/office/2006/metadata/contentType"/>
@@ -24286,14 +24821,6 @@
     <ds:schemaRef ds:uri="http://purl.org/dc/elements/1.1/"/>
     <ds:schemaRef ds:uri="http://purl.org/dc/terms/"/>
     <ds:schemaRef ds:uri="http://schemas.microsoft.com/internal/obd"/>
-  </ds:schemaRefs>
-</ds:datastoreItem>
-</file>
-
-<file path=customXml/itemProps2.xml><?xml version="1.0" encoding="utf-8"?>
-<ds:datastoreItem xmlns:ds="http://schemas.openxmlformats.org/officeDocument/2006/customXml" ds:itemID="{758FDAC0-319D-4A54-8D8E-1D42CB1F8004}">
-  <ds:schemaRefs>
-    <ds:schemaRef ds:uri="http://schemas.microsoft.com/sharepoint/v3/contenttype/forms"/>
   </ds:schemaRefs>
 </ds:datastoreItem>
 </file>

--- a/Slides/Lecture04 - Data Access and Entity Framework Core.pptx
+++ b/Slides/Lecture04 - Data Access and Entity Framework Core.pptx
@@ -300,7 +300,7 @@
               <a:rPr lang="en-US" smtClean="0">
                 <a:latin typeface="Segoe UI" pitchFamily="34" charset="0"/>
               </a:rPr>
-              <a:t>9/15/2020 10:23 PM</a:t>
+              <a:t>9/16/2020 9:20 PM</a:t>
             </a:fld>
             <a:endParaRPr lang="en-US" dirty="0">
               <a:latin typeface="Segoe UI" pitchFamily="34" charset="0"/>
@@ -578,7 +578,7 @@
           <a:p>
             <a:fld id="{386CE63F-9E7F-4C04-9D0D-FCA25A8E9E86}" type="datetime8">
               <a:rPr lang="en-US" smtClean="0"/>
-              <a:t>9/15/2020 10:19 PM</a:t>
+              <a:t>9/16/2020 9:19 PM</a:t>
             </a:fld>
             <a:endParaRPr lang="en-US" dirty="0"/>
           </a:p>
@@ -945,7 +945,7 @@
           <a:p>
             <a:fld id="{321E5A7B-BB8D-4368-A182-109669521632}" type="datetime8">
               <a:rPr lang="en-US" smtClean="0"/>
-              <a:t>9/15/2020 10:19 PM</a:t>
+              <a:t>9/16/2020 9:19 PM</a:t>
             </a:fld>
             <a:endParaRPr lang="en-US" dirty="0"/>
           </a:p>
@@ -21374,12 +21374,101 @@
         <p:spPr>
           <a:xfrm>
             <a:off x="586390" y="1434370"/>
-            <a:ext cx="11018520" cy="4050340"/>
+            <a:ext cx="11018520" cy="4567404"/>
           </a:xfrm>
         </p:spPr>
         <p:txBody>
           <a:bodyPr/>
           <a:lstStyle/>
+          <a:p>
+            <a:r>
+              <a:rPr lang="en-US" b="0" dirty="0">
+                <a:solidFill>
+                  <a:srgbClr val="569CD6"/>
+                </a:solidFill>
+                <a:effectLst/>
+                <a:latin typeface=" Cascadia Code PL"/>
+              </a:rPr>
+              <a:t>var</a:t>
+            </a:r>
+            <a:r>
+              <a:rPr lang="en-US" b="0" dirty="0">
+                <a:solidFill>
+                  <a:srgbClr val="D4D4D4"/>
+                </a:solidFill>
+                <a:effectLst/>
+                <a:latin typeface=" Cascadia Code PL"/>
+              </a:rPr>
+              <a:t> </a:t>
+            </a:r>
+            <a:r>
+              <a:rPr lang="en-US" b="0" dirty="0">
+                <a:solidFill>
+                  <a:srgbClr val="9CDCFE"/>
+                </a:solidFill>
+                <a:effectLst/>
+                <a:latin typeface=" Cascadia Code PL"/>
+              </a:rPr>
+              <a:t>resource</a:t>
+            </a:r>
+            <a:r>
+              <a:rPr lang="en-US" b="0" dirty="0">
+                <a:solidFill>
+                  <a:srgbClr val="D4D4D4"/>
+                </a:solidFill>
+                <a:effectLst/>
+                <a:latin typeface=" Cascadia Code PL"/>
+              </a:rPr>
+              <a:t> = </a:t>
+            </a:r>
+            <a:r>
+              <a:rPr lang="en-US" b="0" dirty="0">
+                <a:solidFill>
+                  <a:srgbClr val="569CD6"/>
+                </a:solidFill>
+                <a:effectLst/>
+                <a:latin typeface=" Cascadia Code PL"/>
+              </a:rPr>
+              <a:t>new</a:t>
+            </a:r>
+            <a:r>
+              <a:rPr lang="en-US" b="0" dirty="0">
+                <a:solidFill>
+                  <a:srgbClr val="D4D4D4"/>
+                </a:solidFill>
+                <a:effectLst/>
+                <a:latin typeface=" Cascadia Code PL"/>
+              </a:rPr>
+              <a:t> </a:t>
+            </a:r>
+            <a:r>
+              <a:rPr lang="en-US" b="0" dirty="0">
+                <a:solidFill>
+                  <a:srgbClr val="4EC9B0"/>
+                </a:solidFill>
+                <a:effectLst/>
+                <a:latin typeface=" Cascadia Code PL"/>
+              </a:rPr>
+              <a:t>Resource</a:t>
+            </a:r>
+            <a:r>
+              <a:rPr lang="da-DK" sz="2800" b="0" dirty="0">
+                <a:solidFill>
+                  <a:srgbClr val="D4D4D4"/>
+                </a:solidFill>
+                <a:effectLst/>
+                <a:latin typeface=" Cascadia Code PL"/>
+              </a:rPr>
+              <a:t>();</a:t>
+            </a:r>
+            <a:endParaRPr lang="da-DK" sz="2800" b="0" dirty="0">
+              <a:solidFill>
+                <a:srgbClr val="C586C0"/>
+              </a:solidFill>
+              <a:effectLst/>
+              <a:latin typeface=" Cascadia Code PL"/>
+            </a:endParaRPr>
+          </a:p>
           <a:p>
             <a:r>
               <a:rPr lang="da-DK" sz="2800" b="0" dirty="0">
@@ -21677,7 +21766,7 @@
                 <a:effectLst/>
                 <a:latin typeface=" Cascadia Code PL"/>
               </a:rPr>
-              <a:t>resource1</a:t>
+              <a:t>resource</a:t>
             </a:r>
             <a:r>
               <a:rPr lang="en-US" b="0" dirty="0">
@@ -22339,6 +22428,45 @@
           </a:p>
         </p:txBody>
       </p:sp>
+      <p:sp>
+        <p:nvSpPr>
+          <p:cNvPr id="5" name="TextBox 4">
+            <a:extLst>
+              <a:ext uri="{FF2B5EF4-FFF2-40B4-BE49-F238E27FC236}">
+                <a16:creationId xmlns:a16="http://schemas.microsoft.com/office/drawing/2014/main" id="{2DDBF4CE-DE7C-458D-B6F8-A55AA9DDCEC8}"/>
+              </a:ext>
+            </a:extLst>
+          </p:cNvPr>
+          <p:cNvSpPr txBox="1"/>
+          <p:nvPr/>
+        </p:nvSpPr>
+        <p:spPr>
+          <a:xfrm>
+            <a:off x="3550920" y="6218827"/>
+            <a:ext cx="8436610" cy="363946"/>
+          </a:xfrm>
+          <a:prstGeom prst="rect">
+            <a:avLst/>
+          </a:prstGeom>
+          <a:noFill/>
+        </p:spPr>
+        <p:txBody>
+          <a:bodyPr wrap="square">
+            <a:spAutoFit/>
+          </a:bodyPr>
+          <a:lstStyle/>
+          <a:p>
+            <a:pPr algn="r"/>
+            <a:r>
+              <a:rPr lang="da-DK" dirty="0">
+                <a:hlinkClick r:id="rId2"/>
+              </a:rPr>
+              <a:t>https://docs.microsoft.com/en-us/ef/core/miscellaneous/cli/dotnet</a:t>
+            </a:r>
+            <a:endParaRPr lang="LID4096" dirty="0"/>
+          </a:p>
+        </p:txBody>
+      </p:sp>
     </p:spTree>
     <p:extLst>
       <p:ext uri="{BB962C8B-B14F-4D97-AF65-F5344CB8AC3E}">
@@ -22625,7 +22753,7 @@
                 <a:effectLst/>
                 <a:latin typeface=" Cascadia Code PL"/>
               </a:rPr>
-              <a:t>OnConfiguring2</a:t>
+              <a:t>OnConfiguring</a:t>
             </a:r>
             <a:r>
               <a:rPr lang="da-DK" sz="1800" b="0" dirty="0">
@@ -22770,6 +22898,44 @@
               <a:effectLst/>
               <a:latin typeface=" Cascadia Code PL"/>
             </a:endParaRPr>
+          </a:p>
+        </p:txBody>
+      </p:sp>
+      <p:sp>
+        <p:nvSpPr>
+          <p:cNvPr id="5" name="TextBox 4">
+            <a:extLst>
+              <a:ext uri="{FF2B5EF4-FFF2-40B4-BE49-F238E27FC236}">
+                <a16:creationId xmlns:a16="http://schemas.microsoft.com/office/drawing/2014/main" id="{0AF411FA-D054-496E-9578-99806CC4AC76}"/>
+              </a:ext>
+            </a:extLst>
+          </p:cNvPr>
+          <p:cNvSpPr txBox="1"/>
+          <p:nvPr/>
+        </p:nvSpPr>
+        <p:spPr>
+          <a:xfrm>
+            <a:off x="5330190" y="6218827"/>
+            <a:ext cx="6738620" cy="363946"/>
+          </a:xfrm>
+          <a:prstGeom prst="rect">
+            <a:avLst/>
+          </a:prstGeom>
+          <a:noFill/>
+        </p:spPr>
+        <p:txBody>
+          <a:bodyPr wrap="square">
+            <a:spAutoFit/>
+          </a:bodyPr>
+          <a:lstStyle/>
+          <a:p>
+            <a:r>
+              <a:rPr lang="da-DK" dirty="0">
+                <a:hlinkClick r:id="rId2"/>
+              </a:rPr>
+              <a:t>https://docs.microsoft.com/en-us/ef/core/querying/related-data/</a:t>
+            </a:r>
+            <a:endParaRPr lang="LID4096" dirty="0"/>
           </a:p>
         </p:txBody>
       </p:sp>
@@ -25184,15 +25350,6 @@
 </file>
 
 <file path=customXml/item1.xml><?xml version="1.0" encoding="utf-8"?>
-<?mso-contentType ?>
-<FormTemplates xmlns="http://schemas.microsoft.com/sharepoint/v3/contenttype/forms">
-  <Display>DocumentLibraryForm</Display>
-  <Edit>DocumentLibraryForm</Edit>
-  <New>DocumentLibraryForm</New>
-</FormTemplates>
-</file>
-
-<file path=customXml/item2.xml><?xml version="1.0" encoding="utf-8"?>
 <ct:contentTypeSchema xmlns:ct="http://schemas.microsoft.com/office/2006/metadata/contentType" xmlns:ma="http://schemas.microsoft.com/office/2006/metadata/properties/metaAttributes" ct:_="" ma:_="" ma:contentTypeName="Document" ma:contentTypeID="0x010100BD9FAF4CD5AD2F4B99B5B2414089ABF7" ma:contentTypeVersion="14" ma:contentTypeDescription="Create a new document." ma:contentTypeScope="" ma:versionID="15419eb272c8997d22174cab72b81ac5">
   <xsd:schema xmlns:xsd="http://www.w3.org/2001/XMLSchema" xmlns:xs="http://www.w3.org/2001/XMLSchema" xmlns:p="http://schemas.microsoft.com/office/2006/metadata/properties" xmlns:ns2="dcf5ddc1-fb1d-440f-849a-6450bddbaed7" xmlns:ns3="965de625-df5b-42e9-a277-2113da4f1195" targetNamespace="http://schemas.microsoft.com/office/2006/metadata/properties" ma:root="true" ma:fieldsID="366f960d0717a06e650b8dd07cd5f805" ns2:_="" ns3:_="">
     <xsd:import namespace="dcf5ddc1-fb1d-440f-849a-6450bddbaed7"/>
@@ -25423,6 +25580,15 @@
 </ct:contentTypeSchema>
 </file>
 
+<file path=customXml/item2.xml><?xml version="1.0" encoding="utf-8"?>
+<?mso-contentType ?>
+<FormTemplates xmlns="http://schemas.microsoft.com/sharepoint/v3/contenttype/forms">
+  <Display>DocumentLibraryForm</Display>
+  <Edit>DocumentLibraryForm</Edit>
+  <New>DocumentLibraryForm</New>
+</FormTemplates>
+</file>
+
 <file path=customXml/item3.xml><?xml version="1.0" encoding="utf-8"?>
 <p:properties xmlns:p="http://schemas.microsoft.com/office/2006/metadata/properties" xmlns:xsi="http://www.w3.org/2001/XMLSchema-instance" xmlns:pc="http://schemas.microsoft.com/office/infopath/2007/PartnerControls">
   <documentManagement>
@@ -25432,14 +25598,6 @@
 </file>
 
 <file path=customXml/itemProps1.xml><?xml version="1.0" encoding="utf-8"?>
-<ds:datastoreItem xmlns:ds="http://schemas.openxmlformats.org/officeDocument/2006/customXml" ds:itemID="{758FDAC0-319D-4A54-8D8E-1D42CB1F8004}">
-  <ds:schemaRefs>
-    <ds:schemaRef ds:uri="http://schemas.microsoft.com/sharepoint/v3/contenttype/forms"/>
-  </ds:schemaRefs>
-</ds:datastoreItem>
-</file>
-
-<file path=customXml/itemProps2.xml><?xml version="1.0" encoding="utf-8"?>
 <ds:datastoreItem xmlns:ds="http://schemas.openxmlformats.org/officeDocument/2006/customXml" ds:itemID="{B28DDFE8-80D6-4A60-B5D6-41E509D3A2B4}">
   <ds:schemaRefs>
     <ds:schemaRef ds:uri="http://schemas.microsoft.com/office/2006/metadata/contentType"/>
@@ -25458,18 +25616,26 @@
 </ds:datastoreItem>
 </file>
 
+<file path=customXml/itemProps2.xml><?xml version="1.0" encoding="utf-8"?>
+<ds:datastoreItem xmlns:ds="http://schemas.openxmlformats.org/officeDocument/2006/customXml" ds:itemID="{758FDAC0-319D-4A54-8D8E-1D42CB1F8004}">
+  <ds:schemaRefs>
+    <ds:schemaRef ds:uri="http://schemas.microsoft.com/sharepoint/v3/contenttype/forms"/>
+  </ds:schemaRefs>
+</ds:datastoreItem>
+</file>
+
 <file path=customXml/itemProps3.xml><?xml version="1.0" encoding="utf-8"?>
 <ds:datastoreItem xmlns:ds="http://schemas.openxmlformats.org/officeDocument/2006/customXml" ds:itemID="{F990F116-B58F-4255-B05B-DA3808E0E5C6}">
   <ds:schemaRefs>
+    <ds:schemaRef ds:uri="http://purl.org/dc/dcmitype/"/>
+    <ds:schemaRef ds:uri="http://purl.org/dc/elements/1.1/"/>
+    <ds:schemaRef ds:uri="965de625-df5b-42e9-a277-2113da4f1195"/>
+    <ds:schemaRef ds:uri="http://schemas.openxmlformats.org/package/2006/metadata/core-properties"/>
+    <ds:schemaRef ds:uri="http://schemas.microsoft.com/office/2006/documentManagement/types"/>
+    <ds:schemaRef ds:uri="dcf5ddc1-fb1d-440f-849a-6450bddbaed7"/>
+    <ds:schemaRef ds:uri="http://purl.org/dc/terms/"/>
     <ds:schemaRef ds:uri="http://www.w3.org/XML/1998/namespace"/>
     <ds:schemaRef ds:uri="http://schemas.microsoft.com/office/infopath/2007/PartnerControls"/>
-    <ds:schemaRef ds:uri="dcf5ddc1-fb1d-440f-849a-6450bddbaed7"/>
-    <ds:schemaRef ds:uri="965de625-df5b-42e9-a277-2113da4f1195"/>
-    <ds:schemaRef ds:uri="http://purl.org/dc/elements/1.1/"/>
-    <ds:schemaRef ds:uri="http://purl.org/dc/dcmitype/"/>
-    <ds:schemaRef ds:uri="http://purl.org/dc/terms/"/>
-    <ds:schemaRef ds:uri="http://schemas.microsoft.com/office/2006/documentManagement/types"/>
-    <ds:schemaRef ds:uri="http://schemas.openxmlformats.org/package/2006/metadata/core-properties"/>
     <ds:schemaRef ds:uri="http://schemas.microsoft.com/office/2006/metadata/properties"/>
   </ds:schemaRefs>
 </ds:datastoreItem>
